--- a/Front end trainee program.pptx
+++ b/Front end trainee program.pptx
@@ -5,7 +5,7 @@
     <p:sldMasterId id="2147483659" r:id="rId1"/>
   </p:sldMasterIdLst>
   <p:notesMasterIdLst>
-    <p:notesMasterId r:id="rId28"/>
+    <p:notesMasterId r:id="rId38"/>
   </p:notesMasterIdLst>
   <p:sldIdLst>
     <p:sldId id="256" r:id="rId2"/>
@@ -31,33 +31,43 @@
     <p:sldId id="276" r:id="rId22"/>
     <p:sldId id="277" r:id="rId23"/>
     <p:sldId id="278" r:id="rId24"/>
-    <p:sldId id="293" r:id="rId25"/>
-    <p:sldId id="294" r:id="rId26"/>
-    <p:sldId id="295" r:id="rId27"/>
+    <p:sldId id="279" r:id="rId25"/>
+    <p:sldId id="280" r:id="rId26"/>
+    <p:sldId id="281" r:id="rId27"/>
+    <p:sldId id="282" r:id="rId28"/>
+    <p:sldId id="283" r:id="rId29"/>
+    <p:sldId id="284" r:id="rId30"/>
+    <p:sldId id="285" r:id="rId31"/>
+    <p:sldId id="286" r:id="rId32"/>
+    <p:sldId id="287" r:id="rId33"/>
+    <p:sldId id="288" r:id="rId34"/>
+    <p:sldId id="293" r:id="rId35"/>
+    <p:sldId id="294" r:id="rId36"/>
+    <p:sldId id="295" r:id="rId37"/>
   </p:sldIdLst>
   <p:sldSz cx="9144000" cy="5143500" type="screen16x9"/>
   <p:notesSz cx="6858000" cy="9144000"/>
   <p:embeddedFontLst>
     <p:embeddedFont>
       <p:font typeface="Open Sans" panose="020B0606030504020204" pitchFamily="34" charset="0"/>
-      <p:regular r:id="rId29"/>
-      <p:bold r:id="rId30"/>
-      <p:italic r:id="rId31"/>
-      <p:boldItalic r:id="rId32"/>
+      <p:regular r:id="rId39"/>
+      <p:bold r:id="rId40"/>
+      <p:italic r:id="rId41"/>
+      <p:boldItalic r:id="rId42"/>
     </p:embeddedFont>
     <p:embeddedFont>
       <p:font typeface="Open Sans Light" panose="020B0306030504020204" pitchFamily="34" charset="0"/>
-      <p:regular r:id="rId33"/>
-      <p:bold r:id="rId34"/>
-      <p:italic r:id="rId35"/>
-      <p:boldItalic r:id="rId36"/>
+      <p:regular r:id="rId43"/>
+      <p:bold r:id="rId44"/>
+      <p:italic r:id="rId45"/>
+      <p:boldItalic r:id="rId46"/>
     </p:embeddedFont>
     <p:embeddedFont>
       <p:font typeface="Open Sans SemiBold" panose="020B0606030504020204" pitchFamily="34" charset="0"/>
-      <p:regular r:id="rId37"/>
-      <p:bold r:id="rId38"/>
-      <p:italic r:id="rId39"/>
-      <p:boldItalic r:id="rId40"/>
+      <p:regular r:id="rId47"/>
+      <p:bold r:id="rId48"/>
+      <p:italic r:id="rId49"/>
+      <p:boldItalic r:id="rId50"/>
     </p:embeddedFont>
   </p:embeddedFontLst>
   <p:defaultTextStyle>
@@ -2388,7 +2398,7 @@
         </p:nvSpPr>
         <p:spPr>
           <a:xfrm>
-            <a:off x="381300" y="685800"/>
+            <a:off x="381000" y="685800"/>
             <a:ext cx="6096000" cy="3429000"/>
           </a:xfrm>
           <a:custGeom>
@@ -2468,7 +2478,7 @@
   <p:cSld>
     <p:spTree>
       <p:nvGrpSpPr>
-        <p:cNvPr id="1" name="Shape 482"/>
+        <p:cNvPr id="1" name="Shape 334"/>
         <p:cNvGrpSpPr/>
         <p:nvPr/>
       </p:nvGrpSpPr>
@@ -2482,7 +2492,7 @@
       </p:grpSpPr>
       <p:sp>
         <p:nvSpPr>
-          <p:cNvPr id="483" name="Google Shape;483;g5f4290d190_0_21:notes"/>
+          <p:cNvPr id="335" name="Google Shape;335;g5fde780c1f_0_15:notes"/>
           <p:cNvSpPr>
             <a:spLocks noGrp="1" noRot="1" noChangeAspect="1"/>
           </p:cNvSpPr>
@@ -2523,7 +2533,7 @@
       </p:sp>
       <p:sp>
         <p:nvSpPr>
-          <p:cNvPr id="484" name="Google Shape;484;g5f4290d190_0_21:notes"/>
+          <p:cNvPr id="336" name="Google Shape;336;g5fde780c1f_0_15:notes"/>
           <p:cNvSpPr txBox="1">
             <a:spLocks noGrp="1"/>
           </p:cNvSpPr>
@@ -2560,6 +2570,11 @@
         </p:txBody>
       </p:sp>
     </p:spTree>
+    <p:extLst>
+      <p:ext uri="{BB962C8B-B14F-4D97-AF65-F5344CB8AC3E}">
+        <p14:creationId xmlns:p14="http://schemas.microsoft.com/office/powerpoint/2010/main" val="3897792314"/>
+      </p:ext>
+    </p:extLst>
   </p:cSld>
   <p:clrMapOvr>
     <a:masterClrMapping/>
@@ -2572,7 +2587,7 @@
   <p:cSld>
     <p:spTree>
       <p:nvGrpSpPr>
-        <p:cNvPr id="1" name="Shape 489"/>
+        <p:cNvPr id="1" name="Shape 340"/>
         <p:cNvGrpSpPr/>
         <p:nvPr/>
       </p:nvGrpSpPr>
@@ -2586,7 +2601,7 @@
       </p:grpSpPr>
       <p:sp>
         <p:nvSpPr>
-          <p:cNvPr id="490" name="Google Shape;490;g5fde780c1f_0_21:notes"/>
+          <p:cNvPr id="341" name="Google Shape;341;g5d88e87b25_0_2:notes"/>
           <p:cNvSpPr>
             <a:spLocks noGrp="1" noRot="1" noChangeAspect="1"/>
           </p:cNvSpPr>
@@ -2627,7 +2642,7 @@
       </p:sp>
       <p:sp>
         <p:nvSpPr>
-          <p:cNvPr id="491" name="Google Shape;491;g5fde780c1f_0_21:notes"/>
+          <p:cNvPr id="342" name="Google Shape;342;g5d88e87b25_0_2:notes"/>
           <p:cNvSpPr txBox="1">
             <a:spLocks noGrp="1"/>
           </p:cNvSpPr>
@@ -2664,6 +2679,11 @@
         </p:txBody>
       </p:sp>
     </p:spTree>
+    <p:extLst>
+      <p:ext uri="{BB962C8B-B14F-4D97-AF65-F5344CB8AC3E}">
+        <p14:creationId xmlns:p14="http://schemas.microsoft.com/office/powerpoint/2010/main" val="1349088599"/>
+      </p:ext>
+    </p:extLst>
   </p:cSld>
   <p:clrMapOvr>
     <a:masterClrMapping/>
@@ -2676,7 +2696,7 @@
   <p:cSld>
     <p:spTree>
       <p:nvGrpSpPr>
-        <p:cNvPr id="1" name="Shape 496"/>
+        <p:cNvPr id="1" name="Shape 348"/>
         <p:cNvGrpSpPr/>
         <p:nvPr/>
       </p:nvGrpSpPr>
@@ -2690,7 +2710,7 @@
       </p:grpSpPr>
       <p:sp>
         <p:nvSpPr>
-          <p:cNvPr id="497" name="Google Shape;497;g49eeb77882_0_202:notes"/>
+          <p:cNvPr id="349" name="Google Shape;349;g5d88e87b25_0_19:notes"/>
           <p:cNvSpPr>
             <a:spLocks noGrp="1" noRot="1" noChangeAspect="1"/>
           </p:cNvSpPr>
@@ -2731,7 +2751,7 @@
       </p:sp>
       <p:sp>
         <p:nvSpPr>
-          <p:cNvPr id="498" name="Google Shape;498;g49eeb77882_0_202:notes"/>
+          <p:cNvPr id="350" name="Google Shape;350;g5d88e87b25_0_19:notes"/>
           <p:cNvSpPr txBox="1">
             <a:spLocks noGrp="1"/>
           </p:cNvSpPr>
@@ -2763,11 +2783,366 @@
               </a:spcAft>
               <a:buNone/>
             </a:pPr>
+            <a:r>
+              <a:rPr lang="pt-BR" sz="1200" u="sng">
+                <a:solidFill>
+                  <a:srgbClr val="3D7E9A"/>
+                </a:solidFill>
+                <a:highlight>
+                  <a:srgbClr val="FFFFFF"/>
+                </a:highlight>
+                <a:hlinkClick r:id="rId3"/>
+              </a:rPr>
+              <a:t>Ecma International</a:t>
+            </a:r>
+            <a:r>
+              <a:rPr lang="pt-BR" sz="1200">
+                <a:solidFill>
+                  <a:srgbClr val="333333"/>
+                </a:solidFill>
+                <a:highlight>
+                  <a:srgbClr val="FFFFFF"/>
+                </a:highlight>
+              </a:rPr>
+              <a:t> — a associação Europeia para a padronização de sistemas de comunicação e informação (antigamente ECMA era um acrônimo para  European Computer Manufacturers Association) </a:t>
+            </a:r>
             <a:endParaRPr/>
           </a:p>
         </p:txBody>
       </p:sp>
     </p:spTree>
+    <p:extLst>
+      <p:ext uri="{BB962C8B-B14F-4D97-AF65-F5344CB8AC3E}">
+        <p14:creationId xmlns:p14="http://schemas.microsoft.com/office/powerpoint/2010/main" val="649106928"/>
+      </p:ext>
+    </p:extLst>
+  </p:cSld>
+  <p:clrMapOvr>
+    <a:masterClrMapping/>
+  </p:clrMapOvr>
+</p:notes>
+</file>
+
+<file path=ppt/notesSlides/notesSlide27.xml><?xml version="1.0" encoding="utf-8"?>
+<p:notes xmlns:a="http://schemas.openxmlformats.org/drawingml/2006/main" xmlns:r="http://schemas.openxmlformats.org/officeDocument/2006/relationships" xmlns:p="http://schemas.openxmlformats.org/presentationml/2006/main" showMasterSp="0" showMasterPhAnim="0">
+  <p:cSld>
+    <p:spTree>
+      <p:nvGrpSpPr>
+        <p:cNvPr id="1" name="Shape 365"/>
+        <p:cNvGrpSpPr/>
+        <p:nvPr/>
+      </p:nvGrpSpPr>
+      <p:grpSpPr>
+        <a:xfrm>
+          <a:off x="0" y="0"/>
+          <a:ext cx="0" cy="0"/>
+          <a:chOff x="0" y="0"/>
+          <a:chExt cx="0" cy="0"/>
+        </a:xfrm>
+      </p:grpSpPr>
+      <p:sp>
+        <p:nvSpPr>
+          <p:cNvPr id="366" name="Google Shape;366;g5d88e87b25_0_33:notes"/>
+          <p:cNvSpPr>
+            <a:spLocks noGrp="1" noRot="1" noChangeAspect="1"/>
+          </p:cNvSpPr>
+          <p:nvPr>
+            <p:ph type="sldImg" idx="2"/>
+          </p:nvPr>
+        </p:nvSpPr>
+        <p:spPr>
+          <a:xfrm>
+            <a:off x="381300" y="685800"/>
+            <a:ext cx="6096000" cy="3429000"/>
+          </a:xfrm>
+          <a:custGeom>
+            <a:avLst/>
+            <a:gdLst/>
+            <a:ahLst/>
+            <a:cxnLst/>
+            <a:rect l="l" t="t" r="r" b="b"/>
+            <a:pathLst>
+              <a:path w="120000" h="120000" extrusionOk="0">
+                <a:moveTo>
+                  <a:pt x="0" y="0"/>
+                </a:moveTo>
+                <a:lnTo>
+                  <a:pt x="120000" y="0"/>
+                </a:lnTo>
+                <a:lnTo>
+                  <a:pt x="120000" y="120000"/>
+                </a:lnTo>
+                <a:lnTo>
+                  <a:pt x="0" y="120000"/>
+                </a:lnTo>
+                <a:close/>
+              </a:path>
+            </a:pathLst>
+          </a:custGeom>
+        </p:spPr>
+      </p:sp>
+      <p:sp>
+        <p:nvSpPr>
+          <p:cNvPr id="367" name="Google Shape;367;g5d88e87b25_0_33:notes"/>
+          <p:cNvSpPr txBox="1">
+            <a:spLocks noGrp="1"/>
+          </p:cNvSpPr>
+          <p:nvPr>
+            <p:ph type="body" idx="1"/>
+          </p:nvPr>
+        </p:nvSpPr>
+        <p:spPr>
+          <a:xfrm>
+            <a:off x="685800" y="4343400"/>
+            <a:ext cx="5486400" cy="4114800"/>
+          </a:xfrm>
+          <a:prstGeom prst="rect">
+            <a:avLst/>
+          </a:prstGeom>
+        </p:spPr>
+        <p:txBody>
+          <a:bodyPr spcFirstLastPara="1" wrap="square" lIns="91425" tIns="91425" rIns="91425" bIns="91425" anchor="t" anchorCtr="0">
+            <a:noAutofit/>
+          </a:bodyPr>
+          <a:lstStyle/>
+          <a:p>
+            <a:pPr marL="0" lvl="0" indent="0" algn="l" rtl="0">
+              <a:spcBef>
+                <a:spcPts val="0"/>
+              </a:spcBef>
+              <a:spcAft>
+                <a:spcPts val="0"/>
+              </a:spcAft>
+              <a:buNone/>
+            </a:pPr>
+            <a:endParaRPr/>
+          </a:p>
+        </p:txBody>
+      </p:sp>
+    </p:spTree>
+    <p:extLst>
+      <p:ext uri="{BB962C8B-B14F-4D97-AF65-F5344CB8AC3E}">
+        <p14:creationId xmlns:p14="http://schemas.microsoft.com/office/powerpoint/2010/main" val="3942617240"/>
+      </p:ext>
+    </p:extLst>
+  </p:cSld>
+  <p:clrMapOvr>
+    <a:masterClrMapping/>
+  </p:clrMapOvr>
+</p:notes>
+</file>
+
+<file path=ppt/notesSlides/notesSlide28.xml><?xml version="1.0" encoding="utf-8"?>
+<p:notes xmlns:a="http://schemas.openxmlformats.org/drawingml/2006/main" xmlns:r="http://schemas.openxmlformats.org/officeDocument/2006/relationships" xmlns:p="http://schemas.openxmlformats.org/presentationml/2006/main" showMasterSp="0" showMasterPhAnim="0">
+  <p:cSld>
+    <p:spTree>
+      <p:nvGrpSpPr>
+        <p:cNvPr id="1" name="Shape 375"/>
+        <p:cNvGrpSpPr/>
+        <p:nvPr/>
+      </p:nvGrpSpPr>
+      <p:grpSpPr>
+        <a:xfrm>
+          <a:off x="0" y="0"/>
+          <a:ext cx="0" cy="0"/>
+          <a:chOff x="0" y="0"/>
+          <a:chExt cx="0" cy="0"/>
+        </a:xfrm>
+      </p:grpSpPr>
+      <p:sp>
+        <p:nvSpPr>
+          <p:cNvPr id="376" name="Google Shape;376;g5d82e00bbd_0_63:notes"/>
+          <p:cNvSpPr>
+            <a:spLocks noGrp="1" noRot="1" noChangeAspect="1"/>
+          </p:cNvSpPr>
+          <p:nvPr>
+            <p:ph type="sldImg" idx="2"/>
+          </p:nvPr>
+        </p:nvSpPr>
+        <p:spPr>
+          <a:xfrm>
+            <a:off x="381300" y="685800"/>
+            <a:ext cx="6096000" cy="3429000"/>
+          </a:xfrm>
+          <a:custGeom>
+            <a:avLst/>
+            <a:gdLst/>
+            <a:ahLst/>
+            <a:cxnLst/>
+            <a:rect l="l" t="t" r="r" b="b"/>
+            <a:pathLst>
+              <a:path w="120000" h="120000" extrusionOk="0">
+                <a:moveTo>
+                  <a:pt x="0" y="0"/>
+                </a:moveTo>
+                <a:lnTo>
+                  <a:pt x="120000" y="0"/>
+                </a:lnTo>
+                <a:lnTo>
+                  <a:pt x="120000" y="120000"/>
+                </a:lnTo>
+                <a:lnTo>
+                  <a:pt x="0" y="120000"/>
+                </a:lnTo>
+                <a:close/>
+              </a:path>
+            </a:pathLst>
+          </a:custGeom>
+        </p:spPr>
+      </p:sp>
+      <p:sp>
+        <p:nvSpPr>
+          <p:cNvPr id="377" name="Google Shape;377;g5d82e00bbd_0_63:notes"/>
+          <p:cNvSpPr txBox="1">
+            <a:spLocks noGrp="1"/>
+          </p:cNvSpPr>
+          <p:nvPr>
+            <p:ph type="body" idx="1"/>
+          </p:nvPr>
+        </p:nvSpPr>
+        <p:spPr>
+          <a:xfrm>
+            <a:off x="685800" y="4343400"/>
+            <a:ext cx="5486400" cy="4114800"/>
+          </a:xfrm>
+          <a:prstGeom prst="rect">
+            <a:avLst/>
+          </a:prstGeom>
+        </p:spPr>
+        <p:txBody>
+          <a:bodyPr spcFirstLastPara="1" wrap="square" lIns="91425" tIns="91425" rIns="91425" bIns="91425" anchor="t" anchorCtr="0">
+            <a:noAutofit/>
+          </a:bodyPr>
+          <a:lstStyle/>
+          <a:p>
+            <a:pPr marL="0" lvl="0" indent="0" algn="l" rtl="0">
+              <a:spcBef>
+                <a:spcPts val="0"/>
+              </a:spcBef>
+              <a:spcAft>
+                <a:spcPts val="0"/>
+              </a:spcAft>
+              <a:buNone/>
+            </a:pPr>
+            <a:endParaRPr/>
+          </a:p>
+        </p:txBody>
+      </p:sp>
+    </p:spTree>
+    <p:extLst>
+      <p:ext uri="{BB962C8B-B14F-4D97-AF65-F5344CB8AC3E}">
+        <p14:creationId xmlns:p14="http://schemas.microsoft.com/office/powerpoint/2010/main" val="669042712"/>
+      </p:ext>
+    </p:extLst>
+  </p:cSld>
+  <p:clrMapOvr>
+    <a:masterClrMapping/>
+  </p:clrMapOvr>
+</p:notes>
+</file>
+
+<file path=ppt/notesSlides/notesSlide29.xml><?xml version="1.0" encoding="utf-8"?>
+<p:notes xmlns:a="http://schemas.openxmlformats.org/drawingml/2006/main" xmlns:r="http://schemas.openxmlformats.org/officeDocument/2006/relationships" xmlns:p="http://schemas.openxmlformats.org/presentationml/2006/main" showMasterSp="0" showMasterPhAnim="0">
+  <p:cSld>
+    <p:spTree>
+      <p:nvGrpSpPr>
+        <p:cNvPr id="1" name="Shape 385"/>
+        <p:cNvGrpSpPr/>
+        <p:nvPr/>
+      </p:nvGrpSpPr>
+      <p:grpSpPr>
+        <a:xfrm>
+          <a:off x="0" y="0"/>
+          <a:ext cx="0" cy="0"/>
+          <a:chOff x="0" y="0"/>
+          <a:chExt cx="0" cy="0"/>
+        </a:xfrm>
+      </p:grpSpPr>
+      <p:sp>
+        <p:nvSpPr>
+          <p:cNvPr id="386" name="Google Shape;386;g60535c6e94_0_0:notes"/>
+          <p:cNvSpPr>
+            <a:spLocks noGrp="1" noRot="1" noChangeAspect="1"/>
+          </p:cNvSpPr>
+          <p:nvPr>
+            <p:ph type="sldImg" idx="2"/>
+          </p:nvPr>
+        </p:nvSpPr>
+        <p:spPr>
+          <a:xfrm>
+            <a:off x="381300" y="685800"/>
+            <a:ext cx="6096000" cy="3429000"/>
+          </a:xfrm>
+          <a:custGeom>
+            <a:avLst/>
+            <a:gdLst/>
+            <a:ahLst/>
+            <a:cxnLst/>
+            <a:rect l="l" t="t" r="r" b="b"/>
+            <a:pathLst>
+              <a:path w="120000" h="120000" extrusionOk="0">
+                <a:moveTo>
+                  <a:pt x="0" y="0"/>
+                </a:moveTo>
+                <a:lnTo>
+                  <a:pt x="120000" y="0"/>
+                </a:lnTo>
+                <a:lnTo>
+                  <a:pt x="120000" y="120000"/>
+                </a:lnTo>
+                <a:lnTo>
+                  <a:pt x="0" y="120000"/>
+                </a:lnTo>
+                <a:close/>
+              </a:path>
+            </a:pathLst>
+          </a:custGeom>
+        </p:spPr>
+      </p:sp>
+      <p:sp>
+        <p:nvSpPr>
+          <p:cNvPr id="387" name="Google Shape;387;g60535c6e94_0_0:notes"/>
+          <p:cNvSpPr txBox="1">
+            <a:spLocks noGrp="1"/>
+          </p:cNvSpPr>
+          <p:nvPr>
+            <p:ph type="body" idx="1"/>
+          </p:nvPr>
+        </p:nvSpPr>
+        <p:spPr>
+          <a:xfrm>
+            <a:off x="685800" y="4343400"/>
+            <a:ext cx="5486400" cy="4114800"/>
+          </a:xfrm>
+          <a:prstGeom prst="rect">
+            <a:avLst/>
+          </a:prstGeom>
+        </p:spPr>
+        <p:txBody>
+          <a:bodyPr spcFirstLastPara="1" wrap="square" lIns="91425" tIns="91425" rIns="91425" bIns="91425" anchor="t" anchorCtr="0">
+            <a:noAutofit/>
+          </a:bodyPr>
+          <a:lstStyle/>
+          <a:p>
+            <a:pPr marL="0" lvl="0" indent="0" algn="l" rtl="0">
+              <a:spcBef>
+                <a:spcPts val="0"/>
+              </a:spcBef>
+              <a:spcAft>
+                <a:spcPts val="0"/>
+              </a:spcAft>
+              <a:buNone/>
+            </a:pPr>
+            <a:endParaRPr/>
+          </a:p>
+        </p:txBody>
+      </p:sp>
+    </p:spTree>
+    <p:extLst>
+      <p:ext uri="{BB962C8B-B14F-4D97-AF65-F5344CB8AC3E}">
+        <p14:creationId xmlns:p14="http://schemas.microsoft.com/office/powerpoint/2010/main" val="1279063785"/>
+      </p:ext>
+    </p:extLst>
   </p:cSld>
   <p:clrMapOvr>
     <a:masterClrMapping/>
@@ -2836,6 +3211,766 @@
       <p:sp>
         <p:nvSpPr>
           <p:cNvPr id="70" name="Google Shape;70;g5f4290d190_0_27:notes"/>
+          <p:cNvSpPr txBox="1">
+            <a:spLocks noGrp="1"/>
+          </p:cNvSpPr>
+          <p:nvPr>
+            <p:ph type="body" idx="1"/>
+          </p:nvPr>
+        </p:nvSpPr>
+        <p:spPr>
+          <a:xfrm>
+            <a:off x="685800" y="4343400"/>
+            <a:ext cx="5486400" cy="4114800"/>
+          </a:xfrm>
+          <a:prstGeom prst="rect">
+            <a:avLst/>
+          </a:prstGeom>
+        </p:spPr>
+        <p:txBody>
+          <a:bodyPr spcFirstLastPara="1" wrap="square" lIns="91425" tIns="91425" rIns="91425" bIns="91425" anchor="t" anchorCtr="0">
+            <a:noAutofit/>
+          </a:bodyPr>
+          <a:lstStyle/>
+          <a:p>
+            <a:pPr marL="0" lvl="0" indent="0" algn="l" rtl="0">
+              <a:spcBef>
+                <a:spcPts val="0"/>
+              </a:spcBef>
+              <a:spcAft>
+                <a:spcPts val="0"/>
+              </a:spcAft>
+              <a:buNone/>
+            </a:pPr>
+            <a:endParaRPr/>
+          </a:p>
+        </p:txBody>
+      </p:sp>
+    </p:spTree>
+  </p:cSld>
+  <p:clrMapOvr>
+    <a:masterClrMapping/>
+  </p:clrMapOvr>
+</p:notes>
+</file>
+
+<file path=ppt/notesSlides/notesSlide30.xml><?xml version="1.0" encoding="utf-8"?>
+<p:notes xmlns:a="http://schemas.openxmlformats.org/drawingml/2006/main" xmlns:r="http://schemas.openxmlformats.org/officeDocument/2006/relationships" xmlns:p="http://schemas.openxmlformats.org/presentationml/2006/main" showMasterSp="0" showMasterPhAnim="0">
+  <p:cSld>
+    <p:spTree>
+      <p:nvGrpSpPr>
+        <p:cNvPr id="1" name="Shape 395"/>
+        <p:cNvGrpSpPr/>
+        <p:nvPr/>
+      </p:nvGrpSpPr>
+      <p:grpSpPr>
+        <a:xfrm>
+          <a:off x="0" y="0"/>
+          <a:ext cx="0" cy="0"/>
+          <a:chOff x="0" y="0"/>
+          <a:chExt cx="0" cy="0"/>
+        </a:xfrm>
+      </p:grpSpPr>
+      <p:sp>
+        <p:nvSpPr>
+          <p:cNvPr id="396" name="Google Shape;396;g5d88e87b25_0_54:notes"/>
+          <p:cNvSpPr>
+            <a:spLocks noGrp="1" noRot="1" noChangeAspect="1"/>
+          </p:cNvSpPr>
+          <p:nvPr>
+            <p:ph type="sldImg" idx="2"/>
+          </p:nvPr>
+        </p:nvSpPr>
+        <p:spPr>
+          <a:xfrm>
+            <a:off x="381300" y="685800"/>
+            <a:ext cx="6096000" cy="3429000"/>
+          </a:xfrm>
+          <a:custGeom>
+            <a:avLst/>
+            <a:gdLst/>
+            <a:ahLst/>
+            <a:cxnLst/>
+            <a:rect l="l" t="t" r="r" b="b"/>
+            <a:pathLst>
+              <a:path w="120000" h="120000" extrusionOk="0">
+                <a:moveTo>
+                  <a:pt x="0" y="0"/>
+                </a:moveTo>
+                <a:lnTo>
+                  <a:pt x="120000" y="0"/>
+                </a:lnTo>
+                <a:lnTo>
+                  <a:pt x="120000" y="120000"/>
+                </a:lnTo>
+                <a:lnTo>
+                  <a:pt x="0" y="120000"/>
+                </a:lnTo>
+                <a:close/>
+              </a:path>
+            </a:pathLst>
+          </a:custGeom>
+        </p:spPr>
+      </p:sp>
+      <p:sp>
+        <p:nvSpPr>
+          <p:cNvPr id="397" name="Google Shape;397;g5d88e87b25_0_54:notes"/>
+          <p:cNvSpPr txBox="1">
+            <a:spLocks noGrp="1"/>
+          </p:cNvSpPr>
+          <p:nvPr>
+            <p:ph type="body" idx="1"/>
+          </p:nvPr>
+        </p:nvSpPr>
+        <p:spPr>
+          <a:xfrm>
+            <a:off x="685800" y="4343400"/>
+            <a:ext cx="5486400" cy="4114800"/>
+          </a:xfrm>
+          <a:prstGeom prst="rect">
+            <a:avLst/>
+          </a:prstGeom>
+        </p:spPr>
+        <p:txBody>
+          <a:bodyPr spcFirstLastPara="1" wrap="square" lIns="91425" tIns="91425" rIns="91425" bIns="91425" anchor="t" anchorCtr="0">
+            <a:noAutofit/>
+          </a:bodyPr>
+          <a:lstStyle/>
+          <a:p>
+            <a:pPr marL="0" lvl="0" indent="0" algn="l" rtl="0">
+              <a:spcBef>
+                <a:spcPts val="0"/>
+              </a:spcBef>
+              <a:spcAft>
+                <a:spcPts val="0"/>
+              </a:spcAft>
+              <a:buNone/>
+            </a:pPr>
+            <a:r>
+              <a:rPr lang="pt-BR" sz="1300">
+                <a:solidFill>
+                  <a:srgbClr val="494949"/>
+                </a:solidFill>
+                <a:latin typeface="Roboto"/>
+                <a:ea typeface="Roboto"/>
+                <a:cs typeface="Roboto"/>
+                <a:sym typeface="Roboto"/>
+              </a:rPr>
+              <a:t>O DOM (Document Object Model) é uma interface que representa como os documentos HTML e XML são lidos pelo seu browser. Após o browser ler seu documento HTML, ele cria um objeto que faz uma representação estruturada do seu documento e define meios de como essa estrutura pode ser acessada. Nós podemos acessar e manipular o DOM com JavaScript, é a forma mais fácil e usada.</a:t>
+            </a:r>
+            <a:endParaRPr/>
+          </a:p>
+        </p:txBody>
+      </p:sp>
+    </p:spTree>
+    <p:extLst>
+      <p:ext uri="{BB962C8B-B14F-4D97-AF65-F5344CB8AC3E}">
+        <p14:creationId xmlns:p14="http://schemas.microsoft.com/office/powerpoint/2010/main" val="4293596680"/>
+      </p:ext>
+    </p:extLst>
+  </p:cSld>
+  <p:clrMapOvr>
+    <a:masterClrMapping/>
+  </p:clrMapOvr>
+</p:notes>
+</file>
+
+<file path=ppt/notesSlides/notesSlide31.xml><?xml version="1.0" encoding="utf-8"?>
+<p:notes xmlns:a="http://schemas.openxmlformats.org/drawingml/2006/main" xmlns:r="http://schemas.openxmlformats.org/officeDocument/2006/relationships" xmlns:p="http://schemas.openxmlformats.org/presentationml/2006/main" showMasterSp="0" showMasterPhAnim="0">
+  <p:cSld>
+    <p:spTree>
+      <p:nvGrpSpPr>
+        <p:cNvPr id="1" name="Shape 405"/>
+        <p:cNvGrpSpPr/>
+        <p:nvPr/>
+      </p:nvGrpSpPr>
+      <p:grpSpPr>
+        <a:xfrm>
+          <a:off x="0" y="0"/>
+          <a:ext cx="0" cy="0"/>
+          <a:chOff x="0" y="0"/>
+          <a:chExt cx="0" cy="0"/>
+        </a:xfrm>
+      </p:grpSpPr>
+      <p:sp>
+        <p:nvSpPr>
+          <p:cNvPr id="406" name="Google Shape;406;g5e75fd27dd_0_3:notes"/>
+          <p:cNvSpPr>
+            <a:spLocks noGrp="1" noRot="1" noChangeAspect="1"/>
+          </p:cNvSpPr>
+          <p:nvPr>
+            <p:ph type="sldImg" idx="2"/>
+          </p:nvPr>
+        </p:nvSpPr>
+        <p:spPr>
+          <a:xfrm>
+            <a:off x="381300" y="685800"/>
+            <a:ext cx="6096000" cy="3429000"/>
+          </a:xfrm>
+          <a:custGeom>
+            <a:avLst/>
+            <a:gdLst/>
+            <a:ahLst/>
+            <a:cxnLst/>
+            <a:rect l="l" t="t" r="r" b="b"/>
+            <a:pathLst>
+              <a:path w="120000" h="120000" extrusionOk="0">
+                <a:moveTo>
+                  <a:pt x="0" y="0"/>
+                </a:moveTo>
+                <a:lnTo>
+                  <a:pt x="120000" y="0"/>
+                </a:lnTo>
+                <a:lnTo>
+                  <a:pt x="120000" y="120000"/>
+                </a:lnTo>
+                <a:lnTo>
+                  <a:pt x="0" y="120000"/>
+                </a:lnTo>
+                <a:close/>
+              </a:path>
+            </a:pathLst>
+          </a:custGeom>
+        </p:spPr>
+      </p:sp>
+      <p:sp>
+        <p:nvSpPr>
+          <p:cNvPr id="407" name="Google Shape;407;g5e75fd27dd_0_3:notes"/>
+          <p:cNvSpPr txBox="1">
+            <a:spLocks noGrp="1"/>
+          </p:cNvSpPr>
+          <p:nvPr>
+            <p:ph type="body" idx="1"/>
+          </p:nvPr>
+        </p:nvSpPr>
+        <p:spPr>
+          <a:xfrm>
+            <a:off x="685800" y="4343400"/>
+            <a:ext cx="5486400" cy="4114800"/>
+          </a:xfrm>
+          <a:prstGeom prst="rect">
+            <a:avLst/>
+          </a:prstGeom>
+        </p:spPr>
+        <p:txBody>
+          <a:bodyPr spcFirstLastPara="1" wrap="square" lIns="91425" tIns="91425" rIns="91425" bIns="91425" anchor="t" anchorCtr="0">
+            <a:noAutofit/>
+          </a:bodyPr>
+          <a:lstStyle/>
+          <a:p>
+            <a:pPr marL="0" lvl="0" indent="0" algn="l" rtl="0">
+              <a:spcBef>
+                <a:spcPts val="0"/>
+              </a:spcBef>
+              <a:spcAft>
+                <a:spcPts val="0"/>
+              </a:spcAft>
+              <a:buNone/>
+            </a:pPr>
+            <a:endParaRPr/>
+          </a:p>
+        </p:txBody>
+      </p:sp>
+    </p:spTree>
+    <p:extLst>
+      <p:ext uri="{BB962C8B-B14F-4D97-AF65-F5344CB8AC3E}">
+        <p14:creationId xmlns:p14="http://schemas.microsoft.com/office/powerpoint/2010/main" val="407416485"/>
+      </p:ext>
+    </p:extLst>
+  </p:cSld>
+  <p:clrMapOvr>
+    <a:masterClrMapping/>
+  </p:clrMapOvr>
+</p:notes>
+</file>
+
+<file path=ppt/notesSlides/notesSlide32.xml><?xml version="1.0" encoding="utf-8"?>
+<p:notes xmlns:a="http://schemas.openxmlformats.org/drawingml/2006/main" xmlns:r="http://schemas.openxmlformats.org/officeDocument/2006/relationships" xmlns:p="http://schemas.openxmlformats.org/presentationml/2006/main" showMasterSp="0" showMasterPhAnim="0">
+  <p:cSld>
+    <p:spTree>
+      <p:nvGrpSpPr>
+        <p:cNvPr id="1" name="Shape 437"/>
+        <p:cNvGrpSpPr/>
+        <p:nvPr/>
+      </p:nvGrpSpPr>
+      <p:grpSpPr>
+        <a:xfrm>
+          <a:off x="0" y="0"/>
+          <a:ext cx="0" cy="0"/>
+          <a:chOff x="0" y="0"/>
+          <a:chExt cx="0" cy="0"/>
+        </a:xfrm>
+      </p:grpSpPr>
+      <p:sp>
+        <p:nvSpPr>
+          <p:cNvPr id="438" name="Google Shape;438;g5d82e00bbd_0_49:notes"/>
+          <p:cNvSpPr>
+            <a:spLocks noGrp="1" noRot="1" noChangeAspect="1"/>
+          </p:cNvSpPr>
+          <p:nvPr>
+            <p:ph type="sldImg" idx="2"/>
+          </p:nvPr>
+        </p:nvSpPr>
+        <p:spPr>
+          <a:xfrm>
+            <a:off x="381300" y="685800"/>
+            <a:ext cx="6096000" cy="3429000"/>
+          </a:xfrm>
+          <a:custGeom>
+            <a:avLst/>
+            <a:gdLst/>
+            <a:ahLst/>
+            <a:cxnLst/>
+            <a:rect l="l" t="t" r="r" b="b"/>
+            <a:pathLst>
+              <a:path w="120000" h="120000" extrusionOk="0">
+                <a:moveTo>
+                  <a:pt x="0" y="0"/>
+                </a:moveTo>
+                <a:lnTo>
+                  <a:pt x="120000" y="0"/>
+                </a:lnTo>
+                <a:lnTo>
+                  <a:pt x="120000" y="120000"/>
+                </a:lnTo>
+                <a:lnTo>
+                  <a:pt x="0" y="120000"/>
+                </a:lnTo>
+                <a:close/>
+              </a:path>
+            </a:pathLst>
+          </a:custGeom>
+        </p:spPr>
+      </p:sp>
+      <p:sp>
+        <p:nvSpPr>
+          <p:cNvPr id="439" name="Google Shape;439;g5d82e00bbd_0_49:notes"/>
+          <p:cNvSpPr txBox="1">
+            <a:spLocks noGrp="1"/>
+          </p:cNvSpPr>
+          <p:nvPr>
+            <p:ph type="body" idx="1"/>
+          </p:nvPr>
+        </p:nvSpPr>
+        <p:spPr>
+          <a:xfrm>
+            <a:off x="685800" y="4343400"/>
+            <a:ext cx="5486400" cy="4114800"/>
+          </a:xfrm>
+          <a:prstGeom prst="rect">
+            <a:avLst/>
+          </a:prstGeom>
+        </p:spPr>
+        <p:txBody>
+          <a:bodyPr spcFirstLastPara="1" wrap="square" lIns="91425" tIns="91425" rIns="91425" bIns="91425" anchor="t" anchorCtr="0">
+            <a:noAutofit/>
+          </a:bodyPr>
+          <a:lstStyle/>
+          <a:p>
+            <a:pPr marL="0" lvl="0" indent="0" algn="l" rtl="0">
+              <a:spcBef>
+                <a:spcPts val="0"/>
+              </a:spcBef>
+              <a:spcAft>
+                <a:spcPts val="0"/>
+              </a:spcAft>
+              <a:buNone/>
+            </a:pPr>
+            <a:endParaRPr/>
+          </a:p>
+        </p:txBody>
+      </p:sp>
+    </p:spTree>
+    <p:extLst>
+      <p:ext uri="{BB962C8B-B14F-4D97-AF65-F5344CB8AC3E}">
+        <p14:creationId xmlns:p14="http://schemas.microsoft.com/office/powerpoint/2010/main" val="3230185296"/>
+      </p:ext>
+    </p:extLst>
+  </p:cSld>
+  <p:clrMapOvr>
+    <a:masterClrMapping/>
+  </p:clrMapOvr>
+</p:notes>
+</file>
+
+<file path=ppt/notesSlides/notesSlide33.xml><?xml version="1.0" encoding="utf-8"?>
+<p:notes xmlns:a="http://schemas.openxmlformats.org/drawingml/2006/main" xmlns:r="http://schemas.openxmlformats.org/officeDocument/2006/relationships" xmlns:p="http://schemas.openxmlformats.org/presentationml/2006/main" showMasterSp="0" showMasterPhAnim="0">
+  <p:cSld>
+    <p:spTree>
+      <p:nvGrpSpPr>
+        <p:cNvPr id="1" name="Shape 445"/>
+        <p:cNvGrpSpPr/>
+        <p:nvPr/>
+      </p:nvGrpSpPr>
+      <p:grpSpPr>
+        <a:xfrm>
+          <a:off x="0" y="0"/>
+          <a:ext cx="0" cy="0"/>
+          <a:chOff x="0" y="0"/>
+          <a:chExt cx="0" cy="0"/>
+        </a:xfrm>
+      </p:grpSpPr>
+      <p:sp>
+        <p:nvSpPr>
+          <p:cNvPr id="446" name="Google Shape;446;g5ea576ef3a_0_0:notes"/>
+          <p:cNvSpPr>
+            <a:spLocks noGrp="1" noRot="1" noChangeAspect="1"/>
+          </p:cNvSpPr>
+          <p:nvPr>
+            <p:ph type="sldImg" idx="2"/>
+          </p:nvPr>
+        </p:nvSpPr>
+        <p:spPr>
+          <a:xfrm>
+            <a:off x="381300" y="685800"/>
+            <a:ext cx="6096000" cy="3429000"/>
+          </a:xfrm>
+          <a:custGeom>
+            <a:avLst/>
+            <a:gdLst/>
+            <a:ahLst/>
+            <a:cxnLst/>
+            <a:rect l="l" t="t" r="r" b="b"/>
+            <a:pathLst>
+              <a:path w="120000" h="120000" extrusionOk="0">
+                <a:moveTo>
+                  <a:pt x="0" y="0"/>
+                </a:moveTo>
+                <a:lnTo>
+                  <a:pt x="120000" y="0"/>
+                </a:lnTo>
+                <a:lnTo>
+                  <a:pt x="120000" y="120000"/>
+                </a:lnTo>
+                <a:lnTo>
+                  <a:pt x="0" y="120000"/>
+                </a:lnTo>
+                <a:close/>
+              </a:path>
+            </a:pathLst>
+          </a:custGeom>
+        </p:spPr>
+      </p:sp>
+      <p:sp>
+        <p:nvSpPr>
+          <p:cNvPr id="447" name="Google Shape;447;g5ea576ef3a_0_0:notes"/>
+          <p:cNvSpPr txBox="1">
+            <a:spLocks noGrp="1"/>
+          </p:cNvSpPr>
+          <p:nvPr>
+            <p:ph type="body" idx="1"/>
+          </p:nvPr>
+        </p:nvSpPr>
+        <p:spPr>
+          <a:xfrm>
+            <a:off x="685800" y="4343400"/>
+            <a:ext cx="5486400" cy="4114800"/>
+          </a:xfrm>
+          <a:prstGeom prst="rect">
+            <a:avLst/>
+          </a:prstGeom>
+        </p:spPr>
+        <p:txBody>
+          <a:bodyPr spcFirstLastPara="1" wrap="square" lIns="91425" tIns="91425" rIns="91425" bIns="91425" anchor="t" anchorCtr="0">
+            <a:noAutofit/>
+          </a:bodyPr>
+          <a:lstStyle/>
+          <a:p>
+            <a:pPr marL="0" lvl="0" indent="0" algn="l" rtl="0">
+              <a:spcBef>
+                <a:spcPts val="0"/>
+              </a:spcBef>
+              <a:spcAft>
+                <a:spcPts val="0"/>
+              </a:spcAft>
+              <a:buNone/>
+            </a:pPr>
+            <a:endParaRPr/>
+          </a:p>
+        </p:txBody>
+      </p:sp>
+    </p:spTree>
+    <p:extLst>
+      <p:ext uri="{BB962C8B-B14F-4D97-AF65-F5344CB8AC3E}">
+        <p14:creationId xmlns:p14="http://schemas.microsoft.com/office/powerpoint/2010/main" val="3110378551"/>
+      </p:ext>
+    </p:extLst>
+  </p:cSld>
+  <p:clrMapOvr>
+    <a:masterClrMapping/>
+  </p:clrMapOvr>
+</p:notes>
+</file>
+
+<file path=ppt/notesSlides/notesSlide34.xml><?xml version="1.0" encoding="utf-8"?>
+<p:notes xmlns:a="http://schemas.openxmlformats.org/drawingml/2006/main" xmlns:r="http://schemas.openxmlformats.org/officeDocument/2006/relationships" xmlns:p="http://schemas.openxmlformats.org/presentationml/2006/main" showMasterSp="0" showMasterPhAnim="0">
+  <p:cSld>
+    <p:spTree>
+      <p:nvGrpSpPr>
+        <p:cNvPr id="1" name="Shape 482"/>
+        <p:cNvGrpSpPr/>
+        <p:nvPr/>
+      </p:nvGrpSpPr>
+      <p:grpSpPr>
+        <a:xfrm>
+          <a:off x="0" y="0"/>
+          <a:ext cx="0" cy="0"/>
+          <a:chOff x="0" y="0"/>
+          <a:chExt cx="0" cy="0"/>
+        </a:xfrm>
+      </p:grpSpPr>
+      <p:sp>
+        <p:nvSpPr>
+          <p:cNvPr id="483" name="Google Shape;483;g5f4290d190_0_21:notes"/>
+          <p:cNvSpPr>
+            <a:spLocks noGrp="1" noRot="1" noChangeAspect="1"/>
+          </p:cNvSpPr>
+          <p:nvPr>
+            <p:ph type="sldImg" idx="2"/>
+          </p:nvPr>
+        </p:nvSpPr>
+        <p:spPr>
+          <a:xfrm>
+            <a:off x="381000" y="685800"/>
+            <a:ext cx="6096000" cy="3429000"/>
+          </a:xfrm>
+          <a:custGeom>
+            <a:avLst/>
+            <a:gdLst/>
+            <a:ahLst/>
+            <a:cxnLst/>
+            <a:rect l="l" t="t" r="r" b="b"/>
+            <a:pathLst>
+              <a:path w="120000" h="120000" extrusionOk="0">
+                <a:moveTo>
+                  <a:pt x="0" y="0"/>
+                </a:moveTo>
+                <a:lnTo>
+                  <a:pt x="120000" y="0"/>
+                </a:lnTo>
+                <a:lnTo>
+                  <a:pt x="120000" y="120000"/>
+                </a:lnTo>
+                <a:lnTo>
+                  <a:pt x="0" y="120000"/>
+                </a:lnTo>
+                <a:close/>
+              </a:path>
+            </a:pathLst>
+          </a:custGeom>
+        </p:spPr>
+      </p:sp>
+      <p:sp>
+        <p:nvSpPr>
+          <p:cNvPr id="484" name="Google Shape;484;g5f4290d190_0_21:notes"/>
+          <p:cNvSpPr txBox="1">
+            <a:spLocks noGrp="1"/>
+          </p:cNvSpPr>
+          <p:nvPr>
+            <p:ph type="body" idx="1"/>
+          </p:nvPr>
+        </p:nvSpPr>
+        <p:spPr>
+          <a:xfrm>
+            <a:off x="685800" y="4343400"/>
+            <a:ext cx="5486400" cy="4114800"/>
+          </a:xfrm>
+          <a:prstGeom prst="rect">
+            <a:avLst/>
+          </a:prstGeom>
+        </p:spPr>
+        <p:txBody>
+          <a:bodyPr spcFirstLastPara="1" wrap="square" lIns="91425" tIns="91425" rIns="91425" bIns="91425" anchor="t" anchorCtr="0">
+            <a:noAutofit/>
+          </a:bodyPr>
+          <a:lstStyle/>
+          <a:p>
+            <a:pPr marL="0" lvl="0" indent="0" algn="l" rtl="0">
+              <a:spcBef>
+                <a:spcPts val="0"/>
+              </a:spcBef>
+              <a:spcAft>
+                <a:spcPts val="0"/>
+              </a:spcAft>
+              <a:buNone/>
+            </a:pPr>
+            <a:endParaRPr/>
+          </a:p>
+        </p:txBody>
+      </p:sp>
+    </p:spTree>
+  </p:cSld>
+  <p:clrMapOvr>
+    <a:masterClrMapping/>
+  </p:clrMapOvr>
+</p:notes>
+</file>
+
+<file path=ppt/notesSlides/notesSlide35.xml><?xml version="1.0" encoding="utf-8"?>
+<p:notes xmlns:a="http://schemas.openxmlformats.org/drawingml/2006/main" xmlns:r="http://schemas.openxmlformats.org/officeDocument/2006/relationships" xmlns:p="http://schemas.openxmlformats.org/presentationml/2006/main" showMasterSp="0" showMasterPhAnim="0">
+  <p:cSld>
+    <p:spTree>
+      <p:nvGrpSpPr>
+        <p:cNvPr id="1" name="Shape 489"/>
+        <p:cNvGrpSpPr/>
+        <p:nvPr/>
+      </p:nvGrpSpPr>
+      <p:grpSpPr>
+        <a:xfrm>
+          <a:off x="0" y="0"/>
+          <a:ext cx="0" cy="0"/>
+          <a:chOff x="0" y="0"/>
+          <a:chExt cx="0" cy="0"/>
+        </a:xfrm>
+      </p:grpSpPr>
+      <p:sp>
+        <p:nvSpPr>
+          <p:cNvPr id="490" name="Google Shape;490;g5fde780c1f_0_21:notes"/>
+          <p:cNvSpPr>
+            <a:spLocks noGrp="1" noRot="1" noChangeAspect="1"/>
+          </p:cNvSpPr>
+          <p:nvPr>
+            <p:ph type="sldImg" idx="2"/>
+          </p:nvPr>
+        </p:nvSpPr>
+        <p:spPr>
+          <a:xfrm>
+            <a:off x="381300" y="685800"/>
+            <a:ext cx="6096000" cy="3429000"/>
+          </a:xfrm>
+          <a:custGeom>
+            <a:avLst/>
+            <a:gdLst/>
+            <a:ahLst/>
+            <a:cxnLst/>
+            <a:rect l="l" t="t" r="r" b="b"/>
+            <a:pathLst>
+              <a:path w="120000" h="120000" extrusionOk="0">
+                <a:moveTo>
+                  <a:pt x="0" y="0"/>
+                </a:moveTo>
+                <a:lnTo>
+                  <a:pt x="120000" y="0"/>
+                </a:lnTo>
+                <a:lnTo>
+                  <a:pt x="120000" y="120000"/>
+                </a:lnTo>
+                <a:lnTo>
+                  <a:pt x="0" y="120000"/>
+                </a:lnTo>
+                <a:close/>
+              </a:path>
+            </a:pathLst>
+          </a:custGeom>
+        </p:spPr>
+      </p:sp>
+      <p:sp>
+        <p:nvSpPr>
+          <p:cNvPr id="491" name="Google Shape;491;g5fde780c1f_0_21:notes"/>
+          <p:cNvSpPr txBox="1">
+            <a:spLocks noGrp="1"/>
+          </p:cNvSpPr>
+          <p:nvPr>
+            <p:ph type="body" idx="1"/>
+          </p:nvPr>
+        </p:nvSpPr>
+        <p:spPr>
+          <a:xfrm>
+            <a:off x="685800" y="4343400"/>
+            <a:ext cx="5486400" cy="4114800"/>
+          </a:xfrm>
+          <a:prstGeom prst="rect">
+            <a:avLst/>
+          </a:prstGeom>
+        </p:spPr>
+        <p:txBody>
+          <a:bodyPr spcFirstLastPara="1" wrap="square" lIns="91425" tIns="91425" rIns="91425" bIns="91425" anchor="t" anchorCtr="0">
+            <a:noAutofit/>
+          </a:bodyPr>
+          <a:lstStyle/>
+          <a:p>
+            <a:pPr marL="0" lvl="0" indent="0" algn="l" rtl="0">
+              <a:spcBef>
+                <a:spcPts val="0"/>
+              </a:spcBef>
+              <a:spcAft>
+                <a:spcPts val="0"/>
+              </a:spcAft>
+              <a:buNone/>
+            </a:pPr>
+            <a:endParaRPr/>
+          </a:p>
+        </p:txBody>
+      </p:sp>
+    </p:spTree>
+  </p:cSld>
+  <p:clrMapOvr>
+    <a:masterClrMapping/>
+  </p:clrMapOvr>
+</p:notes>
+</file>
+
+<file path=ppt/notesSlides/notesSlide36.xml><?xml version="1.0" encoding="utf-8"?>
+<p:notes xmlns:a="http://schemas.openxmlformats.org/drawingml/2006/main" xmlns:r="http://schemas.openxmlformats.org/officeDocument/2006/relationships" xmlns:p="http://schemas.openxmlformats.org/presentationml/2006/main" showMasterSp="0" showMasterPhAnim="0">
+  <p:cSld>
+    <p:spTree>
+      <p:nvGrpSpPr>
+        <p:cNvPr id="1" name="Shape 496"/>
+        <p:cNvGrpSpPr/>
+        <p:nvPr/>
+      </p:nvGrpSpPr>
+      <p:grpSpPr>
+        <a:xfrm>
+          <a:off x="0" y="0"/>
+          <a:ext cx="0" cy="0"/>
+          <a:chOff x="0" y="0"/>
+          <a:chExt cx="0" cy="0"/>
+        </a:xfrm>
+      </p:grpSpPr>
+      <p:sp>
+        <p:nvSpPr>
+          <p:cNvPr id="497" name="Google Shape;497;g49eeb77882_0_202:notes"/>
+          <p:cNvSpPr>
+            <a:spLocks noGrp="1" noRot="1" noChangeAspect="1"/>
+          </p:cNvSpPr>
+          <p:nvPr>
+            <p:ph type="sldImg" idx="2"/>
+          </p:nvPr>
+        </p:nvSpPr>
+        <p:spPr>
+          <a:xfrm>
+            <a:off x="381300" y="685800"/>
+            <a:ext cx="6096000" cy="3429000"/>
+          </a:xfrm>
+          <a:custGeom>
+            <a:avLst/>
+            <a:gdLst/>
+            <a:ahLst/>
+            <a:cxnLst/>
+            <a:rect l="l" t="t" r="r" b="b"/>
+            <a:pathLst>
+              <a:path w="120000" h="120000" extrusionOk="0">
+                <a:moveTo>
+                  <a:pt x="0" y="0"/>
+                </a:moveTo>
+                <a:lnTo>
+                  <a:pt x="120000" y="0"/>
+                </a:lnTo>
+                <a:lnTo>
+                  <a:pt x="120000" y="120000"/>
+                </a:lnTo>
+                <a:lnTo>
+                  <a:pt x="0" y="120000"/>
+                </a:lnTo>
+                <a:close/>
+              </a:path>
+            </a:pathLst>
+          </a:custGeom>
+        </p:spPr>
+      </p:sp>
+      <p:sp>
+        <p:nvSpPr>
+          <p:cNvPr id="498" name="Google Shape;498;g49eeb77882_0_202:notes"/>
           <p:cNvSpPr txBox="1">
             <a:spLocks noGrp="1"/>
           </p:cNvSpPr>
@@ -18246,7 +19381,7 @@
   <p:cSld>
     <p:spTree>
       <p:nvGrpSpPr>
-        <p:cNvPr id="1" name="Shape 485"/>
+        <p:cNvPr id="1" name="Shape 337"/>
         <p:cNvGrpSpPr/>
         <p:nvPr/>
       </p:nvGrpSpPr>
@@ -18260,22 +19395,22 @@
       </p:grpSpPr>
       <p:sp>
         <p:nvSpPr>
-          <p:cNvPr id="486" name="Google Shape;486;p50"/>
-          <p:cNvSpPr txBox="1"/>
-          <p:nvPr/>
+          <p:cNvPr id="338" name="Google Shape;338;p36"/>
+          <p:cNvSpPr txBox="1">
+            <a:spLocks noGrp="1"/>
+          </p:cNvSpPr>
+          <p:nvPr>
+            <p:ph type="body" idx="1"/>
+          </p:nvPr>
         </p:nvSpPr>
         <p:spPr>
           <a:xfrm>
-            <a:off x="1850250" y="354150"/>
-            <a:ext cx="5443500" cy="625200"/>
+            <a:off x="311700" y="2262425"/>
+            <a:ext cx="8520600" cy="2306400"/>
           </a:xfrm>
           <a:prstGeom prst="rect">
             <a:avLst/>
           </a:prstGeom>
-          <a:noFill/>
-          <a:ln>
-            <a:noFill/>
-          </a:ln>
         </p:spPr>
         <p:txBody>
           <a:bodyPr spcFirstLastPara="1" wrap="square" lIns="91425" tIns="91425" rIns="91425" bIns="91425" anchor="t" anchorCtr="0">
@@ -18284,6 +19419,57 @@
           <a:lstStyle/>
           <a:p>
             <a:pPr marL="0" lvl="0" indent="0" algn="ctr" rtl="0">
+              <a:spcBef>
+                <a:spcPts val="0"/>
+              </a:spcBef>
+              <a:spcAft>
+                <a:spcPts val="1600"/>
+              </a:spcAft>
+              <a:buNone/>
+            </a:pPr>
+            <a:r>
+              <a:rPr lang="pt-BR" u="sng">
+                <a:solidFill>
+                  <a:schemeClr val="hlink"/>
+                </a:solidFill>
+                <a:latin typeface="Arial"/>
+                <a:ea typeface="Arial"/>
+                <a:cs typeface="Arial"/>
+                <a:sym typeface="Arial"/>
+                <a:hlinkClick r:id="rId3"/>
+              </a:rPr>
+              <a:t>https://www.youtube.com/watch?v=KIgagNDEBhw</a:t>
+            </a:r>
+            <a:endParaRPr/>
+          </a:p>
+        </p:txBody>
+      </p:sp>
+      <p:sp>
+        <p:nvSpPr>
+          <p:cNvPr id="339" name="Google Shape;339;p36"/>
+          <p:cNvSpPr txBox="1"/>
+          <p:nvPr/>
+        </p:nvSpPr>
+        <p:spPr>
+          <a:xfrm>
+            <a:off x="620000" y="571327"/>
+            <a:ext cx="5443500" cy="563100"/>
+          </a:xfrm>
+          <a:prstGeom prst="rect">
+            <a:avLst/>
+          </a:prstGeom>
+          <a:noFill/>
+          <a:ln>
+            <a:noFill/>
+          </a:ln>
+        </p:spPr>
+        <p:txBody>
+          <a:bodyPr spcFirstLastPara="1" wrap="square" lIns="91425" tIns="91425" rIns="91425" bIns="91425" anchor="t" anchorCtr="0">
+            <a:noAutofit/>
+          </a:bodyPr>
+          <a:lstStyle/>
+          <a:p>
+            <a:pPr marL="0" lvl="0" indent="0" algn="l" rtl="0">
               <a:lnSpc>
                 <a:spcPct val="100000"/>
               </a:lnSpc>
@@ -18296,7 +19482,7 @@
               <a:buNone/>
             </a:pPr>
             <a:r>
-              <a:rPr lang="pt-BR" sz="3000" b="1">
+              <a:rPr lang="pt-BR" sz="2500" b="1">
                 <a:solidFill>
                   <a:srgbClr val="434343"/>
                 </a:solidFill>
@@ -18305,11 +19491,11 @@
                 <a:cs typeface="Open Sans"/>
                 <a:sym typeface="Open Sans"/>
               </a:rPr>
-              <a:t>Avisos e Dicas</a:t>
+              <a:t>A corrida dos $100</a:t>
             </a:r>
-            <a:endParaRPr sz="3000">
+            <a:endParaRPr sz="2500">
               <a:solidFill>
-                <a:srgbClr val="434343"/>
+                <a:srgbClr val="555555"/>
               </a:solidFill>
               <a:latin typeface="Open Sans"/>
               <a:ea typeface="Open Sans"/>
@@ -18319,184 +19505,12 @@
           </a:p>
         </p:txBody>
       </p:sp>
-      <p:pic>
-        <p:nvPicPr>
-          <p:cNvPr id="487" name="Google Shape;487;p50"/>
-          <p:cNvPicPr preferRelativeResize="0"/>
-          <p:nvPr/>
-        </p:nvPicPr>
-        <p:blipFill>
-          <a:blip r:embed="rId3">
-            <a:alphaModFix/>
-          </a:blip>
-          <a:stretch>
-            <a:fillRect/>
-          </a:stretch>
-        </p:blipFill>
-        <p:spPr>
-          <a:xfrm rot="-312075">
-            <a:off x="6397325" y="2782050"/>
-            <a:ext cx="5143501" cy="5143501"/>
-          </a:xfrm>
-          <a:prstGeom prst="rect">
-            <a:avLst/>
-          </a:prstGeom>
-          <a:noFill/>
-          <a:ln>
-            <a:noFill/>
-          </a:ln>
-        </p:spPr>
-      </p:pic>
-      <p:sp>
-        <p:nvSpPr>
-          <p:cNvPr id="488" name="Google Shape;488;p50"/>
-          <p:cNvSpPr txBox="1"/>
-          <p:nvPr/>
-        </p:nvSpPr>
-        <p:spPr>
-          <a:xfrm>
-            <a:off x="620000" y="1351225"/>
-            <a:ext cx="8074200" cy="3275700"/>
-          </a:xfrm>
-          <a:prstGeom prst="rect">
-            <a:avLst/>
-          </a:prstGeom>
-          <a:noFill/>
-          <a:ln>
-            <a:noFill/>
-          </a:ln>
-        </p:spPr>
-        <p:txBody>
-          <a:bodyPr spcFirstLastPara="1" wrap="square" lIns="91425" tIns="91425" rIns="91425" bIns="91425" anchor="t" anchorCtr="0">
-            <a:noAutofit/>
-          </a:bodyPr>
-          <a:lstStyle/>
-          <a:p>
-            <a:pPr marL="0" marR="0" lvl="0" indent="0" algn="l" rtl="0">
-              <a:lnSpc>
-                <a:spcPct val="150000"/>
-              </a:lnSpc>
-              <a:spcBef>
-                <a:spcPts val="0"/>
-              </a:spcBef>
-              <a:spcAft>
-                <a:spcPts val="0"/>
-              </a:spcAft>
-              <a:buNone/>
-            </a:pPr>
-            <a:r>
-              <a:rPr lang="pt-BR" sz="1800" dirty="0">
-                <a:solidFill>
-                  <a:srgbClr val="666666"/>
-                </a:solidFill>
-                <a:highlight>
-                  <a:srgbClr val="FFFFFF"/>
-                </a:highlight>
-                <a:latin typeface="Open Sans"/>
-                <a:ea typeface="Open Sans"/>
-                <a:cs typeface="Open Sans"/>
-                <a:sym typeface="Open Sans"/>
-              </a:rPr>
-              <a:t>. Vamos disponibilizar todo material do curso, estará no </a:t>
-            </a:r>
-            <a:r>
-              <a:rPr lang="pt-BR" sz="1800" dirty="0" err="1">
-                <a:solidFill>
-                  <a:srgbClr val="666666"/>
-                </a:solidFill>
-                <a:highlight>
-                  <a:srgbClr val="FFFFFF"/>
-                </a:highlight>
-                <a:latin typeface="Open Sans"/>
-                <a:ea typeface="Open Sans"/>
-                <a:cs typeface="Open Sans"/>
-                <a:sym typeface="Open Sans"/>
-              </a:rPr>
-              <a:t>github</a:t>
-            </a:r>
-            <a:endParaRPr sz="1800" dirty="0">
-              <a:solidFill>
-                <a:srgbClr val="222222"/>
-              </a:solidFill>
-              <a:highlight>
-                <a:srgbClr val="FFFFFF"/>
-              </a:highlight>
-              <a:latin typeface="Open Sans"/>
-              <a:ea typeface="Open Sans"/>
-              <a:cs typeface="Open Sans"/>
-              <a:sym typeface="Open Sans"/>
-            </a:endParaRPr>
-          </a:p>
-          <a:p>
-            <a:pPr marL="0" lvl="0" indent="0" algn="l" rtl="0">
-              <a:lnSpc>
-                <a:spcPct val="150000"/>
-              </a:lnSpc>
-              <a:spcBef>
-                <a:spcPts val="0"/>
-              </a:spcBef>
-              <a:spcAft>
-                <a:spcPts val="0"/>
-              </a:spcAft>
-              <a:buNone/>
-            </a:pPr>
-            <a:r>
-              <a:rPr lang="pt-BR" sz="1800" dirty="0">
-                <a:solidFill>
-                  <a:srgbClr val="666666"/>
-                </a:solidFill>
-                <a:highlight>
-                  <a:schemeClr val="lt1"/>
-                </a:highlight>
-                <a:latin typeface="Open Sans"/>
-                <a:ea typeface="Open Sans"/>
-                <a:cs typeface="Open Sans"/>
-                <a:sym typeface="Open Sans"/>
-              </a:rPr>
-              <a:t>. Refaçam os exercícios, qualquer dúvida podem nos acionar a qualquer momento.</a:t>
-            </a:r>
-            <a:endParaRPr sz="1800" dirty="0">
-              <a:solidFill>
-                <a:srgbClr val="666666"/>
-              </a:solidFill>
-              <a:highlight>
-                <a:schemeClr val="lt1"/>
-              </a:highlight>
-              <a:latin typeface="Open Sans"/>
-              <a:ea typeface="Open Sans"/>
-              <a:cs typeface="Open Sans"/>
-              <a:sym typeface="Open Sans"/>
-            </a:endParaRPr>
-          </a:p>
-          <a:p>
-            <a:pPr marL="0" lvl="0" indent="0" algn="l" rtl="0">
-              <a:lnSpc>
-                <a:spcPct val="150000"/>
-              </a:lnSpc>
-              <a:spcBef>
-                <a:spcPts val="0"/>
-              </a:spcBef>
-              <a:spcAft>
-                <a:spcPts val="0"/>
-              </a:spcAft>
-              <a:buNone/>
-            </a:pPr>
-            <a:endParaRPr sz="1800" dirty="0">
-              <a:solidFill>
-                <a:srgbClr val="666666"/>
-              </a:solidFill>
-              <a:highlight>
-                <a:schemeClr val="lt1"/>
-              </a:highlight>
-              <a:latin typeface="Open Sans"/>
-              <a:ea typeface="Open Sans"/>
-              <a:cs typeface="Open Sans"/>
-              <a:sym typeface="Open Sans"/>
-            </a:endParaRPr>
-          </a:p>
-        </p:txBody>
-      </p:sp>
     </p:spTree>
+    <p:extLst>
+      <p:ext uri="{BB962C8B-B14F-4D97-AF65-F5344CB8AC3E}">
+        <p14:creationId xmlns:p14="http://schemas.microsoft.com/office/powerpoint/2010/main" val="898139487"/>
+      </p:ext>
+    </p:extLst>
   </p:cSld>
   <p:clrMapOvr>
     <a:masterClrMapping/>
@@ -18509,7 +19523,182 @@
   <p:cSld>
     <p:spTree>
       <p:nvGrpSpPr>
-        <p:cNvPr id="1" name="Shape 492"/>
+        <p:cNvPr id="1" name="Shape 343"/>
+        <p:cNvGrpSpPr/>
+        <p:nvPr/>
+      </p:nvGrpSpPr>
+      <p:grpSpPr>
+        <a:xfrm>
+          <a:off x="0" y="0"/>
+          <a:ext cx="0" cy="0"/>
+          <a:chOff x="0" y="0"/>
+          <a:chExt cx="0" cy="0"/>
+        </a:xfrm>
+      </p:grpSpPr>
+      <p:pic>
+        <p:nvPicPr>
+          <p:cNvPr id="344" name="Google Shape;344;p37"/>
+          <p:cNvPicPr preferRelativeResize="0"/>
+          <p:nvPr/>
+        </p:nvPicPr>
+        <p:blipFill>
+          <a:blip r:embed="rId3">
+            <a:alphaModFix amt="40000"/>
+          </a:blip>
+          <a:stretch>
+            <a:fillRect/>
+          </a:stretch>
+        </p:blipFill>
+        <p:spPr>
+          <a:xfrm rot="-7468512">
+            <a:off x="6153738" y="2192591"/>
+            <a:ext cx="4526224" cy="4526243"/>
+          </a:xfrm>
+          <a:prstGeom prst="rect">
+            <a:avLst/>
+          </a:prstGeom>
+          <a:noFill/>
+          <a:ln>
+            <a:noFill/>
+          </a:ln>
+        </p:spPr>
+      </p:pic>
+      <p:pic>
+        <p:nvPicPr>
+          <p:cNvPr id="345" name="Google Shape;345;p37"/>
+          <p:cNvPicPr preferRelativeResize="0"/>
+          <p:nvPr/>
+        </p:nvPicPr>
+        <p:blipFill>
+          <a:blip r:embed="rId4">
+            <a:alphaModFix/>
+          </a:blip>
+          <a:stretch>
+            <a:fillRect/>
+          </a:stretch>
+        </p:blipFill>
+        <p:spPr>
+          <a:xfrm rot="-312075">
+            <a:off x="-2091050" y="-3296050"/>
+            <a:ext cx="5143501" cy="5143501"/>
+          </a:xfrm>
+          <a:prstGeom prst="rect">
+            <a:avLst/>
+          </a:prstGeom>
+          <a:noFill/>
+          <a:ln>
+            <a:noFill/>
+          </a:ln>
+        </p:spPr>
+      </p:pic>
+      <p:pic>
+        <p:nvPicPr>
+          <p:cNvPr id="346" name="Google Shape;346;p37"/>
+          <p:cNvPicPr preferRelativeResize="0"/>
+          <p:nvPr/>
+        </p:nvPicPr>
+        <p:blipFill>
+          <a:blip r:embed="rId5">
+            <a:alphaModFix/>
+          </a:blip>
+          <a:stretch>
+            <a:fillRect/>
+          </a:stretch>
+        </p:blipFill>
+        <p:spPr>
+          <a:xfrm>
+            <a:off x="2667000" y="1557338"/>
+            <a:ext cx="3810000" cy="2638425"/>
+          </a:xfrm>
+          <a:prstGeom prst="rect">
+            <a:avLst/>
+          </a:prstGeom>
+          <a:noFill/>
+          <a:ln>
+            <a:noFill/>
+          </a:ln>
+        </p:spPr>
+      </p:pic>
+      <p:sp>
+        <p:nvSpPr>
+          <p:cNvPr id="347" name="Google Shape;347;p37"/>
+          <p:cNvSpPr txBox="1"/>
+          <p:nvPr/>
+        </p:nvSpPr>
+        <p:spPr>
+          <a:xfrm>
+            <a:off x="1850250" y="635002"/>
+            <a:ext cx="5443500" cy="563100"/>
+          </a:xfrm>
+          <a:prstGeom prst="rect">
+            <a:avLst/>
+          </a:prstGeom>
+          <a:noFill/>
+          <a:ln>
+            <a:noFill/>
+          </a:ln>
+        </p:spPr>
+        <p:txBody>
+          <a:bodyPr spcFirstLastPara="1" wrap="square" lIns="91425" tIns="91425" rIns="91425" bIns="91425" anchor="t" anchorCtr="0">
+            <a:noAutofit/>
+          </a:bodyPr>
+          <a:lstStyle/>
+          <a:p>
+            <a:pPr marL="0" lvl="0" indent="0" algn="ctr" rtl="0">
+              <a:lnSpc>
+                <a:spcPct val="100000"/>
+              </a:lnSpc>
+              <a:spcBef>
+                <a:spcPts val="0"/>
+              </a:spcBef>
+              <a:spcAft>
+                <a:spcPts val="0"/>
+              </a:spcAft>
+              <a:buNone/>
+            </a:pPr>
+            <a:r>
+              <a:rPr lang="pt-BR" sz="2500" b="1">
+                <a:solidFill>
+                  <a:srgbClr val="434343"/>
+                </a:solidFill>
+                <a:latin typeface="Open Sans"/>
+                <a:ea typeface="Open Sans"/>
+                <a:cs typeface="Open Sans"/>
+                <a:sym typeface="Open Sans"/>
+              </a:rPr>
+              <a:t>Javascript</a:t>
+            </a:r>
+            <a:endParaRPr sz="2500">
+              <a:solidFill>
+                <a:srgbClr val="434343"/>
+              </a:solidFill>
+              <a:latin typeface="Open Sans"/>
+              <a:ea typeface="Open Sans"/>
+              <a:cs typeface="Open Sans"/>
+              <a:sym typeface="Open Sans"/>
+            </a:endParaRPr>
+          </a:p>
+        </p:txBody>
+      </p:sp>
+    </p:spTree>
+    <p:extLst>
+      <p:ext uri="{BB962C8B-B14F-4D97-AF65-F5344CB8AC3E}">
+        <p14:creationId xmlns:p14="http://schemas.microsoft.com/office/powerpoint/2010/main" val="435730546"/>
+      </p:ext>
+    </p:extLst>
+  </p:cSld>
+  <p:clrMapOvr>
+    <a:masterClrMapping/>
+  </p:clrMapOvr>
+</p:sld>
+</file>
+
+<file path=ppt/slides/slide26.xml><?xml version="1.0" encoding="utf-8"?>
+<p:sld xmlns:a="http://schemas.openxmlformats.org/drawingml/2006/main" xmlns:r="http://schemas.openxmlformats.org/officeDocument/2006/relationships" xmlns:p="http://schemas.openxmlformats.org/presentationml/2006/main">
+  <p:cSld>
+    <p:spTree>
+      <p:nvGrpSpPr>
+        <p:cNvPr id="1" name="Shape 351"/>
         <p:cNvGrpSpPr/>
         <p:nvPr/>
       </p:nvGrpSpPr>
@@ -18523,14 +19712,14 @@
       </p:grpSpPr>
       <p:sp>
         <p:nvSpPr>
-          <p:cNvPr id="493" name="Google Shape;493;p51"/>
+          <p:cNvPr id="352" name="Google Shape;352;p38"/>
           <p:cNvSpPr txBox="1"/>
           <p:nvPr/>
         </p:nvSpPr>
         <p:spPr>
           <a:xfrm>
-            <a:off x="1850250" y="354150"/>
-            <a:ext cx="5443500" cy="625200"/>
+            <a:off x="620000" y="1681400"/>
+            <a:ext cx="3001800" cy="2583900"/>
           </a:xfrm>
           <a:prstGeom prst="rect">
             <a:avLst/>
@@ -18546,95 +19735,6 @@
           </a:bodyPr>
           <a:lstStyle/>
           <a:p>
-            <a:pPr marL="0" lvl="0" indent="0" algn="ctr" rtl="0">
-              <a:lnSpc>
-                <a:spcPct val="100000"/>
-              </a:lnSpc>
-              <a:spcBef>
-                <a:spcPts val="0"/>
-              </a:spcBef>
-              <a:spcAft>
-                <a:spcPts val="0"/>
-              </a:spcAft>
-              <a:buNone/>
-            </a:pPr>
-            <a:r>
-              <a:rPr lang="pt-BR" sz="3000" b="1">
-                <a:solidFill>
-                  <a:srgbClr val="434343"/>
-                </a:solidFill>
-                <a:latin typeface="Open Sans"/>
-                <a:ea typeface="Open Sans"/>
-                <a:cs typeface="Open Sans"/>
-                <a:sym typeface="Open Sans"/>
-              </a:rPr>
-              <a:t>Sobre as avaliações</a:t>
-            </a:r>
-            <a:endParaRPr sz="3000">
-              <a:solidFill>
-                <a:srgbClr val="434343"/>
-              </a:solidFill>
-              <a:latin typeface="Open Sans"/>
-              <a:ea typeface="Open Sans"/>
-              <a:cs typeface="Open Sans"/>
-              <a:sym typeface="Open Sans"/>
-            </a:endParaRPr>
-          </a:p>
-        </p:txBody>
-      </p:sp>
-      <p:pic>
-        <p:nvPicPr>
-          <p:cNvPr id="494" name="Google Shape;494;p51"/>
-          <p:cNvPicPr preferRelativeResize="0"/>
-          <p:nvPr/>
-        </p:nvPicPr>
-        <p:blipFill>
-          <a:blip r:embed="rId3">
-            <a:alphaModFix/>
-          </a:blip>
-          <a:stretch>
-            <a:fillRect/>
-          </a:stretch>
-        </p:blipFill>
-        <p:spPr>
-          <a:xfrm rot="-312075">
-            <a:off x="7411825" y="-1569575"/>
-            <a:ext cx="5143501" cy="5143501"/>
-          </a:xfrm>
-          <a:prstGeom prst="rect">
-            <a:avLst/>
-          </a:prstGeom>
-          <a:noFill/>
-          <a:ln>
-            <a:noFill/>
-          </a:ln>
-        </p:spPr>
-      </p:pic>
-      <p:sp>
-        <p:nvSpPr>
-          <p:cNvPr id="495" name="Google Shape;495;p51"/>
-          <p:cNvSpPr txBox="1"/>
-          <p:nvPr/>
-        </p:nvSpPr>
-        <p:spPr>
-          <a:xfrm>
-            <a:off x="620000" y="1351225"/>
-            <a:ext cx="8074200" cy="3275700"/>
-          </a:xfrm>
-          <a:prstGeom prst="rect">
-            <a:avLst/>
-          </a:prstGeom>
-          <a:noFill/>
-          <a:ln>
-            <a:noFill/>
-          </a:ln>
-        </p:spPr>
-        <p:txBody>
-          <a:bodyPr spcFirstLastPara="1" wrap="square" lIns="91425" tIns="91425" rIns="91425" bIns="91425" anchor="t" anchorCtr="0">
-            <a:noAutofit/>
-          </a:bodyPr>
-          <a:lstStyle/>
-          <a:p>
             <a:pPr marL="0" lvl="0" indent="0" algn="l" rtl="0">
               <a:lnSpc>
                 <a:spcPct val="150000"/>
@@ -18645,10 +19745,15 @@
               <a:spcAft>
                 <a:spcPts val="0"/>
               </a:spcAft>
+              <a:buClr>
+                <a:schemeClr val="dk1"/>
+              </a:buClr>
+              <a:buSzPts val="1100"/>
+              <a:buFont typeface="Arial"/>
               <a:buNone/>
             </a:pPr>
             <a:r>
-              <a:rPr lang="pt-BR" sz="1800">
+              <a:rPr lang="pt-BR" sz="1200">
                 <a:solidFill>
                   <a:srgbClr val="666666"/>
                 </a:solidFill>
@@ -18660,9 +19765,62 @@
                 <a:cs typeface="Open Sans"/>
                 <a:sym typeface="Open Sans"/>
               </a:rPr>
-              <a:t>. Prova prática será liberada na quarta feira dia 04/09/2019 de manhã, mandaremos pelo grupo</a:t>
+              <a:t>. Padronizada pela ECMA International</a:t>
             </a:r>
-            <a:endParaRPr sz="1800">
+            <a:endParaRPr sz="1200">
+              <a:solidFill>
+                <a:srgbClr val="666666"/>
+              </a:solidFill>
+              <a:highlight>
+                <a:srgbClr val="FFFFFF"/>
+              </a:highlight>
+              <a:latin typeface="Open Sans"/>
+              <a:ea typeface="Open Sans"/>
+              <a:cs typeface="Open Sans"/>
+              <a:sym typeface="Open Sans"/>
+            </a:endParaRPr>
+          </a:p>
+          <a:p>
+            <a:pPr marL="0" lvl="0" indent="0" algn="l" rtl="0">
+              <a:lnSpc>
+                <a:spcPct val="150000"/>
+              </a:lnSpc>
+              <a:spcBef>
+                <a:spcPts val="0"/>
+              </a:spcBef>
+              <a:spcAft>
+                <a:spcPts val="0"/>
+              </a:spcAft>
+              <a:buNone/>
+            </a:pPr>
+            <a:r>
+              <a:rPr lang="pt-BR" sz="1200">
+                <a:solidFill>
+                  <a:srgbClr val="666666"/>
+                </a:solidFill>
+                <a:latin typeface="Open Sans SemiBold"/>
+                <a:ea typeface="Open Sans SemiBold"/>
+                <a:cs typeface="Open Sans SemiBold"/>
+                <a:sym typeface="Open Sans SemiBold"/>
+              </a:rPr>
+              <a:t>. </a:t>
+            </a:r>
+            <a:r>
+              <a:rPr lang="pt-BR" sz="1200">
+                <a:solidFill>
+                  <a:srgbClr val="666666"/>
+                </a:solidFill>
+                <a:highlight>
+                  <a:schemeClr val="lt1"/>
+                </a:highlight>
+                <a:latin typeface="Open Sans"/>
+                <a:ea typeface="Open Sans"/>
+                <a:cs typeface="Open Sans"/>
+                <a:sym typeface="Open Sans"/>
+              </a:rPr>
+              <a:t>Orientada a objetos</a:t>
+            </a:r>
+            <a:endParaRPr sz="1200">
               <a:solidFill>
                 <a:srgbClr val="666666"/>
               </a:solidFill>
@@ -18689,7 +19847,19 @@
               <a:buNone/>
             </a:pPr>
             <a:r>
-              <a:rPr lang="pt-BR" sz="1800">
+              <a:rPr lang="pt-BR" sz="1200">
+                <a:solidFill>
+                  <a:srgbClr val="666666"/>
+                </a:solidFill>
+                <a:latin typeface="Open Sans SemiBold"/>
+                <a:ea typeface="Open Sans SemiBold"/>
+                <a:cs typeface="Open Sans SemiBold"/>
+                <a:sym typeface="Open Sans SemiBold"/>
+              </a:rPr>
+              <a:t>.</a:t>
+            </a:r>
+            <a:r>
+              <a:rPr lang="pt-BR" sz="1200">
                 <a:solidFill>
                   <a:srgbClr val="666666"/>
                 </a:solidFill>
@@ -18701,10 +19871,36 @@
                 <a:cs typeface="Open Sans"/>
                 <a:sym typeface="Open Sans"/>
               </a:rPr>
-              <a:t>   . </a:t>
+              <a:t> Multiplataforma</a:t>
             </a:r>
+            <a:endParaRPr sz="1200">
+              <a:solidFill>
+                <a:srgbClr val="666666"/>
+              </a:solidFill>
+              <a:highlight>
+                <a:schemeClr val="lt1"/>
+              </a:highlight>
+              <a:latin typeface="Open Sans"/>
+              <a:ea typeface="Open Sans"/>
+              <a:cs typeface="Open Sans"/>
+              <a:sym typeface="Open Sans"/>
+            </a:endParaRPr>
+          </a:p>
+          <a:p>
+            <a:pPr marL="0" lvl="0" indent="0" algn="l" rtl="0">
+              <a:lnSpc>
+                <a:spcPct val="150000"/>
+              </a:lnSpc>
+              <a:spcBef>
+                <a:spcPts val="0"/>
+              </a:spcBef>
+              <a:spcAft>
+                <a:spcPts val="0"/>
+              </a:spcAft>
+              <a:buNone/>
+            </a:pPr>
             <a:r>
-              <a:rPr lang="pt-BR" sz="1800" b="1">
+              <a:rPr lang="pt-BR" sz="1200">
                 <a:solidFill>
                   <a:srgbClr val="666666"/>
                 </a:solidFill>
@@ -18716,9 +19912,9 @@
                 <a:cs typeface="Open Sans"/>
                 <a:sym typeface="Open Sans"/>
               </a:rPr>
-              <a:t>Não colem do amiguinho, iremos olhar o código no detalhe</a:t>
+              <a:t>. Tipagem dinâmica</a:t>
             </a:r>
-            <a:endParaRPr sz="1800" b="1">
+            <a:endParaRPr sz="1200">
               <a:solidFill>
                 <a:srgbClr val="666666"/>
               </a:solidFill>
@@ -18745,7 +19941,7 @@
               <a:buNone/>
             </a:pPr>
             <a:r>
-              <a:rPr lang="pt-BR" sz="1800">
+              <a:rPr lang="pt-BR" sz="1200">
                 <a:solidFill>
                   <a:srgbClr val="666666"/>
                 </a:solidFill>
@@ -18757,9 +19953,9 @@
                 <a:cs typeface="Open Sans"/>
                 <a:sym typeface="Open Sans"/>
               </a:rPr>
-              <a:t>. Sexta- feira (06/09) de manhã, apresentação da prova prática, terão no máximo 15 minutos cada</a:t>
+              <a:t>. Linguagem não compilada</a:t>
             </a:r>
-            <a:endParaRPr sz="1800">
+            <a:endParaRPr sz="1200">
               <a:solidFill>
                 <a:srgbClr val="666666"/>
               </a:solidFill>
@@ -18774,8 +19970,59 @@
           </a:p>
           <a:p>
             <a:pPr marL="0" lvl="0" indent="0" algn="l" rtl="0">
+              <a:spcBef>
+                <a:spcPts val="0"/>
+              </a:spcBef>
+              <a:spcAft>
+                <a:spcPts val="0"/>
+              </a:spcAft>
+              <a:buClr>
+                <a:schemeClr val="dk1"/>
+              </a:buClr>
+              <a:buSzPts val="1100"/>
+              <a:buFont typeface="Arial"/>
+              <a:buNone/>
+            </a:pPr>
+            <a:endParaRPr sz="1000">
+              <a:solidFill>
+                <a:srgbClr val="666666"/>
+              </a:solidFill>
+              <a:latin typeface="Open Sans SemiBold"/>
+              <a:ea typeface="Open Sans SemiBold"/>
+              <a:cs typeface="Open Sans SemiBold"/>
+              <a:sym typeface="Open Sans SemiBold"/>
+            </a:endParaRPr>
+          </a:p>
+        </p:txBody>
+      </p:sp>
+      <p:sp>
+        <p:nvSpPr>
+          <p:cNvPr id="353" name="Google Shape;353;p38"/>
+          <p:cNvSpPr txBox="1"/>
+          <p:nvPr/>
+        </p:nvSpPr>
+        <p:spPr>
+          <a:xfrm>
+            <a:off x="620000" y="571325"/>
+            <a:ext cx="3079800" cy="954000"/>
+          </a:xfrm>
+          <a:prstGeom prst="rect">
+            <a:avLst/>
+          </a:prstGeom>
+          <a:noFill/>
+          <a:ln>
+            <a:noFill/>
+          </a:ln>
+        </p:spPr>
+        <p:txBody>
+          <a:bodyPr spcFirstLastPara="1" wrap="square" lIns="91425" tIns="91425" rIns="91425" bIns="91425" anchor="t" anchorCtr="0">
+            <a:noAutofit/>
+          </a:bodyPr>
+          <a:lstStyle/>
+          <a:p>
+            <a:pPr marL="0" lvl="0" indent="0" algn="l" rtl="0">
               <a:lnSpc>
-                <a:spcPct val="150000"/>
+                <a:spcPct val="100000"/>
               </a:lnSpc>
               <a:spcBef>
                 <a:spcPts val="0"/>
@@ -18786,7 +20033,857 @@
               <a:buNone/>
             </a:pPr>
             <a:r>
-              <a:rPr lang="pt-BR" sz="1800">
+              <a:rPr lang="pt-BR" sz="2500" b="1">
+                <a:solidFill>
+                  <a:srgbClr val="434343"/>
+                </a:solidFill>
+                <a:latin typeface="Open Sans"/>
+                <a:ea typeface="Open Sans"/>
+                <a:cs typeface="Open Sans"/>
+                <a:sym typeface="Open Sans"/>
+              </a:rPr>
+              <a:t>Javascript e </a:t>
+            </a:r>
+            <a:br>
+              <a:rPr lang="pt-BR" sz="2500" b="1">
+                <a:solidFill>
+                  <a:srgbClr val="434343"/>
+                </a:solidFill>
+                <a:latin typeface="Open Sans"/>
+                <a:ea typeface="Open Sans"/>
+                <a:cs typeface="Open Sans"/>
+                <a:sym typeface="Open Sans"/>
+              </a:rPr>
+            </a:br>
+            <a:r>
+              <a:rPr lang="pt-BR" sz="2500" b="1">
+                <a:solidFill>
+                  <a:srgbClr val="434343"/>
+                </a:solidFill>
+                <a:latin typeface="Open Sans"/>
+                <a:ea typeface="Open Sans"/>
+                <a:cs typeface="Open Sans"/>
+                <a:sym typeface="Open Sans"/>
+              </a:rPr>
+              <a:t>Frameworks</a:t>
+            </a:r>
+            <a:endParaRPr sz="2500">
+              <a:solidFill>
+                <a:srgbClr val="434343"/>
+              </a:solidFill>
+              <a:latin typeface="Open Sans"/>
+              <a:ea typeface="Open Sans"/>
+              <a:cs typeface="Open Sans"/>
+              <a:sym typeface="Open Sans"/>
+            </a:endParaRPr>
+          </a:p>
+        </p:txBody>
+      </p:sp>
+      <p:sp>
+        <p:nvSpPr>
+          <p:cNvPr id="354" name="Google Shape;354;p38"/>
+          <p:cNvSpPr/>
+          <p:nvPr/>
+        </p:nvSpPr>
+        <p:spPr>
+          <a:xfrm>
+            <a:off x="722100" y="535876"/>
+            <a:ext cx="475800" cy="37800"/>
+          </a:xfrm>
+          <a:prstGeom prst="rect">
+            <a:avLst/>
+          </a:prstGeom>
+          <a:solidFill>
+            <a:srgbClr val="D54995"/>
+          </a:solidFill>
+          <a:ln>
+            <a:noFill/>
+          </a:ln>
+        </p:spPr>
+        <p:txBody>
+          <a:bodyPr spcFirstLastPara="1" wrap="square" lIns="91425" tIns="91425" rIns="91425" bIns="91425" anchor="ctr" anchorCtr="0">
+            <a:noAutofit/>
+          </a:bodyPr>
+          <a:lstStyle/>
+          <a:p>
+            <a:pPr marL="0" lvl="0" indent="0" algn="l" rtl="0">
+              <a:spcBef>
+                <a:spcPts val="0"/>
+              </a:spcBef>
+              <a:spcAft>
+                <a:spcPts val="0"/>
+              </a:spcAft>
+              <a:buNone/>
+            </a:pPr>
+            <a:endParaRPr/>
+          </a:p>
+        </p:txBody>
+      </p:sp>
+      <p:sp>
+        <p:nvSpPr>
+          <p:cNvPr id="355" name="Google Shape;355;p38"/>
+          <p:cNvSpPr/>
+          <p:nvPr/>
+        </p:nvSpPr>
+        <p:spPr>
+          <a:xfrm>
+            <a:off x="1186896" y="535876"/>
+            <a:ext cx="475800" cy="37800"/>
+          </a:xfrm>
+          <a:prstGeom prst="rect">
+            <a:avLst/>
+          </a:prstGeom>
+          <a:solidFill>
+            <a:srgbClr val="B33C97"/>
+          </a:solidFill>
+          <a:ln>
+            <a:noFill/>
+          </a:ln>
+        </p:spPr>
+        <p:txBody>
+          <a:bodyPr spcFirstLastPara="1" wrap="square" lIns="91425" tIns="91425" rIns="91425" bIns="91425" anchor="ctr" anchorCtr="0">
+            <a:noAutofit/>
+          </a:bodyPr>
+          <a:lstStyle/>
+          <a:p>
+            <a:pPr marL="0" lvl="0" indent="0" algn="l" rtl="0">
+              <a:spcBef>
+                <a:spcPts val="0"/>
+              </a:spcBef>
+              <a:spcAft>
+                <a:spcPts val="0"/>
+              </a:spcAft>
+              <a:buNone/>
+            </a:pPr>
+            <a:endParaRPr/>
+          </a:p>
+        </p:txBody>
+      </p:sp>
+      <p:pic>
+        <p:nvPicPr>
+          <p:cNvPr id="356" name="Google Shape;356;p38"/>
+          <p:cNvPicPr preferRelativeResize="0"/>
+          <p:nvPr/>
+        </p:nvPicPr>
+        <p:blipFill>
+          <a:blip r:embed="rId3">
+            <a:alphaModFix amt="40000"/>
+          </a:blip>
+          <a:stretch>
+            <a:fillRect/>
+          </a:stretch>
+        </p:blipFill>
+        <p:spPr>
+          <a:xfrm rot="-9965328">
+            <a:off x="-3548512" y="-2684583"/>
+            <a:ext cx="4526224" cy="4526243"/>
+          </a:xfrm>
+          <a:prstGeom prst="rect">
+            <a:avLst/>
+          </a:prstGeom>
+          <a:noFill/>
+          <a:ln>
+            <a:noFill/>
+          </a:ln>
+        </p:spPr>
+      </p:pic>
+      <p:sp>
+        <p:nvSpPr>
+          <p:cNvPr id="357" name="Google Shape;357;p38"/>
+          <p:cNvSpPr/>
+          <p:nvPr/>
+        </p:nvSpPr>
+        <p:spPr>
+          <a:xfrm>
+            <a:off x="6611650" y="0"/>
+            <a:ext cx="1200600" cy="5143500"/>
+          </a:xfrm>
+          <a:prstGeom prst="rect">
+            <a:avLst/>
+          </a:prstGeom>
+          <a:solidFill>
+            <a:srgbClr val="DC619D"/>
+          </a:solidFill>
+          <a:ln>
+            <a:noFill/>
+          </a:ln>
+        </p:spPr>
+        <p:txBody>
+          <a:bodyPr spcFirstLastPara="1" wrap="square" lIns="91425" tIns="91425" rIns="91425" bIns="91425" anchor="ctr" anchorCtr="0">
+            <a:noAutofit/>
+          </a:bodyPr>
+          <a:lstStyle/>
+          <a:p>
+            <a:pPr marL="0" lvl="0" indent="0" algn="l" rtl="0">
+              <a:spcBef>
+                <a:spcPts val="0"/>
+              </a:spcBef>
+              <a:spcAft>
+                <a:spcPts val="0"/>
+              </a:spcAft>
+              <a:buNone/>
+            </a:pPr>
+            <a:endParaRPr/>
+          </a:p>
+        </p:txBody>
+      </p:sp>
+      <p:sp>
+        <p:nvSpPr>
+          <p:cNvPr id="358" name="Google Shape;358;p38"/>
+          <p:cNvSpPr/>
+          <p:nvPr/>
+        </p:nvSpPr>
+        <p:spPr>
+          <a:xfrm>
+            <a:off x="5245100" y="0"/>
+            <a:ext cx="1200600" cy="5143500"/>
+          </a:xfrm>
+          <a:prstGeom prst="rect">
+            <a:avLst/>
+          </a:prstGeom>
+          <a:solidFill>
+            <a:srgbClr val="DC619D"/>
+          </a:solidFill>
+          <a:ln>
+            <a:noFill/>
+          </a:ln>
+        </p:spPr>
+        <p:txBody>
+          <a:bodyPr spcFirstLastPara="1" wrap="square" lIns="91425" tIns="91425" rIns="91425" bIns="91425" anchor="ctr" anchorCtr="0">
+            <a:noAutofit/>
+          </a:bodyPr>
+          <a:lstStyle/>
+          <a:p>
+            <a:pPr marL="0" lvl="0" indent="0" algn="l" rtl="0">
+              <a:spcBef>
+                <a:spcPts val="0"/>
+              </a:spcBef>
+              <a:spcAft>
+                <a:spcPts val="0"/>
+              </a:spcAft>
+              <a:buNone/>
+            </a:pPr>
+            <a:endParaRPr/>
+          </a:p>
+        </p:txBody>
+      </p:sp>
+      <p:sp>
+        <p:nvSpPr>
+          <p:cNvPr id="359" name="Google Shape;359;p38"/>
+          <p:cNvSpPr/>
+          <p:nvPr/>
+        </p:nvSpPr>
+        <p:spPr>
+          <a:xfrm>
+            <a:off x="7956650" y="0"/>
+            <a:ext cx="1200600" cy="5143500"/>
+          </a:xfrm>
+          <a:prstGeom prst="rect">
+            <a:avLst/>
+          </a:prstGeom>
+          <a:solidFill>
+            <a:srgbClr val="DC619D"/>
+          </a:solidFill>
+          <a:ln>
+            <a:noFill/>
+          </a:ln>
+        </p:spPr>
+        <p:txBody>
+          <a:bodyPr spcFirstLastPara="1" wrap="square" lIns="91425" tIns="91425" rIns="91425" bIns="91425" anchor="ctr" anchorCtr="0">
+            <a:noAutofit/>
+          </a:bodyPr>
+          <a:lstStyle/>
+          <a:p>
+            <a:pPr marL="0" lvl="0" indent="0" algn="l" rtl="0">
+              <a:spcBef>
+                <a:spcPts val="0"/>
+              </a:spcBef>
+              <a:spcAft>
+                <a:spcPts val="0"/>
+              </a:spcAft>
+              <a:buNone/>
+            </a:pPr>
+            <a:endParaRPr/>
+          </a:p>
+        </p:txBody>
+      </p:sp>
+      <p:sp>
+        <p:nvSpPr>
+          <p:cNvPr id="360" name="Google Shape;360;p38"/>
+          <p:cNvSpPr/>
+          <p:nvPr/>
+        </p:nvSpPr>
+        <p:spPr>
+          <a:xfrm>
+            <a:off x="3904575" y="0"/>
+            <a:ext cx="1200600" cy="5143500"/>
+          </a:xfrm>
+          <a:prstGeom prst="rect">
+            <a:avLst/>
+          </a:prstGeom>
+          <a:solidFill>
+            <a:srgbClr val="DC619D"/>
+          </a:solidFill>
+          <a:ln>
+            <a:noFill/>
+          </a:ln>
+        </p:spPr>
+        <p:txBody>
+          <a:bodyPr spcFirstLastPara="1" wrap="square" lIns="91425" tIns="91425" rIns="91425" bIns="91425" anchor="ctr" anchorCtr="0">
+            <a:noAutofit/>
+          </a:bodyPr>
+          <a:lstStyle/>
+          <a:p>
+            <a:pPr marL="0" lvl="0" indent="0" algn="l" rtl="0">
+              <a:spcBef>
+                <a:spcPts val="0"/>
+              </a:spcBef>
+              <a:spcAft>
+                <a:spcPts val="0"/>
+              </a:spcAft>
+              <a:buNone/>
+            </a:pPr>
+            <a:endParaRPr/>
+          </a:p>
+        </p:txBody>
+      </p:sp>
+      <p:sp>
+        <p:nvSpPr>
+          <p:cNvPr id="361" name="Google Shape;361;p38"/>
+          <p:cNvSpPr txBox="1"/>
+          <p:nvPr/>
+        </p:nvSpPr>
+        <p:spPr>
+          <a:xfrm>
+            <a:off x="3904575" y="2351850"/>
+            <a:ext cx="1200600" cy="439800"/>
+          </a:xfrm>
+          <a:prstGeom prst="rect">
+            <a:avLst/>
+          </a:prstGeom>
+          <a:noFill/>
+          <a:ln>
+            <a:noFill/>
+          </a:ln>
+        </p:spPr>
+        <p:txBody>
+          <a:bodyPr spcFirstLastPara="1" wrap="square" lIns="91425" tIns="91425" rIns="91425" bIns="91425" anchor="t" anchorCtr="0">
+            <a:noAutofit/>
+          </a:bodyPr>
+          <a:lstStyle/>
+          <a:p>
+            <a:pPr marL="0" lvl="0" indent="0" algn="ctr" rtl="0">
+              <a:lnSpc>
+                <a:spcPct val="115000"/>
+              </a:lnSpc>
+              <a:spcBef>
+                <a:spcPts val="0"/>
+              </a:spcBef>
+              <a:spcAft>
+                <a:spcPts val="0"/>
+              </a:spcAft>
+              <a:buNone/>
+            </a:pPr>
+            <a:r>
+              <a:rPr lang="pt-BR">
+                <a:solidFill>
+                  <a:srgbClr val="FFFFFF"/>
+                </a:solidFill>
+                <a:latin typeface="Open Sans"/>
+                <a:ea typeface="Open Sans"/>
+                <a:cs typeface="Open Sans"/>
+                <a:sym typeface="Open Sans"/>
+              </a:rPr>
+              <a:t>React</a:t>
+            </a:r>
+            <a:endParaRPr>
+              <a:solidFill>
+                <a:srgbClr val="FFFFFF"/>
+              </a:solidFill>
+              <a:latin typeface="Open Sans"/>
+              <a:ea typeface="Open Sans"/>
+              <a:cs typeface="Open Sans"/>
+              <a:sym typeface="Open Sans"/>
+            </a:endParaRPr>
+          </a:p>
+        </p:txBody>
+      </p:sp>
+      <p:sp>
+        <p:nvSpPr>
+          <p:cNvPr id="362" name="Google Shape;362;p38"/>
+          <p:cNvSpPr txBox="1"/>
+          <p:nvPr/>
+        </p:nvSpPr>
+        <p:spPr>
+          <a:xfrm>
+            <a:off x="5245100" y="2351850"/>
+            <a:ext cx="1200600" cy="474000"/>
+          </a:xfrm>
+          <a:prstGeom prst="rect">
+            <a:avLst/>
+          </a:prstGeom>
+          <a:noFill/>
+          <a:ln>
+            <a:noFill/>
+          </a:ln>
+        </p:spPr>
+        <p:txBody>
+          <a:bodyPr spcFirstLastPara="1" wrap="square" lIns="91425" tIns="91425" rIns="91425" bIns="91425" anchor="t" anchorCtr="0">
+            <a:noAutofit/>
+          </a:bodyPr>
+          <a:lstStyle/>
+          <a:p>
+            <a:pPr marL="0" lvl="0" indent="0" algn="ctr" rtl="0">
+              <a:lnSpc>
+                <a:spcPct val="115000"/>
+              </a:lnSpc>
+              <a:spcBef>
+                <a:spcPts val="0"/>
+              </a:spcBef>
+              <a:spcAft>
+                <a:spcPts val="0"/>
+              </a:spcAft>
+              <a:buNone/>
+            </a:pPr>
+            <a:r>
+              <a:rPr lang="pt-BR">
+                <a:solidFill>
+                  <a:srgbClr val="FFFFFF"/>
+                </a:solidFill>
+                <a:latin typeface="Open Sans"/>
+                <a:ea typeface="Open Sans"/>
+                <a:cs typeface="Open Sans"/>
+                <a:sym typeface="Open Sans"/>
+              </a:rPr>
+              <a:t>Angular</a:t>
+            </a:r>
+            <a:endParaRPr>
+              <a:solidFill>
+                <a:srgbClr val="FFFFFF"/>
+              </a:solidFill>
+              <a:latin typeface="Open Sans"/>
+              <a:ea typeface="Open Sans"/>
+              <a:cs typeface="Open Sans"/>
+              <a:sym typeface="Open Sans"/>
+            </a:endParaRPr>
+          </a:p>
+        </p:txBody>
+      </p:sp>
+      <p:sp>
+        <p:nvSpPr>
+          <p:cNvPr id="363" name="Google Shape;363;p38"/>
+          <p:cNvSpPr txBox="1"/>
+          <p:nvPr/>
+        </p:nvSpPr>
+        <p:spPr>
+          <a:xfrm>
+            <a:off x="7956650" y="2351850"/>
+            <a:ext cx="1200600" cy="597900"/>
+          </a:xfrm>
+          <a:prstGeom prst="rect">
+            <a:avLst/>
+          </a:prstGeom>
+          <a:noFill/>
+          <a:ln>
+            <a:noFill/>
+          </a:ln>
+        </p:spPr>
+        <p:txBody>
+          <a:bodyPr spcFirstLastPara="1" wrap="square" lIns="91425" tIns="91425" rIns="91425" bIns="91425" anchor="t" anchorCtr="0">
+            <a:noAutofit/>
+          </a:bodyPr>
+          <a:lstStyle/>
+          <a:p>
+            <a:pPr marL="0" lvl="0" indent="0" algn="ctr" rtl="0">
+              <a:lnSpc>
+                <a:spcPct val="115000"/>
+              </a:lnSpc>
+              <a:spcBef>
+                <a:spcPts val="0"/>
+              </a:spcBef>
+              <a:spcAft>
+                <a:spcPts val="0"/>
+              </a:spcAft>
+              <a:buNone/>
+            </a:pPr>
+            <a:r>
+              <a:rPr lang="pt-BR">
+                <a:solidFill>
+                  <a:srgbClr val="FFFFFF"/>
+                </a:solidFill>
+                <a:latin typeface="Open Sans"/>
+                <a:ea typeface="Open Sans"/>
+                <a:cs typeface="Open Sans"/>
+                <a:sym typeface="Open Sans"/>
+              </a:rPr>
+              <a:t>Ember</a:t>
+            </a:r>
+            <a:endParaRPr>
+              <a:solidFill>
+                <a:srgbClr val="FFFFFF"/>
+              </a:solidFill>
+              <a:latin typeface="Open Sans"/>
+              <a:ea typeface="Open Sans"/>
+              <a:cs typeface="Open Sans"/>
+              <a:sym typeface="Open Sans"/>
+            </a:endParaRPr>
+          </a:p>
+        </p:txBody>
+      </p:sp>
+      <p:sp>
+        <p:nvSpPr>
+          <p:cNvPr id="364" name="Google Shape;364;p38"/>
+          <p:cNvSpPr txBox="1"/>
+          <p:nvPr/>
+        </p:nvSpPr>
+        <p:spPr>
+          <a:xfrm>
+            <a:off x="6600875" y="2351850"/>
+            <a:ext cx="1200600" cy="535800"/>
+          </a:xfrm>
+          <a:prstGeom prst="rect">
+            <a:avLst/>
+          </a:prstGeom>
+          <a:noFill/>
+          <a:ln>
+            <a:noFill/>
+          </a:ln>
+        </p:spPr>
+        <p:txBody>
+          <a:bodyPr spcFirstLastPara="1" wrap="square" lIns="91425" tIns="91425" rIns="91425" bIns="91425" anchor="t" anchorCtr="0">
+            <a:noAutofit/>
+          </a:bodyPr>
+          <a:lstStyle/>
+          <a:p>
+            <a:pPr marL="0" lvl="0" indent="0" algn="ctr" rtl="0">
+              <a:lnSpc>
+                <a:spcPct val="115000"/>
+              </a:lnSpc>
+              <a:spcBef>
+                <a:spcPts val="0"/>
+              </a:spcBef>
+              <a:spcAft>
+                <a:spcPts val="0"/>
+              </a:spcAft>
+              <a:buNone/>
+            </a:pPr>
+            <a:r>
+              <a:rPr lang="pt-BR">
+                <a:solidFill>
+                  <a:srgbClr val="FFFFFF"/>
+                </a:solidFill>
+                <a:latin typeface="Open Sans"/>
+                <a:ea typeface="Open Sans"/>
+                <a:cs typeface="Open Sans"/>
+                <a:sym typeface="Open Sans"/>
+              </a:rPr>
+              <a:t>Vue</a:t>
+            </a:r>
+            <a:endParaRPr>
+              <a:solidFill>
+                <a:srgbClr val="FFFFFF"/>
+              </a:solidFill>
+              <a:latin typeface="Open Sans"/>
+              <a:ea typeface="Open Sans"/>
+              <a:cs typeface="Open Sans"/>
+              <a:sym typeface="Open Sans"/>
+            </a:endParaRPr>
+          </a:p>
+        </p:txBody>
+      </p:sp>
+    </p:spTree>
+    <p:extLst>
+      <p:ext uri="{BB962C8B-B14F-4D97-AF65-F5344CB8AC3E}">
+        <p14:creationId xmlns:p14="http://schemas.microsoft.com/office/powerpoint/2010/main" val="2492481938"/>
+      </p:ext>
+    </p:extLst>
+  </p:cSld>
+  <p:clrMapOvr>
+    <a:masterClrMapping/>
+  </p:clrMapOvr>
+</p:sld>
+</file>
+
+<file path=ppt/slides/slide27.xml><?xml version="1.0" encoding="utf-8"?>
+<p:sld xmlns:a="http://schemas.openxmlformats.org/drawingml/2006/main" xmlns:r="http://schemas.openxmlformats.org/officeDocument/2006/relationships" xmlns:p="http://schemas.openxmlformats.org/presentationml/2006/main">
+  <p:cSld>
+    <p:spTree>
+      <p:nvGrpSpPr>
+        <p:cNvPr id="1" name="Shape 368"/>
+        <p:cNvGrpSpPr/>
+        <p:nvPr/>
+      </p:nvGrpSpPr>
+      <p:grpSpPr>
+        <a:xfrm>
+          <a:off x="0" y="0"/>
+          <a:ext cx="0" cy="0"/>
+          <a:chOff x="0" y="0"/>
+          <a:chExt cx="0" cy="0"/>
+        </a:xfrm>
+      </p:grpSpPr>
+      <p:sp>
+        <p:nvSpPr>
+          <p:cNvPr id="369" name="Google Shape;369;p39"/>
+          <p:cNvSpPr txBox="1"/>
+          <p:nvPr/>
+        </p:nvSpPr>
+        <p:spPr>
+          <a:xfrm>
+            <a:off x="620000" y="1351225"/>
+            <a:ext cx="8074200" cy="3275700"/>
+          </a:xfrm>
+          <a:prstGeom prst="rect">
+            <a:avLst/>
+          </a:prstGeom>
+          <a:noFill/>
+          <a:ln>
+            <a:noFill/>
+          </a:ln>
+        </p:spPr>
+        <p:txBody>
+          <a:bodyPr spcFirstLastPara="1" wrap="square" lIns="91425" tIns="91425" rIns="91425" bIns="91425" anchor="t" anchorCtr="0">
+            <a:noAutofit/>
+          </a:bodyPr>
+          <a:lstStyle/>
+          <a:p>
+            <a:pPr marL="0" lvl="0" indent="0" algn="l" rtl="0">
+              <a:lnSpc>
+                <a:spcPct val="115000"/>
+              </a:lnSpc>
+              <a:spcBef>
+                <a:spcPts val="0"/>
+              </a:spcBef>
+              <a:spcAft>
+                <a:spcPts val="0"/>
+              </a:spcAft>
+              <a:buNone/>
+            </a:pPr>
+            <a:r>
+              <a:rPr lang="pt-BR">
+                <a:solidFill>
+                  <a:srgbClr val="666666"/>
+                </a:solidFill>
+                <a:latin typeface="Open Sans SemiBold"/>
+                <a:ea typeface="Open Sans SemiBold"/>
+                <a:cs typeface="Open Sans SemiBold"/>
+                <a:sym typeface="Open Sans SemiBold"/>
+              </a:rPr>
+              <a:t>.</a:t>
+            </a:r>
+            <a:r>
+              <a:rPr lang="pt-BR" sz="1000">
+                <a:solidFill>
+                  <a:srgbClr val="666666"/>
+                </a:solidFill>
+                <a:latin typeface="Open Sans SemiBold"/>
+                <a:ea typeface="Open Sans SemiBold"/>
+                <a:cs typeface="Open Sans SemiBold"/>
+                <a:sym typeface="Open Sans SemiBold"/>
+              </a:rPr>
+              <a:t> </a:t>
+            </a:r>
+            <a:r>
+              <a:rPr lang="pt-BR" sz="1200">
+                <a:solidFill>
+                  <a:srgbClr val="666666"/>
+                </a:solidFill>
+                <a:highlight>
+                  <a:srgbClr val="FFFFFF"/>
+                </a:highlight>
+                <a:latin typeface="Open Sans"/>
+                <a:ea typeface="Open Sans"/>
+                <a:cs typeface="Open Sans"/>
+                <a:sym typeface="Open Sans"/>
+              </a:rPr>
+              <a:t>Console.log</a:t>
+            </a:r>
+            <a:endParaRPr sz="1200">
+              <a:solidFill>
+                <a:srgbClr val="666666"/>
+              </a:solidFill>
+              <a:highlight>
+                <a:srgbClr val="FFFFFF"/>
+              </a:highlight>
+              <a:latin typeface="Open Sans"/>
+              <a:ea typeface="Open Sans"/>
+              <a:cs typeface="Open Sans"/>
+              <a:sym typeface="Open Sans"/>
+            </a:endParaRPr>
+          </a:p>
+          <a:p>
+            <a:pPr marL="0" lvl="0" indent="0" algn="l" rtl="0">
+              <a:lnSpc>
+                <a:spcPct val="115000"/>
+              </a:lnSpc>
+              <a:spcBef>
+                <a:spcPts val="0"/>
+              </a:spcBef>
+              <a:spcAft>
+                <a:spcPts val="0"/>
+              </a:spcAft>
+              <a:buNone/>
+            </a:pPr>
+            <a:r>
+              <a:rPr lang="pt-BR">
+                <a:solidFill>
+                  <a:srgbClr val="666666"/>
+                </a:solidFill>
+                <a:latin typeface="Open Sans SemiBold"/>
+                <a:ea typeface="Open Sans SemiBold"/>
+                <a:cs typeface="Open Sans SemiBold"/>
+                <a:sym typeface="Open Sans SemiBold"/>
+              </a:rPr>
+              <a:t>.</a:t>
+            </a:r>
+            <a:r>
+              <a:rPr lang="pt-BR" sz="1000">
+                <a:solidFill>
+                  <a:srgbClr val="666666"/>
+                </a:solidFill>
+                <a:latin typeface="Open Sans SemiBold"/>
+                <a:ea typeface="Open Sans SemiBold"/>
+                <a:cs typeface="Open Sans SemiBold"/>
+                <a:sym typeface="Open Sans SemiBold"/>
+              </a:rPr>
+              <a:t> </a:t>
+            </a:r>
+            <a:r>
+              <a:rPr lang="pt-BR" sz="1200">
+                <a:solidFill>
+                  <a:srgbClr val="666666"/>
+                </a:solidFill>
+                <a:highlight>
+                  <a:srgbClr val="FFFFFF"/>
+                </a:highlight>
+                <a:latin typeface="Open Sans"/>
+                <a:ea typeface="Open Sans"/>
+                <a:cs typeface="Open Sans"/>
+                <a:sym typeface="Open Sans"/>
+              </a:rPr>
+              <a:t>Variáveis: var, let e const</a:t>
+            </a:r>
+            <a:endParaRPr sz="1200">
+              <a:solidFill>
+                <a:srgbClr val="666666"/>
+              </a:solidFill>
+              <a:highlight>
+                <a:srgbClr val="FFFFFF"/>
+              </a:highlight>
+              <a:latin typeface="Open Sans"/>
+              <a:ea typeface="Open Sans"/>
+              <a:cs typeface="Open Sans"/>
+              <a:sym typeface="Open Sans"/>
+            </a:endParaRPr>
+          </a:p>
+          <a:p>
+            <a:pPr marL="0" lvl="0" indent="0" algn="l" rtl="0">
+              <a:lnSpc>
+                <a:spcPct val="115000"/>
+              </a:lnSpc>
+              <a:spcBef>
+                <a:spcPts val="0"/>
+              </a:spcBef>
+              <a:spcAft>
+                <a:spcPts val="0"/>
+              </a:spcAft>
+              <a:buNone/>
+            </a:pPr>
+            <a:r>
+              <a:rPr lang="pt-BR">
+                <a:solidFill>
+                  <a:srgbClr val="666666"/>
+                </a:solidFill>
+                <a:latin typeface="Open Sans SemiBold"/>
+                <a:ea typeface="Open Sans SemiBold"/>
+                <a:cs typeface="Open Sans SemiBold"/>
+                <a:sym typeface="Open Sans SemiBold"/>
+              </a:rPr>
+              <a:t>.</a:t>
+            </a:r>
+            <a:r>
+              <a:rPr lang="pt-BR" sz="1000">
+                <a:solidFill>
+                  <a:srgbClr val="666666"/>
+                </a:solidFill>
+                <a:latin typeface="Open Sans SemiBold"/>
+                <a:ea typeface="Open Sans SemiBold"/>
+                <a:cs typeface="Open Sans SemiBold"/>
+                <a:sym typeface="Open Sans SemiBold"/>
+              </a:rPr>
+              <a:t> </a:t>
+            </a:r>
+            <a:r>
+              <a:rPr lang="pt-BR" sz="1200">
+                <a:solidFill>
+                  <a:srgbClr val="666666"/>
+                </a:solidFill>
+                <a:highlight>
+                  <a:srgbClr val="FFFFFF"/>
+                </a:highlight>
+                <a:latin typeface="Open Sans"/>
+                <a:ea typeface="Open Sans"/>
+                <a:cs typeface="Open Sans"/>
+                <a:sym typeface="Open Sans"/>
+              </a:rPr>
+              <a:t>Tipo de dados</a:t>
+            </a:r>
+            <a:endParaRPr sz="1200">
+              <a:solidFill>
+                <a:srgbClr val="666666"/>
+              </a:solidFill>
+              <a:highlight>
+                <a:srgbClr val="FFFFFF"/>
+              </a:highlight>
+              <a:latin typeface="Open Sans"/>
+              <a:ea typeface="Open Sans"/>
+              <a:cs typeface="Open Sans"/>
+              <a:sym typeface="Open Sans"/>
+            </a:endParaRPr>
+          </a:p>
+          <a:p>
+            <a:pPr marL="0" lvl="0" indent="0" algn="l" rtl="0">
+              <a:lnSpc>
+                <a:spcPct val="115000"/>
+              </a:lnSpc>
+              <a:spcBef>
+                <a:spcPts val="0"/>
+              </a:spcBef>
+              <a:spcAft>
+                <a:spcPts val="0"/>
+              </a:spcAft>
+              <a:buClr>
+                <a:schemeClr val="dk1"/>
+              </a:buClr>
+              <a:buSzPts val="1100"/>
+              <a:buFont typeface="Arial"/>
+              <a:buNone/>
+            </a:pPr>
+            <a:r>
+              <a:rPr lang="pt-BR">
+                <a:solidFill>
+                  <a:srgbClr val="666666"/>
+                </a:solidFill>
+                <a:latin typeface="Open Sans SemiBold"/>
+                <a:ea typeface="Open Sans SemiBold"/>
+                <a:cs typeface="Open Sans SemiBold"/>
+                <a:sym typeface="Open Sans SemiBold"/>
+              </a:rPr>
+              <a:t>.</a:t>
+            </a:r>
+            <a:r>
+              <a:rPr lang="pt-BR" sz="1000">
+                <a:solidFill>
+                  <a:srgbClr val="666666"/>
+                </a:solidFill>
+                <a:latin typeface="Open Sans SemiBold"/>
+                <a:ea typeface="Open Sans SemiBold"/>
+                <a:cs typeface="Open Sans SemiBold"/>
+                <a:sym typeface="Open Sans SemiBold"/>
+              </a:rPr>
+              <a:t> </a:t>
+            </a:r>
+            <a:r>
+              <a:rPr lang="pt-BR" sz="1200">
                 <a:solidFill>
                   <a:srgbClr val="666666"/>
                 </a:solidFill>
@@ -18798,14 +20895,14 @@
                 <a:cs typeface="Open Sans"/>
                 <a:sym typeface="Open Sans"/>
               </a:rPr>
-              <a:t>. Sexta- feira a tarde, prova teórica</a:t>
+              <a:t>Operações básicas (+, - , /, %)</a:t>
             </a:r>
-            <a:endParaRPr sz="1800">
+            <a:endParaRPr sz="1200">
               <a:solidFill>
-                <a:srgbClr val="222222"/>
+                <a:srgbClr val="666666"/>
               </a:solidFill>
               <a:highlight>
-                <a:schemeClr val="lt1"/>
+                <a:srgbClr val="FFFFFF"/>
               </a:highlight>
               <a:latin typeface="Open Sans"/>
               <a:ea typeface="Open Sans"/>
@@ -18816,7 +20913,7 @@
           <a:p>
             <a:pPr marL="0" lvl="0" indent="0" algn="l" rtl="0">
               <a:lnSpc>
-                <a:spcPct val="150000"/>
+                <a:spcPct val="115000"/>
               </a:lnSpc>
               <a:spcBef>
                 <a:spcPts val="0"/>
@@ -18826,12 +20923,51 @@
               </a:spcAft>
               <a:buNone/>
             </a:pPr>
-            <a:endParaRPr sz="1800">
+            <a:r>
+              <a:rPr lang="pt-BR">
+                <a:solidFill>
+                  <a:srgbClr val="666666"/>
+                </a:solidFill>
+                <a:latin typeface="Open Sans SemiBold"/>
+                <a:ea typeface="Open Sans SemiBold"/>
+                <a:cs typeface="Open Sans SemiBold"/>
+                <a:sym typeface="Open Sans SemiBold"/>
+              </a:rPr>
+              <a:t>.</a:t>
+            </a:r>
+            <a:r>
+              <a:rPr lang="pt-BR" sz="1000">
+                <a:solidFill>
+                  <a:srgbClr val="666666"/>
+                </a:solidFill>
+                <a:latin typeface="Open Sans SemiBold"/>
+                <a:ea typeface="Open Sans SemiBold"/>
+                <a:cs typeface="Open Sans SemiBold"/>
+                <a:sym typeface="Open Sans SemiBold"/>
+              </a:rPr>
+              <a:t> </a:t>
+            </a:r>
+            <a:r>
+              <a:rPr lang="pt-BR" sz="1200">
+                <a:solidFill>
+                  <a:srgbClr val="666666"/>
+                </a:solidFill>
+                <a:highlight>
+                  <a:srgbClr val="FFFFFF"/>
+                </a:highlight>
+                <a:latin typeface="Open Sans"/>
+                <a:ea typeface="Open Sans"/>
+                <a:cs typeface="Open Sans"/>
+                <a:sym typeface="Open Sans"/>
+              </a:rPr>
+              <a:t>Condicionais</a:t>
+            </a:r>
+            <a:endParaRPr sz="1200">
               <a:solidFill>
                 <a:srgbClr val="666666"/>
               </a:solidFill>
               <a:highlight>
-                <a:schemeClr val="lt1"/>
+                <a:srgbClr val="FFFFFF"/>
               </a:highlight>
               <a:latin typeface="Open Sans"/>
               <a:ea typeface="Open Sans"/>
@@ -18839,9 +20975,651 @@
               <a:sym typeface="Open Sans"/>
             </a:endParaRPr>
           </a:p>
+          <a:p>
+            <a:pPr marL="0" lvl="0" indent="0" algn="l" rtl="0">
+              <a:lnSpc>
+                <a:spcPct val="115000"/>
+              </a:lnSpc>
+              <a:spcBef>
+                <a:spcPts val="0"/>
+              </a:spcBef>
+              <a:spcAft>
+                <a:spcPts val="0"/>
+              </a:spcAft>
+              <a:buClr>
+                <a:schemeClr val="dk1"/>
+              </a:buClr>
+              <a:buSzPts val="1100"/>
+              <a:buFont typeface="Arial"/>
+              <a:buNone/>
+            </a:pPr>
+            <a:r>
+              <a:rPr lang="pt-BR">
+                <a:solidFill>
+                  <a:srgbClr val="666666"/>
+                </a:solidFill>
+                <a:latin typeface="Open Sans SemiBold"/>
+                <a:ea typeface="Open Sans SemiBold"/>
+                <a:cs typeface="Open Sans SemiBold"/>
+                <a:sym typeface="Open Sans SemiBold"/>
+              </a:rPr>
+              <a:t>.</a:t>
+            </a:r>
+            <a:r>
+              <a:rPr lang="pt-BR" sz="1000">
+                <a:solidFill>
+                  <a:srgbClr val="666666"/>
+                </a:solidFill>
+                <a:latin typeface="Open Sans SemiBold"/>
+                <a:ea typeface="Open Sans SemiBold"/>
+                <a:cs typeface="Open Sans SemiBold"/>
+                <a:sym typeface="Open Sans SemiBold"/>
+              </a:rPr>
+              <a:t> </a:t>
+            </a:r>
+            <a:r>
+              <a:rPr lang="pt-BR" sz="1200">
+                <a:solidFill>
+                  <a:srgbClr val="666666"/>
+                </a:solidFill>
+                <a:highlight>
+                  <a:schemeClr val="lt1"/>
+                </a:highlight>
+                <a:latin typeface="Open Sans"/>
+                <a:ea typeface="Open Sans"/>
+                <a:cs typeface="Open Sans"/>
+                <a:sym typeface="Open Sans"/>
+              </a:rPr>
+              <a:t>Funções</a:t>
+            </a:r>
+            <a:endParaRPr>
+              <a:solidFill>
+                <a:srgbClr val="666666"/>
+              </a:solidFill>
+              <a:latin typeface="Open Sans SemiBold"/>
+              <a:ea typeface="Open Sans SemiBold"/>
+              <a:cs typeface="Open Sans SemiBold"/>
+              <a:sym typeface="Open Sans SemiBold"/>
+            </a:endParaRPr>
+          </a:p>
+          <a:p>
+            <a:pPr marL="0" lvl="0" indent="0" algn="l" rtl="0">
+              <a:lnSpc>
+                <a:spcPct val="115000"/>
+              </a:lnSpc>
+              <a:spcBef>
+                <a:spcPts val="0"/>
+              </a:spcBef>
+              <a:spcAft>
+                <a:spcPts val="0"/>
+              </a:spcAft>
+              <a:buNone/>
+            </a:pPr>
+            <a:r>
+              <a:rPr lang="pt-BR">
+                <a:solidFill>
+                  <a:srgbClr val="666666"/>
+                </a:solidFill>
+                <a:latin typeface="Open Sans SemiBold"/>
+                <a:ea typeface="Open Sans SemiBold"/>
+                <a:cs typeface="Open Sans SemiBold"/>
+                <a:sym typeface="Open Sans SemiBold"/>
+              </a:rPr>
+              <a:t>.</a:t>
+            </a:r>
+            <a:r>
+              <a:rPr lang="pt-BR" sz="1000">
+                <a:solidFill>
+                  <a:srgbClr val="666666"/>
+                </a:solidFill>
+                <a:latin typeface="Open Sans SemiBold"/>
+                <a:ea typeface="Open Sans SemiBold"/>
+                <a:cs typeface="Open Sans SemiBold"/>
+                <a:sym typeface="Open Sans SemiBold"/>
+              </a:rPr>
+              <a:t> </a:t>
+            </a:r>
+            <a:r>
+              <a:rPr lang="pt-BR" sz="1200">
+                <a:solidFill>
+                  <a:srgbClr val="666666"/>
+                </a:solidFill>
+                <a:highlight>
+                  <a:srgbClr val="FFFFFF"/>
+                </a:highlight>
+                <a:latin typeface="Open Sans"/>
+                <a:ea typeface="Open Sans"/>
+                <a:cs typeface="Open Sans"/>
+                <a:sym typeface="Open Sans"/>
+              </a:rPr>
+              <a:t>Repetições</a:t>
+            </a:r>
+            <a:endParaRPr sz="1200">
+              <a:solidFill>
+                <a:srgbClr val="666666"/>
+              </a:solidFill>
+              <a:highlight>
+                <a:srgbClr val="FFFFFF"/>
+              </a:highlight>
+              <a:latin typeface="Open Sans"/>
+              <a:ea typeface="Open Sans"/>
+              <a:cs typeface="Open Sans"/>
+              <a:sym typeface="Open Sans"/>
+            </a:endParaRPr>
+          </a:p>
+          <a:p>
+            <a:pPr marL="0" lvl="0" indent="0" algn="l" rtl="0">
+              <a:lnSpc>
+                <a:spcPct val="115000"/>
+              </a:lnSpc>
+              <a:spcBef>
+                <a:spcPts val="0"/>
+              </a:spcBef>
+              <a:spcAft>
+                <a:spcPts val="0"/>
+              </a:spcAft>
+              <a:buNone/>
+            </a:pPr>
+            <a:r>
+              <a:rPr lang="pt-BR">
+                <a:solidFill>
+                  <a:srgbClr val="666666"/>
+                </a:solidFill>
+                <a:latin typeface="Open Sans SemiBold"/>
+                <a:ea typeface="Open Sans SemiBold"/>
+                <a:cs typeface="Open Sans SemiBold"/>
+                <a:sym typeface="Open Sans SemiBold"/>
+              </a:rPr>
+              <a:t>.</a:t>
+            </a:r>
+            <a:r>
+              <a:rPr lang="pt-BR" sz="1000">
+                <a:solidFill>
+                  <a:srgbClr val="666666"/>
+                </a:solidFill>
+                <a:latin typeface="Open Sans SemiBold"/>
+                <a:ea typeface="Open Sans SemiBold"/>
+                <a:cs typeface="Open Sans SemiBold"/>
+                <a:sym typeface="Open Sans SemiBold"/>
+              </a:rPr>
+              <a:t> </a:t>
+            </a:r>
+            <a:r>
+              <a:rPr lang="pt-BR" sz="1200">
+                <a:solidFill>
+                  <a:srgbClr val="666666"/>
+                </a:solidFill>
+                <a:highlight>
+                  <a:srgbClr val="FFFFFF"/>
+                </a:highlight>
+                <a:latin typeface="Open Sans"/>
+                <a:ea typeface="Open Sans"/>
+                <a:cs typeface="Open Sans"/>
+                <a:sym typeface="Open Sans"/>
+              </a:rPr>
+              <a:t>Array</a:t>
+            </a:r>
+            <a:endParaRPr sz="1200">
+              <a:solidFill>
+                <a:srgbClr val="666666"/>
+              </a:solidFill>
+              <a:highlight>
+                <a:srgbClr val="FFFFFF"/>
+              </a:highlight>
+              <a:latin typeface="Open Sans"/>
+              <a:ea typeface="Open Sans"/>
+              <a:cs typeface="Open Sans"/>
+              <a:sym typeface="Open Sans"/>
+            </a:endParaRPr>
+          </a:p>
+          <a:p>
+            <a:pPr marL="0" lvl="0" indent="0" algn="l" rtl="0">
+              <a:lnSpc>
+                <a:spcPct val="115000"/>
+              </a:lnSpc>
+              <a:spcBef>
+                <a:spcPts val="0"/>
+              </a:spcBef>
+              <a:spcAft>
+                <a:spcPts val="0"/>
+              </a:spcAft>
+              <a:buNone/>
+            </a:pPr>
+            <a:r>
+              <a:rPr lang="pt-BR">
+                <a:solidFill>
+                  <a:srgbClr val="666666"/>
+                </a:solidFill>
+                <a:latin typeface="Open Sans SemiBold"/>
+                <a:ea typeface="Open Sans SemiBold"/>
+                <a:cs typeface="Open Sans SemiBold"/>
+                <a:sym typeface="Open Sans SemiBold"/>
+              </a:rPr>
+              <a:t>.</a:t>
+            </a:r>
+            <a:r>
+              <a:rPr lang="pt-BR" sz="1000">
+                <a:solidFill>
+                  <a:srgbClr val="666666"/>
+                </a:solidFill>
+                <a:latin typeface="Open Sans SemiBold"/>
+                <a:ea typeface="Open Sans SemiBold"/>
+                <a:cs typeface="Open Sans SemiBold"/>
+                <a:sym typeface="Open Sans SemiBold"/>
+              </a:rPr>
+              <a:t> </a:t>
+            </a:r>
+            <a:r>
+              <a:rPr lang="pt-BR" sz="1200">
+                <a:solidFill>
+                  <a:srgbClr val="666666"/>
+                </a:solidFill>
+                <a:highlight>
+                  <a:srgbClr val="FFFFFF"/>
+                </a:highlight>
+                <a:latin typeface="Open Sans"/>
+                <a:ea typeface="Open Sans"/>
+                <a:cs typeface="Open Sans"/>
+                <a:sym typeface="Open Sans"/>
+              </a:rPr>
+              <a:t>Objetos</a:t>
+            </a:r>
+            <a:endParaRPr sz="1200">
+              <a:solidFill>
+                <a:srgbClr val="666666"/>
+              </a:solidFill>
+              <a:highlight>
+                <a:srgbClr val="FFFFFF"/>
+              </a:highlight>
+              <a:latin typeface="Open Sans"/>
+              <a:ea typeface="Open Sans"/>
+              <a:cs typeface="Open Sans"/>
+              <a:sym typeface="Open Sans"/>
+            </a:endParaRPr>
+          </a:p>
+          <a:p>
+            <a:pPr marL="0" lvl="0" indent="0" algn="l" rtl="0">
+              <a:lnSpc>
+                <a:spcPct val="115000"/>
+              </a:lnSpc>
+              <a:spcBef>
+                <a:spcPts val="0"/>
+              </a:spcBef>
+              <a:spcAft>
+                <a:spcPts val="0"/>
+              </a:spcAft>
+              <a:buNone/>
+            </a:pPr>
+            <a:endParaRPr sz="1200">
+              <a:solidFill>
+                <a:srgbClr val="666666"/>
+              </a:solidFill>
+              <a:highlight>
+                <a:srgbClr val="FFFFFF"/>
+              </a:highlight>
+              <a:latin typeface="Open Sans"/>
+              <a:ea typeface="Open Sans"/>
+              <a:cs typeface="Open Sans"/>
+              <a:sym typeface="Open Sans"/>
+            </a:endParaRPr>
+          </a:p>
+          <a:p>
+            <a:pPr marL="0" lvl="0" indent="0" algn="l" rtl="0">
+              <a:lnSpc>
+                <a:spcPct val="115000"/>
+              </a:lnSpc>
+              <a:spcBef>
+                <a:spcPts val="0"/>
+              </a:spcBef>
+              <a:spcAft>
+                <a:spcPts val="0"/>
+              </a:spcAft>
+              <a:buNone/>
+            </a:pPr>
+            <a:r>
+              <a:rPr lang="pt-BR" sz="1200">
+                <a:solidFill>
+                  <a:srgbClr val="666666"/>
+                </a:solidFill>
+                <a:highlight>
+                  <a:srgbClr val="FFFFFF"/>
+                </a:highlight>
+                <a:latin typeface="Open Sans"/>
+                <a:ea typeface="Open Sans"/>
+                <a:cs typeface="Open Sans"/>
+                <a:sym typeface="Open Sans"/>
+              </a:rPr>
+              <a:t>Leituras:</a:t>
+            </a:r>
+            <a:endParaRPr sz="1200">
+              <a:solidFill>
+                <a:srgbClr val="666666"/>
+              </a:solidFill>
+              <a:highlight>
+                <a:srgbClr val="FFFFFF"/>
+              </a:highlight>
+              <a:latin typeface="Open Sans"/>
+              <a:ea typeface="Open Sans"/>
+              <a:cs typeface="Open Sans"/>
+              <a:sym typeface="Open Sans"/>
+            </a:endParaRPr>
+          </a:p>
+          <a:p>
+            <a:pPr marL="0" lvl="0" indent="0" algn="l" rtl="0">
+              <a:lnSpc>
+                <a:spcPct val="115000"/>
+              </a:lnSpc>
+              <a:spcBef>
+                <a:spcPts val="0"/>
+              </a:spcBef>
+              <a:spcAft>
+                <a:spcPts val="0"/>
+              </a:spcAft>
+              <a:buNone/>
+            </a:pPr>
+            <a:r>
+              <a:rPr lang="pt-BR" sz="1100" u="sng">
+                <a:solidFill>
+                  <a:schemeClr val="hlink"/>
+                </a:solidFill>
+                <a:hlinkClick r:id="rId3"/>
+              </a:rPr>
+              <a:t>https://developer.mozilla.org/en-US/docs/Learn/JavaScript/First_steps</a:t>
+            </a:r>
+            <a:r>
+              <a:rPr lang="pt-BR" sz="1200">
+                <a:solidFill>
+                  <a:srgbClr val="222222"/>
+                </a:solidFill>
+                <a:highlight>
+                  <a:srgbClr val="FFFFFF"/>
+                </a:highlight>
+                <a:latin typeface="Open Sans"/>
+                <a:ea typeface="Open Sans"/>
+                <a:cs typeface="Open Sans"/>
+                <a:sym typeface="Open Sans"/>
+              </a:rPr>
+              <a:t> </a:t>
+            </a:r>
+            <a:endParaRPr sz="1200">
+              <a:solidFill>
+                <a:srgbClr val="222222"/>
+              </a:solidFill>
+              <a:highlight>
+                <a:srgbClr val="FFFFFF"/>
+              </a:highlight>
+              <a:latin typeface="Open Sans"/>
+              <a:ea typeface="Open Sans"/>
+              <a:cs typeface="Open Sans"/>
+              <a:sym typeface="Open Sans"/>
+            </a:endParaRPr>
+          </a:p>
+          <a:p>
+            <a:pPr marL="0" lvl="0" indent="0" algn="l" rtl="0">
+              <a:lnSpc>
+                <a:spcPct val="115000"/>
+              </a:lnSpc>
+              <a:spcBef>
+                <a:spcPts val="0"/>
+              </a:spcBef>
+              <a:spcAft>
+                <a:spcPts val="0"/>
+              </a:spcAft>
+              <a:buNone/>
+            </a:pPr>
+            <a:r>
+              <a:rPr lang="pt-BR" sz="1100" u="sng">
+                <a:solidFill>
+                  <a:schemeClr val="hlink"/>
+                </a:solidFill>
+                <a:hlinkClick r:id="rId4"/>
+              </a:rPr>
+              <a:t>https://pt.khanacademy.org</a:t>
+            </a:r>
+            <a:endParaRPr sz="1200">
+              <a:solidFill>
+                <a:srgbClr val="222222"/>
+              </a:solidFill>
+              <a:highlight>
+                <a:srgbClr val="FFFFFF"/>
+              </a:highlight>
+              <a:latin typeface="Open Sans"/>
+              <a:ea typeface="Open Sans"/>
+              <a:cs typeface="Open Sans"/>
+              <a:sym typeface="Open Sans"/>
+            </a:endParaRPr>
+          </a:p>
+          <a:p>
+            <a:pPr marL="0" lvl="0" indent="0" algn="l" rtl="0">
+              <a:lnSpc>
+                <a:spcPct val="115000"/>
+              </a:lnSpc>
+              <a:spcBef>
+                <a:spcPts val="0"/>
+              </a:spcBef>
+              <a:spcAft>
+                <a:spcPts val="0"/>
+              </a:spcAft>
+              <a:buNone/>
+            </a:pPr>
+            <a:endParaRPr sz="1200">
+              <a:solidFill>
+                <a:srgbClr val="222222"/>
+              </a:solidFill>
+              <a:highlight>
+                <a:srgbClr val="FFFFFF"/>
+              </a:highlight>
+              <a:latin typeface="Open Sans"/>
+              <a:ea typeface="Open Sans"/>
+              <a:cs typeface="Open Sans"/>
+              <a:sym typeface="Open Sans"/>
+            </a:endParaRPr>
+          </a:p>
         </p:txBody>
       </p:sp>
+      <p:sp>
+        <p:nvSpPr>
+          <p:cNvPr id="370" name="Google Shape;370;p39"/>
+          <p:cNvSpPr txBox="1"/>
+          <p:nvPr/>
+        </p:nvSpPr>
+        <p:spPr>
+          <a:xfrm>
+            <a:off x="620000" y="571327"/>
+            <a:ext cx="5443500" cy="563100"/>
+          </a:xfrm>
+          <a:prstGeom prst="rect">
+            <a:avLst/>
+          </a:prstGeom>
+          <a:noFill/>
+          <a:ln>
+            <a:noFill/>
+          </a:ln>
+        </p:spPr>
+        <p:txBody>
+          <a:bodyPr spcFirstLastPara="1" wrap="square" lIns="91425" tIns="91425" rIns="91425" bIns="91425" anchor="t" anchorCtr="0">
+            <a:noAutofit/>
+          </a:bodyPr>
+          <a:lstStyle/>
+          <a:p>
+            <a:pPr marL="0" lvl="0" indent="0" algn="l" rtl="0">
+              <a:lnSpc>
+                <a:spcPct val="100000"/>
+              </a:lnSpc>
+              <a:spcBef>
+                <a:spcPts val="0"/>
+              </a:spcBef>
+              <a:spcAft>
+                <a:spcPts val="0"/>
+              </a:spcAft>
+              <a:buNone/>
+            </a:pPr>
+            <a:r>
+              <a:rPr lang="pt-BR" sz="2500" b="1">
+                <a:solidFill>
+                  <a:srgbClr val="434343"/>
+                </a:solidFill>
+                <a:latin typeface="Open Sans"/>
+                <a:ea typeface="Open Sans"/>
+                <a:cs typeface="Open Sans"/>
+                <a:sym typeface="Open Sans"/>
+              </a:rPr>
+              <a:t>Javascript e ECMA6+</a:t>
+            </a:r>
+            <a:endParaRPr sz="2500">
+              <a:solidFill>
+                <a:srgbClr val="434343"/>
+              </a:solidFill>
+              <a:latin typeface="Open Sans"/>
+              <a:ea typeface="Open Sans"/>
+              <a:cs typeface="Open Sans"/>
+              <a:sym typeface="Open Sans"/>
+            </a:endParaRPr>
+          </a:p>
+        </p:txBody>
+      </p:sp>
+      <p:sp>
+        <p:nvSpPr>
+          <p:cNvPr id="371" name="Google Shape;371;p39"/>
+          <p:cNvSpPr/>
+          <p:nvPr/>
+        </p:nvSpPr>
+        <p:spPr>
+          <a:xfrm>
+            <a:off x="722100" y="535876"/>
+            <a:ext cx="475800" cy="37800"/>
+          </a:xfrm>
+          <a:prstGeom prst="rect">
+            <a:avLst/>
+          </a:prstGeom>
+          <a:solidFill>
+            <a:srgbClr val="D54995"/>
+          </a:solidFill>
+          <a:ln>
+            <a:noFill/>
+          </a:ln>
+        </p:spPr>
+        <p:txBody>
+          <a:bodyPr spcFirstLastPara="1" wrap="square" lIns="91425" tIns="91425" rIns="91425" bIns="91425" anchor="ctr" anchorCtr="0">
+            <a:noAutofit/>
+          </a:bodyPr>
+          <a:lstStyle/>
+          <a:p>
+            <a:pPr marL="0" lvl="0" indent="0" algn="l" rtl="0">
+              <a:spcBef>
+                <a:spcPts val="0"/>
+              </a:spcBef>
+              <a:spcAft>
+                <a:spcPts val="0"/>
+              </a:spcAft>
+              <a:buNone/>
+            </a:pPr>
+            <a:endParaRPr/>
+          </a:p>
+        </p:txBody>
+      </p:sp>
+      <p:sp>
+        <p:nvSpPr>
+          <p:cNvPr id="372" name="Google Shape;372;p39"/>
+          <p:cNvSpPr/>
+          <p:nvPr/>
+        </p:nvSpPr>
+        <p:spPr>
+          <a:xfrm>
+            <a:off x="1186896" y="535876"/>
+            <a:ext cx="475800" cy="37800"/>
+          </a:xfrm>
+          <a:prstGeom prst="rect">
+            <a:avLst/>
+          </a:prstGeom>
+          <a:solidFill>
+            <a:srgbClr val="B33C97"/>
+          </a:solidFill>
+          <a:ln>
+            <a:noFill/>
+          </a:ln>
+        </p:spPr>
+        <p:txBody>
+          <a:bodyPr spcFirstLastPara="1" wrap="square" lIns="91425" tIns="91425" rIns="91425" bIns="91425" anchor="ctr" anchorCtr="0">
+            <a:noAutofit/>
+          </a:bodyPr>
+          <a:lstStyle/>
+          <a:p>
+            <a:pPr marL="0" lvl="0" indent="0" algn="l" rtl="0">
+              <a:spcBef>
+                <a:spcPts val="0"/>
+              </a:spcBef>
+              <a:spcAft>
+                <a:spcPts val="0"/>
+              </a:spcAft>
+              <a:buNone/>
+            </a:pPr>
+            <a:endParaRPr/>
+          </a:p>
+        </p:txBody>
+      </p:sp>
+      <p:pic>
+        <p:nvPicPr>
+          <p:cNvPr id="373" name="Google Shape;373;p39"/>
+          <p:cNvPicPr preferRelativeResize="0"/>
+          <p:nvPr/>
+        </p:nvPicPr>
+        <p:blipFill>
+          <a:blip r:embed="rId5">
+            <a:alphaModFix amt="40000"/>
+          </a:blip>
+          <a:stretch>
+            <a:fillRect/>
+          </a:stretch>
+        </p:blipFill>
+        <p:spPr>
+          <a:xfrm rot="-9965328">
+            <a:off x="5401313" y="-1099783"/>
+            <a:ext cx="4526224" cy="4526243"/>
+          </a:xfrm>
+          <a:prstGeom prst="rect">
+            <a:avLst/>
+          </a:prstGeom>
+          <a:noFill/>
+          <a:ln>
+            <a:noFill/>
+          </a:ln>
+        </p:spPr>
+      </p:pic>
+      <p:pic>
+        <p:nvPicPr>
+          <p:cNvPr id="374" name="Google Shape;374;p39"/>
+          <p:cNvPicPr preferRelativeResize="0"/>
+          <p:nvPr/>
+        </p:nvPicPr>
+        <p:blipFill>
+          <a:blip r:embed="rId6">
+            <a:alphaModFix/>
+          </a:blip>
+          <a:stretch>
+            <a:fillRect/>
+          </a:stretch>
+        </p:blipFill>
+        <p:spPr>
+          <a:xfrm rot="-3561828">
+            <a:off x="-923225" y="3509275"/>
+            <a:ext cx="5143501" cy="5143501"/>
+          </a:xfrm>
+          <a:prstGeom prst="rect">
+            <a:avLst/>
+          </a:prstGeom>
+          <a:noFill/>
+          <a:ln>
+            <a:noFill/>
+          </a:ln>
+        </p:spPr>
+      </p:pic>
     </p:spTree>
+    <p:extLst>
+      <p:ext uri="{BB962C8B-B14F-4D97-AF65-F5344CB8AC3E}">
+        <p14:creationId xmlns:p14="http://schemas.microsoft.com/office/powerpoint/2010/main" val="3889731670"/>
+      </p:ext>
+    </p:extLst>
   </p:cSld>
   <p:clrMapOvr>
     <a:masterClrMapping/>
@@ -18849,12 +21627,12 @@
 </p:sld>
 </file>
 
-<file path=ppt/slides/slide26.xml><?xml version="1.0" encoding="utf-8"?>
+<file path=ppt/slides/slide28.xml><?xml version="1.0" encoding="utf-8"?>
 <p:sld xmlns:a="http://schemas.openxmlformats.org/drawingml/2006/main" xmlns:r="http://schemas.openxmlformats.org/officeDocument/2006/relationships" xmlns:p="http://schemas.openxmlformats.org/presentationml/2006/main">
   <p:cSld>
     <p:spTree>
       <p:nvGrpSpPr>
-        <p:cNvPr id="1" name="Shape 499"/>
+        <p:cNvPr id="1" name="Shape 378"/>
         <p:cNvGrpSpPr/>
         <p:nvPr/>
       </p:nvGrpSpPr>
@@ -18866,43 +21644,16 @@
           <a:chExt cx="0" cy="0"/>
         </a:xfrm>
       </p:grpSpPr>
-      <p:pic>
-        <p:nvPicPr>
-          <p:cNvPr id="500" name="Google Shape;500;p52"/>
-          <p:cNvPicPr preferRelativeResize="0"/>
-          <p:nvPr/>
-        </p:nvPicPr>
-        <p:blipFill rotWithShape="1">
-          <a:blip r:embed="rId3">
-            <a:alphaModFix/>
-          </a:blip>
-          <a:srcRect/>
-          <a:stretch/>
-        </p:blipFill>
-        <p:spPr>
-          <a:xfrm>
-            <a:off x="3669850" y="1048250"/>
-            <a:ext cx="1804299" cy="1804275"/>
-          </a:xfrm>
-          <a:prstGeom prst="rect">
-            <a:avLst/>
-          </a:prstGeom>
-          <a:noFill/>
-          <a:ln>
-            <a:noFill/>
-          </a:ln>
-        </p:spPr>
-      </p:pic>
       <p:sp>
         <p:nvSpPr>
-          <p:cNvPr id="501" name="Google Shape;501;p52"/>
+          <p:cNvPr id="379" name="Google Shape;379;p40"/>
           <p:cNvSpPr txBox="1"/>
           <p:nvPr/>
         </p:nvSpPr>
         <p:spPr>
           <a:xfrm>
-            <a:off x="2661600" y="3351250"/>
-            <a:ext cx="3820800" cy="744000"/>
+            <a:off x="534900" y="2087700"/>
+            <a:ext cx="8074200" cy="968100"/>
           </a:xfrm>
           <a:prstGeom prst="rect">
             <a:avLst/>
@@ -18925,23 +21676,92 @@
               <a:spcAft>
                 <a:spcPts val="0"/>
               </a:spcAft>
+              <a:buClr>
+                <a:schemeClr val="dk1"/>
+              </a:buClr>
+              <a:buSzPts val="1100"/>
+              <a:buFont typeface="Arial"/>
               <a:buNone/>
             </a:pPr>
             <a:r>
-              <a:rPr lang="pt-BR" sz="3600" b="1">
+              <a:rPr lang="pt-BR" sz="1800">
                 <a:solidFill>
-                  <a:srgbClr val="555555"/>
+                  <a:srgbClr val="6A737D"/>
+                </a:solidFill>
+                <a:highlight>
+                  <a:srgbClr val="FFFFFF"/>
+                </a:highlight>
+                <a:latin typeface="Open Sans"/>
+                <a:ea typeface="Open Sans"/>
+                <a:cs typeface="Open Sans"/>
+                <a:sym typeface="Open Sans"/>
+              </a:rPr>
+              <a:t>Crie uma função que recebe por parâmetro a idade e retorne se é maior de idade ou não</a:t>
+            </a:r>
+            <a:endParaRPr sz="1800">
+              <a:solidFill>
+                <a:srgbClr val="666666"/>
+              </a:solidFill>
+              <a:latin typeface="Open Sans SemiBold"/>
+              <a:ea typeface="Open Sans SemiBold"/>
+              <a:cs typeface="Open Sans SemiBold"/>
+              <a:sym typeface="Open Sans SemiBold"/>
+            </a:endParaRPr>
+          </a:p>
+        </p:txBody>
+      </p:sp>
+      <p:sp>
+        <p:nvSpPr>
+          <p:cNvPr id="380" name="Google Shape;380;p40"/>
+          <p:cNvSpPr txBox="1"/>
+          <p:nvPr/>
+        </p:nvSpPr>
+        <p:spPr>
+          <a:xfrm>
+            <a:off x="620000" y="571327"/>
+            <a:ext cx="5443500" cy="563100"/>
+          </a:xfrm>
+          <a:prstGeom prst="rect">
+            <a:avLst/>
+          </a:prstGeom>
+          <a:noFill/>
+          <a:ln>
+            <a:noFill/>
+          </a:ln>
+        </p:spPr>
+        <p:txBody>
+          <a:bodyPr spcFirstLastPara="1" wrap="square" lIns="91425" tIns="91425" rIns="91425" bIns="91425" anchor="t" anchorCtr="0">
+            <a:noAutofit/>
+          </a:bodyPr>
+          <a:lstStyle/>
+          <a:p>
+            <a:pPr marL="0" lvl="0" indent="0" algn="l" rtl="0">
+              <a:lnSpc>
+                <a:spcPct val="100000"/>
+              </a:lnSpc>
+              <a:spcBef>
+                <a:spcPts val="0"/>
+              </a:spcBef>
+              <a:spcAft>
+                <a:spcPts val="0"/>
+              </a:spcAft>
+              <a:buNone/>
+            </a:pPr>
+            <a:r>
+              <a:rPr lang="pt-BR" sz="2500" b="1">
+                <a:solidFill>
+                  <a:srgbClr val="434343"/>
                 </a:solidFill>
                 <a:latin typeface="Open Sans"/>
                 <a:ea typeface="Open Sans"/>
                 <a:cs typeface="Open Sans"/>
                 <a:sym typeface="Open Sans"/>
               </a:rPr>
-              <a:t>Obrigado e </a:t>
+              <a:t>Exercício</a:t>
             </a:r>
-            <a:endParaRPr sz="3600" b="1">
+            <a:endParaRPr sz="2500">
               <a:solidFill>
-                <a:srgbClr val="555555"/>
+                <a:srgbClr val="434343"/>
               </a:solidFill>
               <a:latin typeface="Open Sans"/>
               <a:ea typeface="Open Sans"/>
@@ -18949,6 +21769,473 @@
               <a:sym typeface="Open Sans"/>
             </a:endParaRPr>
           </a:p>
+        </p:txBody>
+      </p:sp>
+      <p:sp>
+        <p:nvSpPr>
+          <p:cNvPr id="381" name="Google Shape;381;p40"/>
+          <p:cNvSpPr/>
+          <p:nvPr/>
+        </p:nvSpPr>
+        <p:spPr>
+          <a:xfrm>
+            <a:off x="722100" y="535876"/>
+            <a:ext cx="475800" cy="37800"/>
+          </a:xfrm>
+          <a:prstGeom prst="rect">
+            <a:avLst/>
+          </a:prstGeom>
+          <a:solidFill>
+            <a:srgbClr val="D54995"/>
+          </a:solidFill>
+          <a:ln>
+            <a:noFill/>
+          </a:ln>
+        </p:spPr>
+        <p:txBody>
+          <a:bodyPr spcFirstLastPara="1" wrap="square" lIns="91425" tIns="91425" rIns="91425" bIns="91425" anchor="ctr" anchorCtr="0">
+            <a:noAutofit/>
+          </a:bodyPr>
+          <a:lstStyle/>
+          <a:p>
+            <a:pPr marL="0" lvl="0" indent="0" algn="l" rtl="0">
+              <a:spcBef>
+                <a:spcPts val="0"/>
+              </a:spcBef>
+              <a:spcAft>
+                <a:spcPts val="0"/>
+              </a:spcAft>
+              <a:buNone/>
+            </a:pPr>
+            <a:endParaRPr/>
+          </a:p>
+        </p:txBody>
+      </p:sp>
+      <p:sp>
+        <p:nvSpPr>
+          <p:cNvPr id="382" name="Google Shape;382;p40"/>
+          <p:cNvSpPr/>
+          <p:nvPr/>
+        </p:nvSpPr>
+        <p:spPr>
+          <a:xfrm>
+            <a:off x="1186896" y="535876"/>
+            <a:ext cx="475800" cy="37800"/>
+          </a:xfrm>
+          <a:prstGeom prst="rect">
+            <a:avLst/>
+          </a:prstGeom>
+          <a:solidFill>
+            <a:srgbClr val="B33C97"/>
+          </a:solidFill>
+          <a:ln>
+            <a:noFill/>
+          </a:ln>
+        </p:spPr>
+        <p:txBody>
+          <a:bodyPr spcFirstLastPara="1" wrap="square" lIns="91425" tIns="91425" rIns="91425" bIns="91425" anchor="ctr" anchorCtr="0">
+            <a:noAutofit/>
+          </a:bodyPr>
+          <a:lstStyle/>
+          <a:p>
+            <a:pPr marL="0" lvl="0" indent="0" algn="l" rtl="0">
+              <a:spcBef>
+                <a:spcPts val="0"/>
+              </a:spcBef>
+              <a:spcAft>
+                <a:spcPts val="0"/>
+              </a:spcAft>
+              <a:buNone/>
+            </a:pPr>
+            <a:endParaRPr/>
+          </a:p>
+        </p:txBody>
+      </p:sp>
+      <p:pic>
+        <p:nvPicPr>
+          <p:cNvPr id="383" name="Google Shape;383;p40"/>
+          <p:cNvPicPr preferRelativeResize="0"/>
+          <p:nvPr/>
+        </p:nvPicPr>
+        <p:blipFill>
+          <a:blip r:embed="rId3">
+            <a:alphaModFix amt="40000"/>
+          </a:blip>
+          <a:stretch>
+            <a:fillRect/>
+          </a:stretch>
+        </p:blipFill>
+        <p:spPr>
+          <a:xfrm rot="-9965328">
+            <a:off x="-3548512" y="-2684583"/>
+            <a:ext cx="4526224" cy="4526243"/>
+          </a:xfrm>
+          <a:prstGeom prst="rect">
+            <a:avLst/>
+          </a:prstGeom>
+          <a:noFill/>
+          <a:ln>
+            <a:noFill/>
+          </a:ln>
+        </p:spPr>
+      </p:pic>
+      <p:pic>
+        <p:nvPicPr>
+          <p:cNvPr id="384" name="Google Shape;384;p40"/>
+          <p:cNvPicPr preferRelativeResize="0"/>
+          <p:nvPr/>
+        </p:nvPicPr>
+        <p:blipFill>
+          <a:blip r:embed="rId4">
+            <a:alphaModFix/>
+          </a:blip>
+          <a:stretch>
+            <a:fillRect/>
+          </a:stretch>
+        </p:blipFill>
+        <p:spPr>
+          <a:xfrm rot="-3561828">
+            <a:off x="6186000" y="2412650"/>
+            <a:ext cx="5143501" cy="5143501"/>
+          </a:xfrm>
+          <a:prstGeom prst="rect">
+            <a:avLst/>
+          </a:prstGeom>
+          <a:noFill/>
+          <a:ln>
+            <a:noFill/>
+          </a:ln>
+        </p:spPr>
+      </p:pic>
+    </p:spTree>
+    <p:extLst>
+      <p:ext uri="{BB962C8B-B14F-4D97-AF65-F5344CB8AC3E}">
+        <p14:creationId xmlns:p14="http://schemas.microsoft.com/office/powerpoint/2010/main" val="2240156354"/>
+      </p:ext>
+    </p:extLst>
+  </p:cSld>
+  <p:clrMapOvr>
+    <a:masterClrMapping/>
+  </p:clrMapOvr>
+</p:sld>
+</file>
+
+<file path=ppt/slides/slide29.xml><?xml version="1.0" encoding="utf-8"?>
+<p:sld xmlns:a="http://schemas.openxmlformats.org/drawingml/2006/main" xmlns:r="http://schemas.openxmlformats.org/officeDocument/2006/relationships" xmlns:p="http://schemas.openxmlformats.org/presentationml/2006/main">
+  <p:cSld>
+    <p:spTree>
+      <p:nvGrpSpPr>
+        <p:cNvPr id="1" name="Shape 388"/>
+        <p:cNvGrpSpPr/>
+        <p:nvPr/>
+      </p:nvGrpSpPr>
+      <p:grpSpPr>
+        <a:xfrm>
+          <a:off x="0" y="0"/>
+          <a:ext cx="0" cy="0"/>
+          <a:chOff x="0" y="0"/>
+          <a:chExt cx="0" cy="0"/>
+        </a:xfrm>
+      </p:grpSpPr>
+      <p:sp>
+        <p:nvSpPr>
+          <p:cNvPr id="389" name="Google Shape;389;p41"/>
+          <p:cNvSpPr txBox="1"/>
+          <p:nvPr/>
+        </p:nvSpPr>
+        <p:spPr>
+          <a:xfrm>
+            <a:off x="534900" y="1518125"/>
+            <a:ext cx="8074200" cy="3398700"/>
+          </a:xfrm>
+          <a:prstGeom prst="rect">
+            <a:avLst/>
+          </a:prstGeom>
+          <a:noFill/>
+          <a:ln>
+            <a:noFill/>
+          </a:ln>
+        </p:spPr>
+        <p:txBody>
+          <a:bodyPr spcFirstLastPara="1" wrap="square" lIns="91425" tIns="91425" rIns="91425" bIns="91425" anchor="t" anchorCtr="0">
+            <a:noAutofit/>
+          </a:bodyPr>
+          <a:lstStyle/>
+          <a:p>
+            <a:pPr marL="0" lvl="0" indent="0" algn="l" rtl="0">
+              <a:lnSpc>
+                <a:spcPct val="150000"/>
+              </a:lnSpc>
+              <a:spcBef>
+                <a:spcPts val="0"/>
+              </a:spcBef>
+              <a:spcAft>
+                <a:spcPts val="0"/>
+              </a:spcAft>
+              <a:buClr>
+                <a:schemeClr val="dk1"/>
+              </a:buClr>
+              <a:buSzPts val="1100"/>
+              <a:buFont typeface="Arial"/>
+              <a:buNone/>
+            </a:pPr>
+            <a:r>
+              <a:rPr lang="pt-BR" sz="1800">
+                <a:solidFill>
+                  <a:srgbClr val="008000"/>
+                </a:solidFill>
+                <a:latin typeface="Courier New"/>
+                <a:ea typeface="Courier New"/>
+                <a:cs typeface="Courier New"/>
+                <a:sym typeface="Courier New"/>
+              </a:rPr>
+              <a:t>Criar uma função que de acordo com um número de 1 a 3, retorne a medalha, 1 = ouro, 2 = prata e 3 = bronze</a:t>
+            </a:r>
+            <a:endParaRPr sz="1800">
+              <a:solidFill>
+                <a:srgbClr val="008000"/>
+              </a:solidFill>
+              <a:latin typeface="Courier New"/>
+              <a:ea typeface="Courier New"/>
+              <a:cs typeface="Courier New"/>
+              <a:sym typeface="Courier New"/>
+            </a:endParaRPr>
+          </a:p>
+          <a:p>
+            <a:pPr marL="457200" lvl="0" indent="-342900" algn="l" rtl="0">
+              <a:lnSpc>
+                <a:spcPct val="150000"/>
+              </a:lnSpc>
+              <a:spcBef>
+                <a:spcPts val="0"/>
+              </a:spcBef>
+              <a:spcAft>
+                <a:spcPts val="0"/>
+              </a:spcAft>
+              <a:buClr>
+                <a:srgbClr val="008000"/>
+              </a:buClr>
+              <a:buSzPts val="1800"/>
+              <a:buFont typeface="Courier New"/>
+              <a:buAutoNum type="arabicPeriod"/>
+            </a:pPr>
+            <a:r>
+              <a:rPr lang="pt-BR" sz="1800">
+                <a:solidFill>
+                  <a:srgbClr val="008000"/>
+                </a:solidFill>
+                <a:latin typeface="Courier New"/>
+                <a:ea typeface="Courier New"/>
+                <a:cs typeface="Courier New"/>
+                <a:sym typeface="Courier New"/>
+              </a:rPr>
+              <a:t>Usar Array</a:t>
+            </a:r>
+            <a:endParaRPr sz="1800">
+              <a:solidFill>
+                <a:srgbClr val="008000"/>
+              </a:solidFill>
+              <a:latin typeface="Courier New"/>
+              <a:ea typeface="Courier New"/>
+              <a:cs typeface="Courier New"/>
+              <a:sym typeface="Courier New"/>
+            </a:endParaRPr>
+          </a:p>
+          <a:p>
+            <a:pPr marL="457200" lvl="0" indent="-342900" algn="l" rtl="0">
+              <a:lnSpc>
+                <a:spcPct val="150000"/>
+              </a:lnSpc>
+              <a:spcBef>
+                <a:spcPts val="0"/>
+              </a:spcBef>
+              <a:spcAft>
+                <a:spcPts val="0"/>
+              </a:spcAft>
+              <a:buClr>
+                <a:srgbClr val="008000"/>
+              </a:buClr>
+              <a:buSzPts val="1800"/>
+              <a:buFont typeface="Courier New"/>
+              <a:buAutoNum type="arabicPeriod"/>
+            </a:pPr>
+            <a:r>
+              <a:rPr lang="pt-BR" sz="1800">
+                <a:solidFill>
+                  <a:srgbClr val="008000"/>
+                </a:solidFill>
+                <a:latin typeface="Courier New"/>
+                <a:ea typeface="Courier New"/>
+                <a:cs typeface="Courier New"/>
+                <a:sym typeface="Courier New"/>
+              </a:rPr>
+              <a:t>se usar if ou ternário, usar um só</a:t>
+            </a:r>
+            <a:endParaRPr sz="1800">
+              <a:solidFill>
+                <a:srgbClr val="008000"/>
+              </a:solidFill>
+              <a:latin typeface="Courier New"/>
+              <a:ea typeface="Courier New"/>
+              <a:cs typeface="Courier New"/>
+              <a:sym typeface="Courier New"/>
+            </a:endParaRPr>
+          </a:p>
+          <a:p>
+            <a:pPr marL="457200" lvl="0" indent="-342900" algn="l" rtl="0">
+              <a:lnSpc>
+                <a:spcPct val="150000"/>
+              </a:lnSpc>
+              <a:spcBef>
+                <a:spcPts val="0"/>
+              </a:spcBef>
+              <a:spcAft>
+                <a:spcPts val="0"/>
+              </a:spcAft>
+              <a:buClr>
+                <a:srgbClr val="008000"/>
+              </a:buClr>
+              <a:buSzPts val="1800"/>
+              <a:buFont typeface="Courier New"/>
+              <a:buAutoNum type="arabicPeriod"/>
+            </a:pPr>
+            <a:r>
+              <a:rPr lang="pt-BR" sz="1800">
+                <a:solidFill>
+                  <a:srgbClr val="008000"/>
+                </a:solidFill>
+                <a:latin typeface="Courier New"/>
+                <a:ea typeface="Courier New"/>
+                <a:cs typeface="Courier New"/>
+                <a:sym typeface="Courier New"/>
+              </a:rPr>
+              <a:t>usar arrow function</a:t>
+            </a:r>
+            <a:endParaRPr sz="1800">
+              <a:solidFill>
+                <a:srgbClr val="008000"/>
+              </a:solidFill>
+              <a:latin typeface="Courier New"/>
+              <a:ea typeface="Courier New"/>
+              <a:cs typeface="Courier New"/>
+              <a:sym typeface="Courier New"/>
+            </a:endParaRPr>
+          </a:p>
+          <a:p>
+            <a:pPr marL="457200" lvl="0" indent="-342900" algn="l" rtl="0">
+              <a:lnSpc>
+                <a:spcPct val="150000"/>
+              </a:lnSpc>
+              <a:spcBef>
+                <a:spcPts val="0"/>
+              </a:spcBef>
+              <a:spcAft>
+                <a:spcPts val="0"/>
+              </a:spcAft>
+              <a:buClr>
+                <a:srgbClr val="008000"/>
+              </a:buClr>
+              <a:buSzPts val="1800"/>
+              <a:buFont typeface="Courier New"/>
+              <a:buAutoNum type="arabicPeriod"/>
+            </a:pPr>
+            <a:r>
+              <a:rPr lang="pt-BR" sz="1800">
+                <a:solidFill>
+                  <a:srgbClr val="008000"/>
+                </a:solidFill>
+                <a:latin typeface="Courier New"/>
+                <a:ea typeface="Courier New"/>
+                <a:cs typeface="Courier New"/>
+                <a:sym typeface="Courier New"/>
+              </a:rPr>
+              <a:t>Não usar switch</a:t>
+            </a:r>
+            <a:endParaRPr sz="1800">
+              <a:solidFill>
+                <a:srgbClr val="008000"/>
+              </a:solidFill>
+              <a:latin typeface="Courier New"/>
+              <a:ea typeface="Courier New"/>
+              <a:cs typeface="Courier New"/>
+              <a:sym typeface="Courier New"/>
+            </a:endParaRPr>
+          </a:p>
+          <a:p>
+            <a:pPr marL="457200" lvl="0" indent="-342900" algn="l" rtl="0">
+              <a:lnSpc>
+                <a:spcPct val="150000"/>
+              </a:lnSpc>
+              <a:spcBef>
+                <a:spcPts val="0"/>
+              </a:spcBef>
+              <a:spcAft>
+                <a:spcPts val="0"/>
+              </a:spcAft>
+              <a:buClr>
+                <a:srgbClr val="008000"/>
+              </a:buClr>
+              <a:buSzPts val="1800"/>
+              <a:buFont typeface="Courier New"/>
+              <a:buAutoNum type="arabicPeriod"/>
+            </a:pPr>
+            <a:r>
+              <a:rPr lang="pt-BR" sz="1800">
+                <a:solidFill>
+                  <a:srgbClr val="008000"/>
+                </a:solidFill>
+                <a:latin typeface="Courier New"/>
+                <a:ea typeface="Courier New"/>
+                <a:cs typeface="Courier New"/>
+                <a:sym typeface="Courier New"/>
+              </a:rPr>
+              <a:t>Qualquer outro número, retornará </a:t>
+            </a:r>
+            <a:endParaRPr sz="1800">
+              <a:solidFill>
+                <a:srgbClr val="008000"/>
+              </a:solidFill>
+              <a:latin typeface="Courier New"/>
+              <a:ea typeface="Courier New"/>
+              <a:cs typeface="Courier New"/>
+              <a:sym typeface="Courier New"/>
+            </a:endParaRPr>
+          </a:p>
+          <a:p>
+            <a:pPr marL="457200" lvl="0" indent="0" algn="l" rtl="0">
+              <a:lnSpc>
+                <a:spcPct val="150000"/>
+              </a:lnSpc>
+              <a:spcBef>
+                <a:spcPts val="0"/>
+              </a:spcBef>
+              <a:spcAft>
+                <a:spcPts val="0"/>
+              </a:spcAft>
+              <a:buNone/>
+            </a:pPr>
+            <a:r>
+              <a:rPr lang="pt-BR" sz="1800">
+                <a:solidFill>
+                  <a:srgbClr val="008000"/>
+                </a:solidFill>
+                <a:latin typeface="Courier New"/>
+                <a:ea typeface="Courier New"/>
+                <a:cs typeface="Courier New"/>
+                <a:sym typeface="Courier New"/>
+              </a:rPr>
+              <a:t>"Não viaja"</a:t>
+            </a:r>
+            <a:endParaRPr sz="1800">
+              <a:solidFill>
+                <a:srgbClr val="008000"/>
+              </a:solidFill>
+              <a:latin typeface="Courier New"/>
+              <a:ea typeface="Courier New"/>
+              <a:cs typeface="Courier New"/>
+              <a:sym typeface="Courier New"/>
+            </a:endParaRPr>
+          </a:p>
           <a:p>
             <a:pPr marL="0" lvl="0" indent="0" algn="ctr" rtl="0">
               <a:spcBef>
@@ -18957,23 +22244,80 @@
               <a:spcAft>
                 <a:spcPts val="0"/>
               </a:spcAft>
+              <a:buClr>
+                <a:schemeClr val="dk1"/>
+              </a:buClr>
+              <a:buSzPts val="1100"/>
+              <a:buFont typeface="Arial"/>
+              <a:buNone/>
+            </a:pPr>
+            <a:endParaRPr sz="1800">
+              <a:solidFill>
+                <a:srgbClr val="6A737D"/>
+              </a:solidFill>
+              <a:highlight>
+                <a:srgbClr val="FFFFFF"/>
+              </a:highlight>
+              <a:latin typeface="Open Sans"/>
+              <a:ea typeface="Open Sans"/>
+              <a:cs typeface="Open Sans"/>
+              <a:sym typeface="Open Sans"/>
+            </a:endParaRPr>
+          </a:p>
+        </p:txBody>
+      </p:sp>
+      <p:sp>
+        <p:nvSpPr>
+          <p:cNvPr id="390" name="Google Shape;390;p41"/>
+          <p:cNvSpPr txBox="1"/>
+          <p:nvPr/>
+        </p:nvSpPr>
+        <p:spPr>
+          <a:xfrm>
+            <a:off x="620000" y="571327"/>
+            <a:ext cx="5443500" cy="563100"/>
+          </a:xfrm>
+          <a:prstGeom prst="rect">
+            <a:avLst/>
+          </a:prstGeom>
+          <a:noFill/>
+          <a:ln>
+            <a:noFill/>
+          </a:ln>
+        </p:spPr>
+        <p:txBody>
+          <a:bodyPr spcFirstLastPara="1" wrap="square" lIns="91425" tIns="91425" rIns="91425" bIns="91425" anchor="t" anchorCtr="0">
+            <a:noAutofit/>
+          </a:bodyPr>
+          <a:lstStyle/>
+          <a:p>
+            <a:pPr marL="0" lvl="0" indent="0" algn="l" rtl="0">
+              <a:lnSpc>
+                <a:spcPct val="100000"/>
+              </a:lnSpc>
+              <a:spcBef>
+                <a:spcPts val="0"/>
+              </a:spcBef>
+              <a:spcAft>
+                <a:spcPts val="0"/>
+              </a:spcAft>
               <a:buNone/>
             </a:pPr>
             <a:r>
-              <a:rPr lang="pt-BR" sz="3600" b="1">
+              <a:rPr lang="pt-BR" sz="2500" b="1">
                 <a:solidFill>
-                  <a:srgbClr val="555555"/>
+                  <a:srgbClr val="434343"/>
                 </a:solidFill>
                 <a:latin typeface="Open Sans"/>
                 <a:ea typeface="Open Sans"/>
                 <a:cs typeface="Open Sans"/>
                 <a:sym typeface="Open Sans"/>
               </a:rPr>
-              <a:t>Boa sorte!</a:t>
+              <a:t>Exercício 2</a:t>
             </a:r>
-            <a:endParaRPr sz="3600" b="1">
+            <a:endParaRPr sz="2500">
               <a:solidFill>
-                <a:srgbClr val="555555"/>
+                <a:srgbClr val="434343"/>
               </a:solidFill>
               <a:latin typeface="Open Sans"/>
               <a:ea typeface="Open Sans"/>
@@ -18983,14 +22327,94 @@
           </a:p>
         </p:txBody>
       </p:sp>
+      <p:sp>
+        <p:nvSpPr>
+          <p:cNvPr id="391" name="Google Shape;391;p41"/>
+          <p:cNvSpPr/>
+          <p:nvPr/>
+        </p:nvSpPr>
+        <p:spPr>
+          <a:xfrm>
+            <a:off x="722100" y="535876"/>
+            <a:ext cx="475800" cy="37800"/>
+          </a:xfrm>
+          <a:prstGeom prst="rect">
+            <a:avLst/>
+          </a:prstGeom>
+          <a:solidFill>
+            <a:srgbClr val="D54995"/>
+          </a:solidFill>
+          <a:ln>
+            <a:noFill/>
+          </a:ln>
+        </p:spPr>
+        <p:txBody>
+          <a:bodyPr spcFirstLastPara="1" wrap="square" lIns="91425" tIns="91425" rIns="91425" bIns="91425" anchor="ctr" anchorCtr="0">
+            <a:noAutofit/>
+          </a:bodyPr>
+          <a:lstStyle/>
+          <a:p>
+            <a:pPr marL="0" lvl="0" indent="0" algn="l" rtl="0">
+              <a:spcBef>
+                <a:spcPts val="0"/>
+              </a:spcBef>
+              <a:spcAft>
+                <a:spcPts val="0"/>
+              </a:spcAft>
+              <a:buNone/>
+            </a:pPr>
+            <a:endParaRPr/>
+          </a:p>
+        </p:txBody>
+      </p:sp>
+      <p:sp>
+        <p:nvSpPr>
+          <p:cNvPr id="392" name="Google Shape;392;p41"/>
+          <p:cNvSpPr/>
+          <p:nvPr/>
+        </p:nvSpPr>
+        <p:spPr>
+          <a:xfrm>
+            <a:off x="1186896" y="535876"/>
+            <a:ext cx="475800" cy="37800"/>
+          </a:xfrm>
+          <a:prstGeom prst="rect">
+            <a:avLst/>
+          </a:prstGeom>
+          <a:solidFill>
+            <a:srgbClr val="B33C97"/>
+          </a:solidFill>
+          <a:ln>
+            <a:noFill/>
+          </a:ln>
+        </p:spPr>
+        <p:txBody>
+          <a:bodyPr spcFirstLastPara="1" wrap="square" lIns="91425" tIns="91425" rIns="91425" bIns="91425" anchor="ctr" anchorCtr="0">
+            <a:noAutofit/>
+          </a:bodyPr>
+          <a:lstStyle/>
+          <a:p>
+            <a:pPr marL="0" lvl="0" indent="0" algn="l" rtl="0">
+              <a:spcBef>
+                <a:spcPts val="0"/>
+              </a:spcBef>
+              <a:spcAft>
+                <a:spcPts val="0"/>
+              </a:spcAft>
+              <a:buNone/>
+            </a:pPr>
+            <a:endParaRPr/>
+          </a:p>
+        </p:txBody>
+      </p:sp>
       <p:pic>
         <p:nvPicPr>
-          <p:cNvPr id="502" name="Google Shape;502;p52"/>
+          <p:cNvPr id="393" name="Google Shape;393;p41"/>
           <p:cNvPicPr preferRelativeResize="0"/>
           <p:nvPr/>
         </p:nvPicPr>
         <p:blipFill>
-          <a:blip r:embed="rId4">
+          <a:blip r:embed="rId3">
             <a:alphaModFix amt="40000"/>
           </a:blip>
           <a:stretch>
@@ -18998,9 +22422,9 @@
           </a:stretch>
         </p:blipFill>
         <p:spPr>
-          <a:xfrm rot="9277915">
-            <a:off x="6087967" y="-2510502"/>
-            <a:ext cx="5166018" cy="5166029"/>
+          <a:xfrm rot="-9965328">
+            <a:off x="-3548512" y="-2684583"/>
+            <a:ext cx="4526224" cy="4526243"/>
           </a:xfrm>
           <a:prstGeom prst="rect">
             <a:avLst/>
@@ -19013,12 +22437,12 @@
       </p:pic>
       <p:pic>
         <p:nvPicPr>
-          <p:cNvPr id="503" name="Google Shape;503;p52"/>
+          <p:cNvPr id="394" name="Google Shape;394;p41"/>
           <p:cNvPicPr preferRelativeResize="0"/>
           <p:nvPr/>
         </p:nvPicPr>
         <p:blipFill>
-          <a:blip r:embed="rId5">
+          <a:blip r:embed="rId4">
             <a:alphaModFix/>
           </a:blip>
           <a:stretch>
@@ -19026,9 +22450,9 @@
           </a:stretch>
         </p:blipFill>
         <p:spPr>
-          <a:xfrm rot="-998994">
-            <a:off x="-2345325" y="2566075"/>
-            <a:ext cx="5143500" cy="5143500"/>
+          <a:xfrm rot="-3561828">
+            <a:off x="6186000" y="2412650"/>
+            <a:ext cx="5143501" cy="5143501"/>
           </a:xfrm>
           <a:prstGeom prst="rect">
             <a:avLst/>
@@ -19040,6 +22464,11 @@
         </p:spPr>
       </p:pic>
     </p:spTree>
+    <p:extLst>
+      <p:ext uri="{BB962C8B-B14F-4D97-AF65-F5344CB8AC3E}">
+        <p14:creationId xmlns:p14="http://schemas.microsoft.com/office/powerpoint/2010/main" val="3199615319"/>
+      </p:ext>
+    </p:extLst>
   </p:cSld>
   <p:clrMapOvr>
     <a:masterClrMapping/>
@@ -19678,6 +23107,4709 @@
           <a:xfrm rot="-3561828">
             <a:off x="6186000" y="2412650"/>
             <a:ext cx="5143501" cy="5143501"/>
+          </a:xfrm>
+          <a:prstGeom prst="rect">
+            <a:avLst/>
+          </a:prstGeom>
+          <a:noFill/>
+          <a:ln>
+            <a:noFill/>
+          </a:ln>
+        </p:spPr>
+      </p:pic>
+    </p:spTree>
+  </p:cSld>
+  <p:clrMapOvr>
+    <a:masterClrMapping/>
+  </p:clrMapOvr>
+</p:sld>
+</file>
+
+<file path=ppt/slides/slide30.xml><?xml version="1.0" encoding="utf-8"?>
+<p:sld xmlns:a="http://schemas.openxmlformats.org/drawingml/2006/main" xmlns:r="http://schemas.openxmlformats.org/officeDocument/2006/relationships" xmlns:p="http://schemas.openxmlformats.org/presentationml/2006/main">
+  <p:cSld>
+    <p:spTree>
+      <p:nvGrpSpPr>
+        <p:cNvPr id="1" name="Shape 398"/>
+        <p:cNvGrpSpPr/>
+        <p:nvPr/>
+      </p:nvGrpSpPr>
+      <p:grpSpPr>
+        <a:xfrm>
+          <a:off x="0" y="0"/>
+          <a:ext cx="0" cy="0"/>
+          <a:chOff x="0" y="0"/>
+          <a:chExt cx="0" cy="0"/>
+        </a:xfrm>
+      </p:grpSpPr>
+      <p:sp>
+        <p:nvSpPr>
+          <p:cNvPr id="399" name="Google Shape;399;p42"/>
+          <p:cNvSpPr txBox="1"/>
+          <p:nvPr/>
+        </p:nvSpPr>
+        <p:spPr>
+          <a:xfrm>
+            <a:off x="620000" y="1351225"/>
+            <a:ext cx="8074200" cy="3275700"/>
+          </a:xfrm>
+          <a:prstGeom prst="rect">
+            <a:avLst/>
+          </a:prstGeom>
+          <a:noFill/>
+          <a:ln>
+            <a:noFill/>
+          </a:ln>
+        </p:spPr>
+        <p:txBody>
+          <a:bodyPr spcFirstLastPara="1" wrap="square" lIns="91425" tIns="91425" rIns="91425" bIns="91425" anchor="t" anchorCtr="0">
+            <a:noAutofit/>
+          </a:bodyPr>
+          <a:lstStyle/>
+          <a:p>
+            <a:pPr marL="0" marR="0" lvl="0" indent="0" algn="l" rtl="0">
+              <a:lnSpc>
+                <a:spcPct val="150000"/>
+              </a:lnSpc>
+              <a:spcBef>
+                <a:spcPts val="0"/>
+              </a:spcBef>
+              <a:spcAft>
+                <a:spcPts val="0"/>
+              </a:spcAft>
+              <a:buNone/>
+            </a:pPr>
+            <a:r>
+              <a:rPr lang="pt-BR" sz="1200">
+                <a:solidFill>
+                  <a:srgbClr val="666666"/>
+                </a:solidFill>
+                <a:highlight>
+                  <a:srgbClr val="FFFFFF"/>
+                </a:highlight>
+                <a:latin typeface="Open Sans"/>
+                <a:ea typeface="Open Sans"/>
+                <a:cs typeface="Open Sans"/>
+                <a:sym typeface="Open Sans"/>
+              </a:rPr>
+              <a:t>. Interface de programação para documentos HTML, XML, entre outros</a:t>
+            </a:r>
+            <a:endParaRPr sz="1200">
+              <a:solidFill>
+                <a:srgbClr val="666666"/>
+              </a:solidFill>
+              <a:highlight>
+                <a:srgbClr val="FFFFFF"/>
+              </a:highlight>
+              <a:latin typeface="Open Sans"/>
+              <a:ea typeface="Open Sans"/>
+              <a:cs typeface="Open Sans"/>
+              <a:sym typeface="Open Sans"/>
+            </a:endParaRPr>
+          </a:p>
+          <a:p>
+            <a:pPr marL="0" marR="0" lvl="0" indent="0" algn="l" rtl="0">
+              <a:lnSpc>
+                <a:spcPct val="150000"/>
+              </a:lnSpc>
+              <a:spcBef>
+                <a:spcPts val="0"/>
+              </a:spcBef>
+              <a:spcAft>
+                <a:spcPts val="0"/>
+              </a:spcAft>
+              <a:buNone/>
+            </a:pPr>
+            <a:r>
+              <a:rPr lang="pt-BR" sz="1200">
+                <a:solidFill>
+                  <a:srgbClr val="666666"/>
+                </a:solidFill>
+                <a:highlight>
+                  <a:srgbClr val="FFFFFF"/>
+                </a:highlight>
+                <a:latin typeface="Open Sans"/>
+                <a:ea typeface="Open Sans"/>
+                <a:cs typeface="Open Sans"/>
+                <a:sym typeface="Open Sans"/>
+              </a:rPr>
+              <a:t>. Fornece uma representação estruturada do documento como uma árvore</a:t>
+            </a:r>
+            <a:endParaRPr sz="1200">
+              <a:solidFill>
+                <a:srgbClr val="666666"/>
+              </a:solidFill>
+              <a:highlight>
+                <a:srgbClr val="FFFFFF"/>
+              </a:highlight>
+              <a:latin typeface="Open Sans"/>
+              <a:ea typeface="Open Sans"/>
+              <a:cs typeface="Open Sans"/>
+              <a:sym typeface="Open Sans"/>
+            </a:endParaRPr>
+          </a:p>
+          <a:p>
+            <a:pPr marL="0" marR="0" lvl="0" indent="0" algn="l" rtl="0">
+              <a:lnSpc>
+                <a:spcPct val="150000"/>
+              </a:lnSpc>
+              <a:spcBef>
+                <a:spcPts val="0"/>
+              </a:spcBef>
+              <a:spcAft>
+                <a:spcPts val="0"/>
+              </a:spcAft>
+              <a:buNone/>
+            </a:pPr>
+            <a:r>
+              <a:rPr lang="pt-BR" sz="1200">
+                <a:solidFill>
+                  <a:srgbClr val="666666"/>
+                </a:solidFill>
+                <a:highlight>
+                  <a:srgbClr val="FFFFFF"/>
+                </a:highlight>
+                <a:latin typeface="Open Sans"/>
+                <a:ea typeface="Open Sans"/>
+                <a:cs typeface="Open Sans"/>
+                <a:sym typeface="Open Sans"/>
+              </a:rPr>
+              <a:t>. Fornece métodos para acessar o conteúdo do elemento</a:t>
+            </a:r>
+            <a:endParaRPr sz="1000">
+              <a:solidFill>
+                <a:srgbClr val="666666"/>
+              </a:solidFill>
+              <a:latin typeface="Open Sans SemiBold"/>
+              <a:ea typeface="Open Sans SemiBold"/>
+              <a:cs typeface="Open Sans SemiBold"/>
+              <a:sym typeface="Open Sans SemiBold"/>
+            </a:endParaRPr>
+          </a:p>
+          <a:p>
+            <a:pPr marL="0" lvl="0" indent="0" algn="l" rtl="0">
+              <a:lnSpc>
+                <a:spcPct val="115000"/>
+              </a:lnSpc>
+              <a:spcBef>
+                <a:spcPts val="0"/>
+              </a:spcBef>
+              <a:spcAft>
+                <a:spcPts val="0"/>
+              </a:spcAft>
+              <a:buNone/>
+            </a:pPr>
+            <a:endParaRPr sz="1000">
+              <a:solidFill>
+                <a:srgbClr val="666666"/>
+              </a:solidFill>
+              <a:latin typeface="Open Sans SemiBold"/>
+              <a:ea typeface="Open Sans SemiBold"/>
+              <a:cs typeface="Open Sans SemiBold"/>
+              <a:sym typeface="Open Sans SemiBold"/>
+            </a:endParaRPr>
+          </a:p>
+          <a:p>
+            <a:pPr marL="0" lvl="0" indent="0" algn="l" rtl="0">
+              <a:lnSpc>
+                <a:spcPct val="115000"/>
+              </a:lnSpc>
+              <a:spcBef>
+                <a:spcPts val="0"/>
+              </a:spcBef>
+              <a:spcAft>
+                <a:spcPts val="0"/>
+              </a:spcAft>
+              <a:buNone/>
+            </a:pPr>
+            <a:r>
+              <a:rPr lang="pt-BR" sz="1200">
+                <a:solidFill>
+                  <a:srgbClr val="222222"/>
+                </a:solidFill>
+                <a:highlight>
+                  <a:srgbClr val="FFFFFF"/>
+                </a:highlight>
+                <a:latin typeface="Open Sans"/>
+                <a:ea typeface="Open Sans"/>
+                <a:cs typeface="Open Sans"/>
+                <a:sym typeface="Open Sans"/>
+              </a:rPr>
+              <a:t>Leituras:</a:t>
+            </a:r>
+            <a:endParaRPr sz="1200">
+              <a:solidFill>
+                <a:srgbClr val="222222"/>
+              </a:solidFill>
+              <a:highlight>
+                <a:srgbClr val="FFFFFF"/>
+              </a:highlight>
+              <a:latin typeface="Open Sans"/>
+              <a:ea typeface="Open Sans"/>
+              <a:cs typeface="Open Sans"/>
+              <a:sym typeface="Open Sans"/>
+            </a:endParaRPr>
+          </a:p>
+          <a:p>
+            <a:pPr marL="0" lvl="0" indent="0" algn="l" rtl="0">
+              <a:lnSpc>
+                <a:spcPct val="115000"/>
+              </a:lnSpc>
+              <a:spcBef>
+                <a:spcPts val="0"/>
+              </a:spcBef>
+              <a:spcAft>
+                <a:spcPts val="0"/>
+              </a:spcAft>
+              <a:buNone/>
+            </a:pPr>
+            <a:r>
+              <a:rPr lang="pt-BR" sz="1100" u="sng">
+                <a:solidFill>
+                  <a:schemeClr val="hlink"/>
+                </a:solidFill>
+                <a:hlinkClick r:id="rId3"/>
+              </a:rPr>
+              <a:t>https://developer.mozilla.org/en-US/docs/Web/API/Document</a:t>
+            </a:r>
+            <a:endParaRPr sz="1200">
+              <a:solidFill>
+                <a:srgbClr val="222222"/>
+              </a:solidFill>
+              <a:highlight>
+                <a:srgbClr val="FFFFFF"/>
+              </a:highlight>
+              <a:latin typeface="Open Sans"/>
+              <a:ea typeface="Open Sans"/>
+              <a:cs typeface="Open Sans"/>
+              <a:sym typeface="Open Sans"/>
+            </a:endParaRPr>
+          </a:p>
+          <a:p>
+            <a:pPr marL="0" lvl="0" indent="0" algn="l" rtl="0">
+              <a:lnSpc>
+                <a:spcPct val="115000"/>
+              </a:lnSpc>
+              <a:spcBef>
+                <a:spcPts val="0"/>
+              </a:spcBef>
+              <a:spcAft>
+                <a:spcPts val="0"/>
+              </a:spcAft>
+              <a:buNone/>
+            </a:pPr>
+            <a:r>
+              <a:rPr lang="pt-BR" sz="1100" u="sng">
+                <a:solidFill>
+                  <a:schemeClr val="hlink"/>
+                </a:solidFill>
+                <a:hlinkClick r:id="rId4"/>
+              </a:rPr>
+              <a:t>https://tableless.com.br/entendendo-o-dom-document-object-model/</a:t>
+            </a:r>
+            <a:endParaRPr sz="1200">
+              <a:solidFill>
+                <a:srgbClr val="222222"/>
+              </a:solidFill>
+              <a:highlight>
+                <a:srgbClr val="FFFFFF"/>
+              </a:highlight>
+              <a:latin typeface="Open Sans"/>
+              <a:ea typeface="Open Sans"/>
+              <a:cs typeface="Open Sans"/>
+              <a:sym typeface="Open Sans"/>
+            </a:endParaRPr>
+          </a:p>
+          <a:p>
+            <a:pPr marL="0" lvl="0" indent="0" algn="l" rtl="0">
+              <a:lnSpc>
+                <a:spcPct val="115000"/>
+              </a:lnSpc>
+              <a:spcBef>
+                <a:spcPts val="0"/>
+              </a:spcBef>
+              <a:spcAft>
+                <a:spcPts val="0"/>
+              </a:spcAft>
+              <a:buNone/>
+            </a:pPr>
+            <a:endParaRPr sz="1200">
+              <a:solidFill>
+                <a:srgbClr val="222222"/>
+              </a:solidFill>
+              <a:highlight>
+                <a:srgbClr val="FFFFFF"/>
+              </a:highlight>
+              <a:latin typeface="Open Sans"/>
+              <a:ea typeface="Open Sans"/>
+              <a:cs typeface="Open Sans"/>
+              <a:sym typeface="Open Sans"/>
+            </a:endParaRPr>
+          </a:p>
+          <a:p>
+            <a:pPr marL="0" lvl="0" indent="0" algn="l" rtl="0">
+              <a:lnSpc>
+                <a:spcPct val="115000"/>
+              </a:lnSpc>
+              <a:spcBef>
+                <a:spcPts val="0"/>
+              </a:spcBef>
+              <a:spcAft>
+                <a:spcPts val="0"/>
+              </a:spcAft>
+              <a:buNone/>
+            </a:pPr>
+            <a:endParaRPr sz="1200">
+              <a:solidFill>
+                <a:srgbClr val="222222"/>
+              </a:solidFill>
+              <a:highlight>
+                <a:srgbClr val="FFFFFF"/>
+              </a:highlight>
+              <a:latin typeface="Open Sans"/>
+              <a:ea typeface="Open Sans"/>
+              <a:cs typeface="Open Sans"/>
+              <a:sym typeface="Open Sans"/>
+            </a:endParaRPr>
+          </a:p>
+        </p:txBody>
+      </p:sp>
+      <p:sp>
+        <p:nvSpPr>
+          <p:cNvPr id="400" name="Google Shape;400;p42"/>
+          <p:cNvSpPr txBox="1"/>
+          <p:nvPr/>
+        </p:nvSpPr>
+        <p:spPr>
+          <a:xfrm>
+            <a:off x="620000" y="571327"/>
+            <a:ext cx="5443500" cy="563100"/>
+          </a:xfrm>
+          <a:prstGeom prst="rect">
+            <a:avLst/>
+          </a:prstGeom>
+          <a:noFill/>
+          <a:ln>
+            <a:noFill/>
+          </a:ln>
+        </p:spPr>
+        <p:txBody>
+          <a:bodyPr spcFirstLastPara="1" wrap="square" lIns="91425" tIns="91425" rIns="91425" bIns="91425" anchor="t" anchorCtr="0">
+            <a:noAutofit/>
+          </a:bodyPr>
+          <a:lstStyle/>
+          <a:p>
+            <a:pPr marL="0" lvl="0" indent="0" algn="l" rtl="0">
+              <a:lnSpc>
+                <a:spcPct val="100000"/>
+              </a:lnSpc>
+              <a:spcBef>
+                <a:spcPts val="0"/>
+              </a:spcBef>
+              <a:spcAft>
+                <a:spcPts val="0"/>
+              </a:spcAft>
+              <a:buNone/>
+            </a:pPr>
+            <a:r>
+              <a:rPr lang="pt-BR" sz="2500" b="1">
+                <a:solidFill>
+                  <a:srgbClr val="434343"/>
+                </a:solidFill>
+                <a:latin typeface="Open Sans"/>
+                <a:ea typeface="Open Sans"/>
+                <a:cs typeface="Open Sans"/>
+                <a:sym typeface="Open Sans"/>
+              </a:rPr>
+              <a:t>Document Object Model - DOM</a:t>
+            </a:r>
+            <a:endParaRPr sz="2500">
+              <a:solidFill>
+                <a:srgbClr val="434343"/>
+              </a:solidFill>
+              <a:latin typeface="Open Sans"/>
+              <a:ea typeface="Open Sans"/>
+              <a:cs typeface="Open Sans"/>
+              <a:sym typeface="Open Sans"/>
+            </a:endParaRPr>
+          </a:p>
+        </p:txBody>
+      </p:sp>
+      <p:sp>
+        <p:nvSpPr>
+          <p:cNvPr id="401" name="Google Shape;401;p42"/>
+          <p:cNvSpPr/>
+          <p:nvPr/>
+        </p:nvSpPr>
+        <p:spPr>
+          <a:xfrm>
+            <a:off x="722100" y="535876"/>
+            <a:ext cx="475800" cy="37800"/>
+          </a:xfrm>
+          <a:prstGeom prst="rect">
+            <a:avLst/>
+          </a:prstGeom>
+          <a:solidFill>
+            <a:srgbClr val="D54995"/>
+          </a:solidFill>
+          <a:ln>
+            <a:noFill/>
+          </a:ln>
+        </p:spPr>
+        <p:txBody>
+          <a:bodyPr spcFirstLastPara="1" wrap="square" lIns="91425" tIns="91425" rIns="91425" bIns="91425" anchor="ctr" anchorCtr="0">
+            <a:noAutofit/>
+          </a:bodyPr>
+          <a:lstStyle/>
+          <a:p>
+            <a:pPr marL="0" lvl="0" indent="0" algn="l" rtl="0">
+              <a:spcBef>
+                <a:spcPts val="0"/>
+              </a:spcBef>
+              <a:spcAft>
+                <a:spcPts val="0"/>
+              </a:spcAft>
+              <a:buNone/>
+            </a:pPr>
+            <a:endParaRPr/>
+          </a:p>
+        </p:txBody>
+      </p:sp>
+      <p:sp>
+        <p:nvSpPr>
+          <p:cNvPr id="402" name="Google Shape;402;p42"/>
+          <p:cNvSpPr/>
+          <p:nvPr/>
+        </p:nvSpPr>
+        <p:spPr>
+          <a:xfrm>
+            <a:off x="1186896" y="535876"/>
+            <a:ext cx="475800" cy="37800"/>
+          </a:xfrm>
+          <a:prstGeom prst="rect">
+            <a:avLst/>
+          </a:prstGeom>
+          <a:solidFill>
+            <a:srgbClr val="B33C97"/>
+          </a:solidFill>
+          <a:ln>
+            <a:noFill/>
+          </a:ln>
+        </p:spPr>
+        <p:txBody>
+          <a:bodyPr spcFirstLastPara="1" wrap="square" lIns="91425" tIns="91425" rIns="91425" bIns="91425" anchor="ctr" anchorCtr="0">
+            <a:noAutofit/>
+          </a:bodyPr>
+          <a:lstStyle/>
+          <a:p>
+            <a:pPr marL="0" lvl="0" indent="0" algn="l" rtl="0">
+              <a:spcBef>
+                <a:spcPts val="0"/>
+              </a:spcBef>
+              <a:spcAft>
+                <a:spcPts val="0"/>
+              </a:spcAft>
+              <a:buNone/>
+            </a:pPr>
+            <a:endParaRPr/>
+          </a:p>
+        </p:txBody>
+      </p:sp>
+      <p:pic>
+        <p:nvPicPr>
+          <p:cNvPr id="403" name="Google Shape;403;p42"/>
+          <p:cNvPicPr preferRelativeResize="0"/>
+          <p:nvPr/>
+        </p:nvPicPr>
+        <p:blipFill>
+          <a:blip r:embed="rId5">
+            <a:alphaModFix amt="40000"/>
+          </a:blip>
+          <a:stretch>
+            <a:fillRect/>
+          </a:stretch>
+        </p:blipFill>
+        <p:spPr>
+          <a:xfrm rot="-9965328">
+            <a:off x="6087113" y="1033817"/>
+            <a:ext cx="4526224" cy="4526243"/>
+          </a:xfrm>
+          <a:prstGeom prst="rect">
+            <a:avLst/>
+          </a:prstGeom>
+          <a:noFill/>
+          <a:ln>
+            <a:noFill/>
+          </a:ln>
+        </p:spPr>
+      </p:pic>
+      <p:pic>
+        <p:nvPicPr>
+          <p:cNvPr id="404" name="Google Shape;404;p42"/>
+          <p:cNvPicPr preferRelativeResize="0"/>
+          <p:nvPr/>
+        </p:nvPicPr>
+        <p:blipFill>
+          <a:blip r:embed="rId6">
+            <a:alphaModFix/>
+          </a:blip>
+          <a:stretch>
+            <a:fillRect/>
+          </a:stretch>
+        </p:blipFill>
+        <p:spPr>
+          <a:xfrm rot="-3561828">
+            <a:off x="-3971225" y="-3501125"/>
+            <a:ext cx="5143501" cy="5143501"/>
+          </a:xfrm>
+          <a:prstGeom prst="rect">
+            <a:avLst/>
+          </a:prstGeom>
+          <a:noFill/>
+          <a:ln>
+            <a:noFill/>
+          </a:ln>
+        </p:spPr>
+      </p:pic>
+    </p:spTree>
+    <p:extLst>
+      <p:ext uri="{BB962C8B-B14F-4D97-AF65-F5344CB8AC3E}">
+        <p14:creationId xmlns:p14="http://schemas.microsoft.com/office/powerpoint/2010/main" val="2554008765"/>
+      </p:ext>
+    </p:extLst>
+  </p:cSld>
+  <p:clrMapOvr>
+    <a:masterClrMapping/>
+  </p:clrMapOvr>
+</p:sld>
+</file>
+
+<file path=ppt/slides/slide31.xml><?xml version="1.0" encoding="utf-8"?>
+<p:sld xmlns:a="http://schemas.openxmlformats.org/drawingml/2006/main" xmlns:r="http://schemas.openxmlformats.org/officeDocument/2006/relationships" xmlns:p="http://schemas.openxmlformats.org/presentationml/2006/main">
+  <p:cSld>
+    <p:spTree>
+      <p:nvGrpSpPr>
+        <p:cNvPr id="1" name="Shape 408"/>
+        <p:cNvGrpSpPr/>
+        <p:nvPr/>
+      </p:nvGrpSpPr>
+      <p:grpSpPr>
+        <a:xfrm>
+          <a:off x="0" y="0"/>
+          <a:ext cx="0" cy="0"/>
+          <a:chOff x="0" y="0"/>
+          <a:chExt cx="0" cy="0"/>
+        </a:xfrm>
+      </p:grpSpPr>
+      <p:pic>
+        <p:nvPicPr>
+          <p:cNvPr id="409" name="Google Shape;409;p43"/>
+          <p:cNvPicPr preferRelativeResize="0"/>
+          <p:nvPr/>
+        </p:nvPicPr>
+        <p:blipFill>
+          <a:blip r:embed="rId3">
+            <a:alphaModFix amt="40000"/>
+          </a:blip>
+          <a:stretch>
+            <a:fillRect/>
+          </a:stretch>
+        </p:blipFill>
+        <p:spPr>
+          <a:xfrm rot="-9965328">
+            <a:off x="-3130512" y="-427258"/>
+            <a:ext cx="4526224" cy="4526243"/>
+          </a:xfrm>
+          <a:prstGeom prst="rect">
+            <a:avLst/>
+          </a:prstGeom>
+          <a:noFill/>
+          <a:ln>
+            <a:noFill/>
+          </a:ln>
+        </p:spPr>
+      </p:pic>
+      <p:sp>
+        <p:nvSpPr>
+          <p:cNvPr id="410" name="Google Shape;410;p43"/>
+          <p:cNvSpPr/>
+          <p:nvPr/>
+        </p:nvSpPr>
+        <p:spPr>
+          <a:xfrm>
+            <a:off x="3802955" y="155450"/>
+            <a:ext cx="1538100" cy="450900"/>
+          </a:xfrm>
+          <a:prstGeom prst="roundRect">
+            <a:avLst>
+              <a:gd name="adj" fmla="val 50000"/>
+            </a:avLst>
+          </a:prstGeom>
+          <a:solidFill>
+            <a:srgbClr val="5D3A96"/>
+          </a:solidFill>
+          <a:ln>
+            <a:noFill/>
+          </a:ln>
+        </p:spPr>
+        <p:txBody>
+          <a:bodyPr spcFirstLastPara="1" wrap="square" lIns="91425" tIns="91425" rIns="91425" bIns="91425" anchor="ctr" anchorCtr="0">
+            <a:noAutofit/>
+          </a:bodyPr>
+          <a:lstStyle/>
+          <a:p>
+            <a:pPr marL="0" marR="0" lvl="0" indent="0" algn="ctr" rtl="0">
+              <a:lnSpc>
+                <a:spcPct val="100000"/>
+              </a:lnSpc>
+              <a:spcBef>
+                <a:spcPts val="0"/>
+              </a:spcBef>
+              <a:spcAft>
+                <a:spcPts val="0"/>
+              </a:spcAft>
+              <a:buNone/>
+            </a:pPr>
+            <a:r>
+              <a:rPr lang="pt-BR" sz="1200">
+                <a:solidFill>
+                  <a:srgbClr val="FFFFFF"/>
+                </a:solidFill>
+                <a:latin typeface="Open Sans"/>
+                <a:ea typeface="Open Sans"/>
+                <a:cs typeface="Open Sans"/>
+                <a:sym typeface="Open Sans"/>
+              </a:rPr>
+              <a:t>window</a:t>
+            </a:r>
+            <a:endParaRPr sz="1200">
+              <a:solidFill>
+                <a:srgbClr val="FFFFFF"/>
+              </a:solidFill>
+              <a:latin typeface="Open Sans"/>
+              <a:ea typeface="Open Sans"/>
+              <a:cs typeface="Open Sans"/>
+              <a:sym typeface="Open Sans"/>
+            </a:endParaRPr>
+          </a:p>
+        </p:txBody>
+      </p:sp>
+      <p:sp>
+        <p:nvSpPr>
+          <p:cNvPr id="411" name="Google Shape;411;p43"/>
+          <p:cNvSpPr/>
+          <p:nvPr/>
+        </p:nvSpPr>
+        <p:spPr>
+          <a:xfrm>
+            <a:off x="6030446" y="994612"/>
+            <a:ext cx="1538100" cy="450900"/>
+          </a:xfrm>
+          <a:prstGeom prst="roundRect">
+            <a:avLst>
+              <a:gd name="adj" fmla="val 50000"/>
+            </a:avLst>
+          </a:prstGeom>
+          <a:solidFill>
+            <a:srgbClr val="7E59B9"/>
+          </a:solidFill>
+          <a:ln>
+            <a:noFill/>
+          </a:ln>
+        </p:spPr>
+        <p:txBody>
+          <a:bodyPr spcFirstLastPara="1" wrap="square" lIns="91425" tIns="91425" rIns="91425" bIns="91425" anchor="ctr" anchorCtr="0">
+            <a:noAutofit/>
+          </a:bodyPr>
+          <a:lstStyle/>
+          <a:p>
+            <a:pPr marL="0" marR="0" lvl="0" indent="0" algn="ctr" rtl="0">
+              <a:lnSpc>
+                <a:spcPct val="100000"/>
+              </a:lnSpc>
+              <a:spcBef>
+                <a:spcPts val="0"/>
+              </a:spcBef>
+              <a:spcAft>
+                <a:spcPts val="0"/>
+              </a:spcAft>
+              <a:buNone/>
+            </a:pPr>
+            <a:r>
+              <a:rPr lang="pt-BR" sz="1200">
+                <a:solidFill>
+                  <a:srgbClr val="FFFFFF"/>
+                </a:solidFill>
+                <a:latin typeface="Open Sans"/>
+                <a:ea typeface="Open Sans"/>
+                <a:cs typeface="Open Sans"/>
+                <a:sym typeface="Open Sans"/>
+              </a:rPr>
+              <a:t>history</a:t>
+            </a:r>
+            <a:endParaRPr sz="1200">
+              <a:solidFill>
+                <a:srgbClr val="FFFFFF"/>
+              </a:solidFill>
+              <a:latin typeface="Open Sans"/>
+              <a:ea typeface="Open Sans"/>
+              <a:cs typeface="Open Sans"/>
+              <a:sym typeface="Open Sans"/>
+            </a:endParaRPr>
+          </a:p>
+        </p:txBody>
+      </p:sp>
+      <p:sp>
+        <p:nvSpPr>
+          <p:cNvPr id="412" name="Google Shape;412;p43"/>
+          <p:cNvSpPr/>
+          <p:nvPr/>
+        </p:nvSpPr>
+        <p:spPr>
+          <a:xfrm>
+            <a:off x="3802951" y="994663"/>
+            <a:ext cx="1538100" cy="450900"/>
+          </a:xfrm>
+          <a:prstGeom prst="roundRect">
+            <a:avLst>
+              <a:gd name="adj" fmla="val 50000"/>
+            </a:avLst>
+          </a:prstGeom>
+          <a:solidFill>
+            <a:srgbClr val="7E59B9"/>
+          </a:solidFill>
+          <a:ln>
+            <a:noFill/>
+          </a:ln>
+        </p:spPr>
+        <p:txBody>
+          <a:bodyPr spcFirstLastPara="1" wrap="square" lIns="91425" tIns="91425" rIns="91425" bIns="91425" anchor="ctr" anchorCtr="0">
+            <a:noAutofit/>
+          </a:bodyPr>
+          <a:lstStyle/>
+          <a:p>
+            <a:pPr marL="0" marR="0" lvl="0" indent="0" algn="ctr" rtl="0">
+              <a:lnSpc>
+                <a:spcPct val="100000"/>
+              </a:lnSpc>
+              <a:spcBef>
+                <a:spcPts val="0"/>
+              </a:spcBef>
+              <a:spcAft>
+                <a:spcPts val="0"/>
+              </a:spcAft>
+              <a:buNone/>
+            </a:pPr>
+            <a:r>
+              <a:rPr lang="pt-BR" sz="1200">
+                <a:solidFill>
+                  <a:srgbClr val="FFFFFF"/>
+                </a:solidFill>
+                <a:latin typeface="Open Sans"/>
+                <a:ea typeface="Open Sans"/>
+                <a:cs typeface="Open Sans"/>
+                <a:sym typeface="Open Sans"/>
+              </a:rPr>
+              <a:t>document</a:t>
+            </a:r>
+            <a:endParaRPr sz="1200">
+              <a:solidFill>
+                <a:srgbClr val="FFFFFF"/>
+              </a:solidFill>
+              <a:latin typeface="Open Sans"/>
+              <a:ea typeface="Open Sans"/>
+              <a:cs typeface="Open Sans"/>
+              <a:sym typeface="Open Sans"/>
+            </a:endParaRPr>
+          </a:p>
+        </p:txBody>
+      </p:sp>
+      <p:sp>
+        <p:nvSpPr>
+          <p:cNvPr id="413" name="Google Shape;413;p43"/>
+          <p:cNvSpPr/>
+          <p:nvPr/>
+        </p:nvSpPr>
+        <p:spPr>
+          <a:xfrm>
+            <a:off x="1748978" y="3157606"/>
+            <a:ext cx="1538100" cy="450900"/>
+          </a:xfrm>
+          <a:prstGeom prst="roundRect">
+            <a:avLst>
+              <a:gd name="adj" fmla="val 50000"/>
+            </a:avLst>
+          </a:prstGeom>
+          <a:solidFill>
+            <a:srgbClr val="E72F85"/>
+          </a:solidFill>
+          <a:ln>
+            <a:noFill/>
+          </a:ln>
+        </p:spPr>
+        <p:txBody>
+          <a:bodyPr spcFirstLastPara="1" wrap="square" lIns="91425" tIns="91425" rIns="91425" bIns="91425" anchor="ctr" anchorCtr="0">
+            <a:noAutofit/>
+          </a:bodyPr>
+          <a:lstStyle/>
+          <a:p>
+            <a:pPr marL="0" marR="0" lvl="0" indent="0" algn="ctr" rtl="0">
+              <a:lnSpc>
+                <a:spcPct val="100000"/>
+              </a:lnSpc>
+              <a:spcBef>
+                <a:spcPts val="0"/>
+              </a:spcBef>
+              <a:spcAft>
+                <a:spcPts val="0"/>
+              </a:spcAft>
+              <a:buNone/>
+            </a:pPr>
+            <a:r>
+              <a:rPr lang="pt-BR" sz="1200">
+                <a:solidFill>
+                  <a:srgbClr val="FFFFFF"/>
+                </a:solidFill>
+                <a:latin typeface="Open Sans"/>
+                <a:ea typeface="Open Sans"/>
+                <a:cs typeface="Open Sans"/>
+                <a:sym typeface="Open Sans"/>
+              </a:rPr>
+              <a:t>Element</a:t>
+            </a:r>
+            <a:endParaRPr sz="1200">
+              <a:solidFill>
+                <a:srgbClr val="FFFFFF"/>
+              </a:solidFill>
+              <a:latin typeface="Open Sans"/>
+              <a:ea typeface="Open Sans"/>
+              <a:cs typeface="Open Sans"/>
+              <a:sym typeface="Open Sans"/>
+            </a:endParaRPr>
+          </a:p>
+          <a:p>
+            <a:pPr marL="0" marR="0" lvl="0" indent="0" algn="ctr" rtl="0">
+              <a:lnSpc>
+                <a:spcPct val="100000"/>
+              </a:lnSpc>
+              <a:spcBef>
+                <a:spcPts val="0"/>
+              </a:spcBef>
+              <a:spcAft>
+                <a:spcPts val="0"/>
+              </a:spcAft>
+              <a:buNone/>
+            </a:pPr>
+            <a:r>
+              <a:rPr lang="pt-BR" sz="1200">
+                <a:solidFill>
+                  <a:srgbClr val="FFFFFF"/>
+                </a:solidFill>
+                <a:latin typeface="Open Sans"/>
+                <a:ea typeface="Open Sans"/>
+                <a:cs typeface="Open Sans"/>
+                <a:sym typeface="Open Sans"/>
+              </a:rPr>
+              <a:t>&lt;title&gt;</a:t>
+            </a:r>
+            <a:endParaRPr sz="1200">
+              <a:solidFill>
+                <a:srgbClr val="FFFFFF"/>
+              </a:solidFill>
+              <a:latin typeface="Open Sans"/>
+              <a:ea typeface="Open Sans"/>
+              <a:cs typeface="Open Sans"/>
+              <a:sym typeface="Open Sans"/>
+            </a:endParaRPr>
+          </a:p>
+        </p:txBody>
+      </p:sp>
+      <p:sp>
+        <p:nvSpPr>
+          <p:cNvPr id="414" name="Google Shape;414;p43"/>
+          <p:cNvSpPr/>
+          <p:nvPr/>
+        </p:nvSpPr>
+        <p:spPr>
+          <a:xfrm>
+            <a:off x="3803248" y="1694717"/>
+            <a:ext cx="1538100" cy="450900"/>
+          </a:xfrm>
+          <a:prstGeom prst="roundRect">
+            <a:avLst>
+              <a:gd name="adj" fmla="val 50000"/>
+            </a:avLst>
+          </a:prstGeom>
+          <a:solidFill>
+            <a:srgbClr val="9859B9"/>
+          </a:solidFill>
+          <a:ln>
+            <a:noFill/>
+          </a:ln>
+        </p:spPr>
+        <p:txBody>
+          <a:bodyPr spcFirstLastPara="1" wrap="square" lIns="91425" tIns="91425" rIns="91425" bIns="91425" anchor="ctr" anchorCtr="0">
+            <a:noAutofit/>
+          </a:bodyPr>
+          <a:lstStyle/>
+          <a:p>
+            <a:pPr marL="0" marR="0" lvl="0" indent="0" algn="ctr" rtl="0">
+              <a:lnSpc>
+                <a:spcPct val="100000"/>
+              </a:lnSpc>
+              <a:spcBef>
+                <a:spcPts val="0"/>
+              </a:spcBef>
+              <a:spcAft>
+                <a:spcPts val="0"/>
+              </a:spcAft>
+              <a:buNone/>
+            </a:pPr>
+            <a:r>
+              <a:rPr lang="pt-BR" sz="1200">
+                <a:solidFill>
+                  <a:srgbClr val="FFFFFF"/>
+                </a:solidFill>
+                <a:latin typeface="Open Sans"/>
+                <a:ea typeface="Open Sans"/>
+                <a:cs typeface="Open Sans"/>
+                <a:sym typeface="Open Sans"/>
+              </a:rPr>
+              <a:t>Element </a:t>
+            </a:r>
+            <a:endParaRPr sz="1200">
+              <a:solidFill>
+                <a:srgbClr val="FFFFFF"/>
+              </a:solidFill>
+              <a:latin typeface="Open Sans"/>
+              <a:ea typeface="Open Sans"/>
+              <a:cs typeface="Open Sans"/>
+              <a:sym typeface="Open Sans"/>
+            </a:endParaRPr>
+          </a:p>
+          <a:p>
+            <a:pPr marL="0" marR="0" lvl="0" indent="0" algn="ctr" rtl="0">
+              <a:lnSpc>
+                <a:spcPct val="100000"/>
+              </a:lnSpc>
+              <a:spcBef>
+                <a:spcPts val="0"/>
+              </a:spcBef>
+              <a:spcAft>
+                <a:spcPts val="0"/>
+              </a:spcAft>
+              <a:buNone/>
+            </a:pPr>
+            <a:r>
+              <a:rPr lang="pt-BR" sz="1200">
+                <a:solidFill>
+                  <a:srgbClr val="FFFFFF"/>
+                </a:solidFill>
+                <a:latin typeface="Open Sans"/>
+                <a:ea typeface="Open Sans"/>
+                <a:cs typeface="Open Sans"/>
+                <a:sym typeface="Open Sans"/>
+              </a:rPr>
+              <a:t>&lt;html&gt;</a:t>
+            </a:r>
+            <a:endParaRPr sz="1200">
+              <a:solidFill>
+                <a:srgbClr val="FFFFFF"/>
+              </a:solidFill>
+              <a:latin typeface="Open Sans"/>
+              <a:ea typeface="Open Sans"/>
+              <a:cs typeface="Open Sans"/>
+              <a:sym typeface="Open Sans"/>
+            </a:endParaRPr>
+          </a:p>
+        </p:txBody>
+      </p:sp>
+      <p:sp>
+        <p:nvSpPr>
+          <p:cNvPr id="415" name="Google Shape;415;p43"/>
+          <p:cNvSpPr/>
+          <p:nvPr/>
+        </p:nvSpPr>
+        <p:spPr>
+          <a:xfrm>
+            <a:off x="1748978" y="2457490"/>
+            <a:ext cx="1538100" cy="450900"/>
+          </a:xfrm>
+          <a:prstGeom prst="roundRect">
+            <a:avLst>
+              <a:gd name="adj" fmla="val 50000"/>
+            </a:avLst>
+          </a:prstGeom>
+          <a:solidFill>
+            <a:srgbClr val="C945AA"/>
+          </a:solidFill>
+          <a:ln>
+            <a:noFill/>
+          </a:ln>
+        </p:spPr>
+        <p:txBody>
+          <a:bodyPr spcFirstLastPara="1" wrap="square" lIns="91425" tIns="91425" rIns="91425" bIns="91425" anchor="ctr" anchorCtr="0">
+            <a:noAutofit/>
+          </a:bodyPr>
+          <a:lstStyle/>
+          <a:p>
+            <a:pPr marL="0" marR="0" lvl="0" indent="0" algn="ctr" rtl="0">
+              <a:lnSpc>
+                <a:spcPct val="100000"/>
+              </a:lnSpc>
+              <a:spcBef>
+                <a:spcPts val="0"/>
+              </a:spcBef>
+              <a:spcAft>
+                <a:spcPts val="0"/>
+              </a:spcAft>
+              <a:buNone/>
+            </a:pPr>
+            <a:r>
+              <a:rPr lang="pt-BR" sz="1200">
+                <a:solidFill>
+                  <a:srgbClr val="FFFFFF"/>
+                </a:solidFill>
+                <a:latin typeface="Open Sans"/>
+                <a:ea typeface="Open Sans"/>
+                <a:cs typeface="Open Sans"/>
+                <a:sym typeface="Open Sans"/>
+              </a:rPr>
+              <a:t>Element </a:t>
+            </a:r>
+            <a:endParaRPr sz="1200">
+              <a:solidFill>
+                <a:srgbClr val="FFFFFF"/>
+              </a:solidFill>
+              <a:latin typeface="Open Sans"/>
+              <a:ea typeface="Open Sans"/>
+              <a:cs typeface="Open Sans"/>
+              <a:sym typeface="Open Sans"/>
+            </a:endParaRPr>
+          </a:p>
+          <a:p>
+            <a:pPr marL="0" marR="0" lvl="0" indent="0" algn="ctr" rtl="0">
+              <a:lnSpc>
+                <a:spcPct val="100000"/>
+              </a:lnSpc>
+              <a:spcBef>
+                <a:spcPts val="0"/>
+              </a:spcBef>
+              <a:spcAft>
+                <a:spcPts val="0"/>
+              </a:spcAft>
+              <a:buNone/>
+            </a:pPr>
+            <a:r>
+              <a:rPr lang="pt-BR" sz="1200">
+                <a:solidFill>
+                  <a:srgbClr val="FFFFFF"/>
+                </a:solidFill>
+                <a:latin typeface="Open Sans"/>
+                <a:ea typeface="Open Sans"/>
+                <a:cs typeface="Open Sans"/>
+                <a:sym typeface="Open Sans"/>
+              </a:rPr>
+              <a:t>&lt;head&gt;</a:t>
+            </a:r>
+            <a:endParaRPr sz="1200">
+              <a:solidFill>
+                <a:srgbClr val="FFFFFF"/>
+              </a:solidFill>
+              <a:latin typeface="Open Sans"/>
+              <a:ea typeface="Open Sans"/>
+              <a:cs typeface="Open Sans"/>
+              <a:sym typeface="Open Sans"/>
+            </a:endParaRPr>
+          </a:p>
+        </p:txBody>
+      </p:sp>
+      <p:sp>
+        <p:nvSpPr>
+          <p:cNvPr id="416" name="Google Shape;416;p43"/>
+          <p:cNvSpPr/>
+          <p:nvPr/>
+        </p:nvSpPr>
+        <p:spPr>
+          <a:xfrm>
+            <a:off x="5496874" y="2457490"/>
+            <a:ext cx="1538100" cy="450900"/>
+          </a:xfrm>
+          <a:prstGeom prst="roundRect">
+            <a:avLst>
+              <a:gd name="adj" fmla="val 50000"/>
+            </a:avLst>
+          </a:prstGeom>
+          <a:solidFill>
+            <a:srgbClr val="C945AA"/>
+          </a:solidFill>
+          <a:ln>
+            <a:noFill/>
+          </a:ln>
+        </p:spPr>
+        <p:txBody>
+          <a:bodyPr spcFirstLastPara="1" wrap="square" lIns="91425" tIns="91425" rIns="91425" bIns="91425" anchor="ctr" anchorCtr="0">
+            <a:noAutofit/>
+          </a:bodyPr>
+          <a:lstStyle/>
+          <a:p>
+            <a:pPr marL="0" marR="0" lvl="0" indent="0" algn="ctr" rtl="0">
+              <a:lnSpc>
+                <a:spcPct val="100000"/>
+              </a:lnSpc>
+              <a:spcBef>
+                <a:spcPts val="0"/>
+              </a:spcBef>
+              <a:spcAft>
+                <a:spcPts val="0"/>
+              </a:spcAft>
+              <a:buNone/>
+            </a:pPr>
+            <a:r>
+              <a:rPr lang="pt-BR" sz="1200">
+                <a:solidFill>
+                  <a:srgbClr val="FFFFFF"/>
+                </a:solidFill>
+                <a:latin typeface="Open Sans"/>
+                <a:ea typeface="Open Sans"/>
+                <a:cs typeface="Open Sans"/>
+                <a:sym typeface="Open Sans"/>
+              </a:rPr>
+              <a:t>Element </a:t>
+            </a:r>
+            <a:endParaRPr sz="1200">
+              <a:solidFill>
+                <a:srgbClr val="FFFFFF"/>
+              </a:solidFill>
+              <a:latin typeface="Open Sans"/>
+              <a:ea typeface="Open Sans"/>
+              <a:cs typeface="Open Sans"/>
+              <a:sym typeface="Open Sans"/>
+            </a:endParaRPr>
+          </a:p>
+          <a:p>
+            <a:pPr marL="0" marR="0" lvl="0" indent="0" algn="ctr" rtl="0">
+              <a:lnSpc>
+                <a:spcPct val="100000"/>
+              </a:lnSpc>
+              <a:spcBef>
+                <a:spcPts val="0"/>
+              </a:spcBef>
+              <a:spcAft>
+                <a:spcPts val="0"/>
+              </a:spcAft>
+              <a:buNone/>
+            </a:pPr>
+            <a:r>
+              <a:rPr lang="pt-BR" sz="1200">
+                <a:solidFill>
+                  <a:srgbClr val="FFFFFF"/>
+                </a:solidFill>
+                <a:latin typeface="Open Sans"/>
+                <a:ea typeface="Open Sans"/>
+                <a:cs typeface="Open Sans"/>
+                <a:sym typeface="Open Sans"/>
+              </a:rPr>
+              <a:t>&lt;body&gt;</a:t>
+            </a:r>
+            <a:endParaRPr sz="1200">
+              <a:solidFill>
+                <a:srgbClr val="FFFFFF"/>
+              </a:solidFill>
+              <a:latin typeface="Open Sans"/>
+              <a:ea typeface="Open Sans"/>
+              <a:cs typeface="Open Sans"/>
+              <a:sym typeface="Open Sans"/>
+            </a:endParaRPr>
+          </a:p>
+        </p:txBody>
+      </p:sp>
+      <p:cxnSp>
+        <p:nvCxnSpPr>
+          <p:cNvPr id="417" name="Google Shape;417;p43"/>
+          <p:cNvCxnSpPr>
+            <a:stCxn id="410" idx="2"/>
+            <a:endCxn id="411" idx="0"/>
+          </p:cNvCxnSpPr>
+          <p:nvPr/>
+        </p:nvCxnSpPr>
+        <p:spPr>
+          <a:xfrm rot="-5400000" flipH="1">
+            <a:off x="5491655" y="-313300"/>
+            <a:ext cx="388200" cy="2227500"/>
+          </a:xfrm>
+          <a:prstGeom prst="bentConnector3">
+            <a:avLst>
+              <a:gd name="adj1" fmla="val 50008"/>
+            </a:avLst>
+          </a:prstGeom>
+          <a:noFill/>
+          <a:ln w="9525" cap="flat" cmpd="sng">
+            <a:solidFill>
+              <a:srgbClr val="C2C2C2"/>
+            </a:solidFill>
+            <a:prstDash val="solid"/>
+            <a:round/>
+            <a:headEnd type="none" w="sm" len="sm"/>
+            <a:tailEnd type="none" w="sm" len="sm"/>
+          </a:ln>
+        </p:spPr>
+      </p:cxnSp>
+      <p:cxnSp>
+        <p:nvCxnSpPr>
+          <p:cNvPr id="418" name="Google Shape;418;p43"/>
+          <p:cNvCxnSpPr>
+            <a:stCxn id="412" idx="0"/>
+            <a:endCxn id="410" idx="2"/>
+          </p:cNvCxnSpPr>
+          <p:nvPr/>
+        </p:nvCxnSpPr>
+        <p:spPr>
+          <a:xfrm rot="-5400000">
+            <a:off x="4378201" y="800263"/>
+            <a:ext cx="388200" cy="600"/>
+          </a:xfrm>
+          <a:prstGeom prst="bentConnector3">
+            <a:avLst>
+              <a:gd name="adj1" fmla="val 50015"/>
+            </a:avLst>
+          </a:prstGeom>
+          <a:noFill/>
+          <a:ln w="9525" cap="flat" cmpd="sng">
+            <a:solidFill>
+              <a:srgbClr val="C2C2C2"/>
+            </a:solidFill>
+            <a:prstDash val="solid"/>
+            <a:round/>
+            <a:headEnd type="none" w="sm" len="sm"/>
+            <a:tailEnd type="none" w="sm" len="sm"/>
+          </a:ln>
+        </p:spPr>
+      </p:cxnSp>
+      <p:cxnSp>
+        <p:nvCxnSpPr>
+          <p:cNvPr id="419" name="Google Shape;419;p43"/>
+          <p:cNvCxnSpPr>
+            <a:stCxn id="412" idx="2"/>
+            <a:endCxn id="414" idx="0"/>
+          </p:cNvCxnSpPr>
+          <p:nvPr/>
+        </p:nvCxnSpPr>
+        <p:spPr>
+          <a:xfrm rot="-5400000" flipH="1">
+            <a:off x="4447651" y="1569913"/>
+            <a:ext cx="249300" cy="600"/>
+          </a:xfrm>
+          <a:prstGeom prst="bentConnector3">
+            <a:avLst>
+              <a:gd name="adj1" fmla="val 49971"/>
+            </a:avLst>
+          </a:prstGeom>
+          <a:noFill/>
+          <a:ln w="9525" cap="flat" cmpd="sng">
+            <a:solidFill>
+              <a:srgbClr val="C2C2C2"/>
+            </a:solidFill>
+            <a:prstDash val="solid"/>
+            <a:round/>
+            <a:headEnd type="none" w="sm" len="sm"/>
+            <a:tailEnd type="none" w="sm" len="sm"/>
+          </a:ln>
+        </p:spPr>
+      </p:cxnSp>
+      <p:cxnSp>
+        <p:nvCxnSpPr>
+          <p:cNvPr id="420" name="Google Shape;420;p43"/>
+          <p:cNvCxnSpPr>
+            <a:stCxn id="414" idx="2"/>
+            <a:endCxn id="416" idx="0"/>
+          </p:cNvCxnSpPr>
+          <p:nvPr/>
+        </p:nvCxnSpPr>
+        <p:spPr>
+          <a:xfrm rot="-5400000" flipH="1">
+            <a:off x="5263048" y="1454867"/>
+            <a:ext cx="312000" cy="1693500"/>
+          </a:xfrm>
+          <a:prstGeom prst="bentConnector3">
+            <a:avLst>
+              <a:gd name="adj1" fmla="val 49980"/>
+            </a:avLst>
+          </a:prstGeom>
+          <a:noFill/>
+          <a:ln w="9525" cap="flat" cmpd="sng">
+            <a:solidFill>
+              <a:srgbClr val="C2C2C2"/>
+            </a:solidFill>
+            <a:prstDash val="solid"/>
+            <a:round/>
+            <a:headEnd type="none" w="sm" len="sm"/>
+            <a:tailEnd type="none" w="sm" len="sm"/>
+          </a:ln>
+        </p:spPr>
+      </p:cxnSp>
+      <p:cxnSp>
+        <p:nvCxnSpPr>
+          <p:cNvPr id="421" name="Google Shape;421;p43"/>
+          <p:cNvCxnSpPr>
+            <a:stCxn id="415" idx="0"/>
+            <a:endCxn id="414" idx="2"/>
+          </p:cNvCxnSpPr>
+          <p:nvPr/>
+        </p:nvCxnSpPr>
+        <p:spPr>
+          <a:xfrm rot="-5400000">
+            <a:off x="3389228" y="1274290"/>
+            <a:ext cx="312000" cy="2054400"/>
+          </a:xfrm>
+          <a:prstGeom prst="bentConnector3">
+            <a:avLst>
+              <a:gd name="adj1" fmla="val 49980"/>
+            </a:avLst>
+          </a:prstGeom>
+          <a:noFill/>
+          <a:ln w="9525" cap="flat" cmpd="sng">
+            <a:solidFill>
+              <a:srgbClr val="C2C2C2"/>
+            </a:solidFill>
+            <a:prstDash val="solid"/>
+            <a:round/>
+            <a:headEnd type="none" w="sm" len="sm"/>
+            <a:tailEnd type="none" w="sm" len="sm"/>
+          </a:ln>
+        </p:spPr>
+      </p:cxnSp>
+      <p:sp>
+        <p:nvSpPr>
+          <p:cNvPr id="422" name="Google Shape;422;p43"/>
+          <p:cNvSpPr/>
+          <p:nvPr/>
+        </p:nvSpPr>
+        <p:spPr>
+          <a:xfrm>
+            <a:off x="1654950" y="994625"/>
+            <a:ext cx="1538100" cy="450900"/>
+          </a:xfrm>
+          <a:prstGeom prst="roundRect">
+            <a:avLst>
+              <a:gd name="adj" fmla="val 50000"/>
+            </a:avLst>
+          </a:prstGeom>
+          <a:solidFill>
+            <a:srgbClr val="7E59B9"/>
+          </a:solidFill>
+          <a:ln>
+            <a:noFill/>
+          </a:ln>
+        </p:spPr>
+        <p:txBody>
+          <a:bodyPr spcFirstLastPara="1" wrap="square" lIns="91425" tIns="91425" rIns="91425" bIns="91425" anchor="ctr" anchorCtr="0">
+            <a:noAutofit/>
+          </a:bodyPr>
+          <a:lstStyle/>
+          <a:p>
+            <a:pPr marL="0" marR="0" lvl="0" indent="0" algn="ctr" rtl="0">
+              <a:lnSpc>
+                <a:spcPct val="100000"/>
+              </a:lnSpc>
+              <a:spcBef>
+                <a:spcPts val="0"/>
+              </a:spcBef>
+              <a:spcAft>
+                <a:spcPts val="0"/>
+              </a:spcAft>
+              <a:buNone/>
+            </a:pPr>
+            <a:r>
+              <a:rPr lang="pt-BR" sz="1200">
+                <a:solidFill>
+                  <a:srgbClr val="FFFFFF"/>
+                </a:solidFill>
+                <a:latin typeface="Open Sans"/>
+                <a:ea typeface="Open Sans"/>
+                <a:cs typeface="Open Sans"/>
+                <a:sym typeface="Open Sans"/>
+              </a:rPr>
+              <a:t>location</a:t>
+            </a:r>
+            <a:endParaRPr sz="1200">
+              <a:solidFill>
+                <a:srgbClr val="FFFFFF"/>
+              </a:solidFill>
+              <a:latin typeface="Open Sans"/>
+              <a:ea typeface="Open Sans"/>
+              <a:cs typeface="Open Sans"/>
+              <a:sym typeface="Open Sans"/>
+            </a:endParaRPr>
+          </a:p>
+        </p:txBody>
+      </p:sp>
+      <p:cxnSp>
+        <p:nvCxnSpPr>
+          <p:cNvPr id="423" name="Google Shape;423;p43"/>
+          <p:cNvCxnSpPr>
+            <a:stCxn id="422" idx="0"/>
+            <a:endCxn id="410" idx="2"/>
+          </p:cNvCxnSpPr>
+          <p:nvPr/>
+        </p:nvCxnSpPr>
+        <p:spPr>
+          <a:xfrm rot="-5400000">
+            <a:off x="3303900" y="-273475"/>
+            <a:ext cx="388200" cy="2148000"/>
+          </a:xfrm>
+          <a:prstGeom prst="bentConnector3">
+            <a:avLst>
+              <a:gd name="adj1" fmla="val 50010"/>
+            </a:avLst>
+          </a:prstGeom>
+          <a:noFill/>
+          <a:ln w="9525" cap="flat" cmpd="sng">
+            <a:solidFill>
+              <a:srgbClr val="B7B7B7"/>
+            </a:solidFill>
+            <a:prstDash val="solid"/>
+            <a:round/>
+            <a:headEnd type="none" w="med" len="med"/>
+            <a:tailEnd type="none" w="med" len="med"/>
+          </a:ln>
+        </p:spPr>
+      </p:cxnSp>
+      <p:cxnSp>
+        <p:nvCxnSpPr>
+          <p:cNvPr id="424" name="Google Shape;424;p43"/>
+          <p:cNvCxnSpPr>
+            <a:stCxn id="413" idx="0"/>
+            <a:endCxn id="415" idx="2"/>
+          </p:cNvCxnSpPr>
+          <p:nvPr/>
+        </p:nvCxnSpPr>
+        <p:spPr>
+          <a:xfrm rot="-5400000">
+            <a:off x="2393678" y="3032656"/>
+            <a:ext cx="249300" cy="600"/>
+          </a:xfrm>
+          <a:prstGeom prst="bentConnector3">
+            <a:avLst>
+              <a:gd name="adj1" fmla="val 49983"/>
+            </a:avLst>
+          </a:prstGeom>
+          <a:noFill/>
+          <a:ln w="9525" cap="flat" cmpd="sng">
+            <a:solidFill>
+              <a:srgbClr val="999999"/>
+            </a:solidFill>
+            <a:prstDash val="solid"/>
+            <a:round/>
+            <a:headEnd type="none" w="med" len="med"/>
+            <a:tailEnd type="none" w="med" len="med"/>
+          </a:ln>
+        </p:spPr>
+      </p:cxnSp>
+      <p:sp>
+        <p:nvSpPr>
+          <p:cNvPr id="425" name="Google Shape;425;p43"/>
+          <p:cNvSpPr/>
+          <p:nvPr/>
+        </p:nvSpPr>
+        <p:spPr>
+          <a:xfrm>
+            <a:off x="1749278" y="3920341"/>
+            <a:ext cx="1538100" cy="450900"/>
+          </a:xfrm>
+          <a:prstGeom prst="roundRect">
+            <a:avLst>
+              <a:gd name="adj" fmla="val 50000"/>
+            </a:avLst>
+          </a:prstGeom>
+          <a:solidFill>
+            <a:srgbClr val="E72F85"/>
+          </a:solidFill>
+          <a:ln>
+            <a:noFill/>
+          </a:ln>
+        </p:spPr>
+        <p:txBody>
+          <a:bodyPr spcFirstLastPara="1" wrap="square" lIns="91425" tIns="91425" rIns="91425" bIns="91425" anchor="ctr" anchorCtr="0">
+            <a:noAutofit/>
+          </a:bodyPr>
+          <a:lstStyle/>
+          <a:p>
+            <a:pPr marL="0" marR="0" lvl="0" indent="0" algn="ctr" rtl="0">
+              <a:lnSpc>
+                <a:spcPct val="100000"/>
+              </a:lnSpc>
+              <a:spcBef>
+                <a:spcPts val="0"/>
+              </a:spcBef>
+              <a:spcAft>
+                <a:spcPts val="0"/>
+              </a:spcAft>
+              <a:buNone/>
+            </a:pPr>
+            <a:r>
+              <a:rPr lang="pt-BR" sz="1200">
+                <a:solidFill>
+                  <a:srgbClr val="FFFFFF"/>
+                </a:solidFill>
+                <a:latin typeface="Open Sans"/>
+                <a:ea typeface="Open Sans"/>
+                <a:cs typeface="Open Sans"/>
+                <a:sym typeface="Open Sans"/>
+              </a:rPr>
+              <a:t>Text</a:t>
+            </a:r>
+            <a:endParaRPr sz="1200">
+              <a:solidFill>
+                <a:srgbClr val="FFFFFF"/>
+              </a:solidFill>
+              <a:latin typeface="Open Sans"/>
+              <a:ea typeface="Open Sans"/>
+              <a:cs typeface="Open Sans"/>
+              <a:sym typeface="Open Sans"/>
+            </a:endParaRPr>
+          </a:p>
+          <a:p>
+            <a:pPr marL="0" marR="0" lvl="0" indent="0" algn="ctr" rtl="0">
+              <a:lnSpc>
+                <a:spcPct val="100000"/>
+              </a:lnSpc>
+              <a:spcBef>
+                <a:spcPts val="0"/>
+              </a:spcBef>
+              <a:spcAft>
+                <a:spcPts val="0"/>
+              </a:spcAft>
+              <a:buNone/>
+            </a:pPr>
+            <a:r>
+              <a:rPr lang="pt-BR" sz="1200">
+                <a:solidFill>
+                  <a:srgbClr val="FFFFFF"/>
+                </a:solidFill>
+                <a:latin typeface="Open Sans"/>
+                <a:ea typeface="Open Sans"/>
+                <a:cs typeface="Open Sans"/>
+                <a:sym typeface="Open Sans"/>
+              </a:rPr>
+              <a:t>Sciensa</a:t>
+            </a:r>
+            <a:endParaRPr sz="1200">
+              <a:solidFill>
+                <a:srgbClr val="FFFFFF"/>
+              </a:solidFill>
+              <a:latin typeface="Open Sans"/>
+              <a:ea typeface="Open Sans"/>
+              <a:cs typeface="Open Sans"/>
+              <a:sym typeface="Open Sans"/>
+            </a:endParaRPr>
+          </a:p>
+        </p:txBody>
+      </p:sp>
+      <p:cxnSp>
+        <p:nvCxnSpPr>
+          <p:cNvPr id="426" name="Google Shape;426;p43"/>
+          <p:cNvCxnSpPr>
+            <a:stCxn id="413" idx="2"/>
+            <a:endCxn id="425" idx="0"/>
+          </p:cNvCxnSpPr>
+          <p:nvPr/>
+        </p:nvCxnSpPr>
+        <p:spPr>
+          <a:xfrm rot="-5400000" flipH="1">
+            <a:off x="2362478" y="3764056"/>
+            <a:ext cx="311700" cy="600"/>
+          </a:xfrm>
+          <a:prstGeom prst="bentConnector3">
+            <a:avLst>
+              <a:gd name="adj1" fmla="val 50022"/>
+            </a:avLst>
+          </a:prstGeom>
+          <a:noFill/>
+          <a:ln w="9525" cap="flat" cmpd="sng">
+            <a:solidFill>
+              <a:srgbClr val="999999"/>
+            </a:solidFill>
+            <a:prstDash val="solid"/>
+            <a:round/>
+            <a:headEnd type="none" w="med" len="med"/>
+            <a:tailEnd type="none" w="med" len="med"/>
+          </a:ln>
+        </p:spPr>
+      </p:cxnSp>
+      <p:sp>
+        <p:nvSpPr>
+          <p:cNvPr id="427" name="Google Shape;427;p43"/>
+          <p:cNvSpPr/>
+          <p:nvPr/>
+        </p:nvSpPr>
+        <p:spPr>
+          <a:xfrm>
+            <a:off x="3972873" y="3207487"/>
+            <a:ext cx="1538100" cy="450900"/>
+          </a:xfrm>
+          <a:prstGeom prst="roundRect">
+            <a:avLst>
+              <a:gd name="adj" fmla="val 50000"/>
+            </a:avLst>
+          </a:prstGeom>
+          <a:solidFill>
+            <a:srgbClr val="E72F85"/>
+          </a:solidFill>
+          <a:ln>
+            <a:noFill/>
+          </a:ln>
+        </p:spPr>
+        <p:txBody>
+          <a:bodyPr spcFirstLastPara="1" wrap="square" lIns="91425" tIns="91425" rIns="91425" bIns="91425" anchor="ctr" anchorCtr="0">
+            <a:noAutofit/>
+          </a:bodyPr>
+          <a:lstStyle/>
+          <a:p>
+            <a:pPr marL="0" marR="0" lvl="0" indent="0" algn="ctr" rtl="0">
+              <a:lnSpc>
+                <a:spcPct val="100000"/>
+              </a:lnSpc>
+              <a:spcBef>
+                <a:spcPts val="0"/>
+              </a:spcBef>
+              <a:spcAft>
+                <a:spcPts val="0"/>
+              </a:spcAft>
+              <a:buNone/>
+            </a:pPr>
+            <a:r>
+              <a:rPr lang="pt-BR" sz="1200">
+                <a:solidFill>
+                  <a:srgbClr val="FFFFFF"/>
+                </a:solidFill>
+                <a:latin typeface="Open Sans"/>
+                <a:ea typeface="Open Sans"/>
+                <a:cs typeface="Open Sans"/>
+                <a:sym typeface="Open Sans"/>
+              </a:rPr>
+              <a:t>Element </a:t>
+            </a:r>
+            <a:endParaRPr sz="1200">
+              <a:solidFill>
+                <a:srgbClr val="FFFFFF"/>
+              </a:solidFill>
+              <a:latin typeface="Open Sans"/>
+              <a:ea typeface="Open Sans"/>
+              <a:cs typeface="Open Sans"/>
+              <a:sym typeface="Open Sans"/>
+            </a:endParaRPr>
+          </a:p>
+          <a:p>
+            <a:pPr marL="0" marR="0" lvl="0" indent="0" algn="ctr" rtl="0">
+              <a:lnSpc>
+                <a:spcPct val="100000"/>
+              </a:lnSpc>
+              <a:spcBef>
+                <a:spcPts val="0"/>
+              </a:spcBef>
+              <a:spcAft>
+                <a:spcPts val="0"/>
+              </a:spcAft>
+              <a:buNone/>
+            </a:pPr>
+            <a:r>
+              <a:rPr lang="pt-BR" sz="1200">
+                <a:solidFill>
+                  <a:srgbClr val="FFFFFF"/>
+                </a:solidFill>
+                <a:latin typeface="Open Sans"/>
+                <a:ea typeface="Open Sans"/>
+                <a:cs typeface="Open Sans"/>
+                <a:sym typeface="Open Sans"/>
+              </a:rPr>
+              <a:t>&lt;h1&gt;</a:t>
+            </a:r>
+            <a:endParaRPr sz="1200">
+              <a:solidFill>
+                <a:srgbClr val="FFFFFF"/>
+              </a:solidFill>
+              <a:latin typeface="Open Sans"/>
+              <a:ea typeface="Open Sans"/>
+              <a:cs typeface="Open Sans"/>
+              <a:sym typeface="Open Sans"/>
+            </a:endParaRPr>
+          </a:p>
+        </p:txBody>
+      </p:sp>
+      <p:cxnSp>
+        <p:nvCxnSpPr>
+          <p:cNvPr id="428" name="Google Shape;428;p43"/>
+          <p:cNvCxnSpPr>
+            <a:stCxn id="416" idx="2"/>
+            <a:endCxn id="427" idx="0"/>
+          </p:cNvCxnSpPr>
+          <p:nvPr/>
+        </p:nvCxnSpPr>
+        <p:spPr>
+          <a:xfrm rot="5400000">
+            <a:off x="5354374" y="2295940"/>
+            <a:ext cx="299100" cy="1524000"/>
+          </a:xfrm>
+          <a:prstGeom prst="bentConnector3">
+            <a:avLst>
+              <a:gd name="adj1" fmla="val 49999"/>
+            </a:avLst>
+          </a:prstGeom>
+          <a:noFill/>
+          <a:ln w="9525" cap="flat" cmpd="sng">
+            <a:solidFill>
+              <a:srgbClr val="C2C2C2"/>
+            </a:solidFill>
+            <a:prstDash val="solid"/>
+            <a:round/>
+            <a:headEnd type="none" w="sm" len="sm"/>
+            <a:tailEnd type="none" w="sm" len="sm"/>
+          </a:ln>
+        </p:spPr>
+      </p:cxnSp>
+      <p:sp>
+        <p:nvSpPr>
+          <p:cNvPr id="429" name="Google Shape;429;p43"/>
+          <p:cNvSpPr/>
+          <p:nvPr/>
+        </p:nvSpPr>
+        <p:spPr>
+          <a:xfrm>
+            <a:off x="3972880" y="3957484"/>
+            <a:ext cx="1538100" cy="450900"/>
+          </a:xfrm>
+          <a:prstGeom prst="roundRect">
+            <a:avLst>
+              <a:gd name="adj" fmla="val 50000"/>
+            </a:avLst>
+          </a:prstGeom>
+          <a:solidFill>
+            <a:srgbClr val="E72F85"/>
+          </a:solidFill>
+          <a:ln>
+            <a:noFill/>
+          </a:ln>
+        </p:spPr>
+        <p:txBody>
+          <a:bodyPr spcFirstLastPara="1" wrap="square" lIns="91425" tIns="91425" rIns="91425" bIns="91425" anchor="ctr" anchorCtr="0">
+            <a:noAutofit/>
+          </a:bodyPr>
+          <a:lstStyle/>
+          <a:p>
+            <a:pPr marL="0" marR="0" lvl="0" indent="0" algn="ctr" rtl="0">
+              <a:lnSpc>
+                <a:spcPct val="100000"/>
+              </a:lnSpc>
+              <a:spcBef>
+                <a:spcPts val="0"/>
+              </a:spcBef>
+              <a:spcAft>
+                <a:spcPts val="0"/>
+              </a:spcAft>
+              <a:buNone/>
+            </a:pPr>
+            <a:r>
+              <a:rPr lang="pt-BR" sz="1200">
+                <a:solidFill>
+                  <a:srgbClr val="FFFFFF"/>
+                </a:solidFill>
+                <a:latin typeface="Open Sans"/>
+                <a:ea typeface="Open Sans"/>
+                <a:cs typeface="Open Sans"/>
+                <a:sym typeface="Open Sans"/>
+              </a:rPr>
+              <a:t>Text</a:t>
+            </a:r>
+            <a:endParaRPr sz="1200">
+              <a:solidFill>
+                <a:srgbClr val="FFFFFF"/>
+              </a:solidFill>
+              <a:latin typeface="Open Sans"/>
+              <a:ea typeface="Open Sans"/>
+              <a:cs typeface="Open Sans"/>
+              <a:sym typeface="Open Sans"/>
+            </a:endParaRPr>
+          </a:p>
+          <a:p>
+            <a:pPr marL="0" marR="0" lvl="0" indent="0" algn="ctr" rtl="0">
+              <a:lnSpc>
+                <a:spcPct val="100000"/>
+              </a:lnSpc>
+              <a:spcBef>
+                <a:spcPts val="0"/>
+              </a:spcBef>
+              <a:spcAft>
+                <a:spcPts val="0"/>
+              </a:spcAft>
+              <a:buNone/>
+            </a:pPr>
+            <a:r>
+              <a:rPr lang="pt-BR" sz="1200">
+                <a:solidFill>
+                  <a:srgbClr val="FFFFFF"/>
+                </a:solidFill>
+                <a:latin typeface="Open Sans"/>
+                <a:ea typeface="Open Sans"/>
+                <a:cs typeface="Open Sans"/>
+                <a:sym typeface="Open Sans"/>
+              </a:rPr>
+              <a:t>Trainee</a:t>
+            </a:r>
+            <a:endParaRPr sz="1200">
+              <a:solidFill>
+                <a:srgbClr val="FFFFFF"/>
+              </a:solidFill>
+              <a:latin typeface="Open Sans"/>
+              <a:ea typeface="Open Sans"/>
+              <a:cs typeface="Open Sans"/>
+              <a:sym typeface="Open Sans"/>
+            </a:endParaRPr>
+          </a:p>
+        </p:txBody>
+      </p:sp>
+      <p:cxnSp>
+        <p:nvCxnSpPr>
+          <p:cNvPr id="430" name="Google Shape;430;p43"/>
+          <p:cNvCxnSpPr>
+            <a:stCxn id="427" idx="2"/>
+            <a:endCxn id="429" idx="0"/>
+          </p:cNvCxnSpPr>
+          <p:nvPr/>
+        </p:nvCxnSpPr>
+        <p:spPr>
+          <a:xfrm rot="-5400000" flipH="1">
+            <a:off x="4592673" y="3807637"/>
+            <a:ext cx="299100" cy="600"/>
+          </a:xfrm>
+          <a:prstGeom prst="bentConnector3">
+            <a:avLst>
+              <a:gd name="adj1" fmla="val 50000"/>
+            </a:avLst>
+          </a:prstGeom>
+          <a:noFill/>
+          <a:ln w="9525" cap="flat" cmpd="sng">
+            <a:solidFill>
+              <a:srgbClr val="C2C2C2"/>
+            </a:solidFill>
+            <a:prstDash val="solid"/>
+            <a:round/>
+            <a:headEnd type="none" w="sm" len="sm"/>
+            <a:tailEnd type="none" w="sm" len="sm"/>
+          </a:ln>
+        </p:spPr>
+      </p:cxnSp>
+      <p:sp>
+        <p:nvSpPr>
+          <p:cNvPr id="431" name="Google Shape;431;p43"/>
+          <p:cNvSpPr/>
+          <p:nvPr/>
+        </p:nvSpPr>
+        <p:spPr>
+          <a:xfrm>
+            <a:off x="7092050" y="3207436"/>
+            <a:ext cx="1538100" cy="450900"/>
+          </a:xfrm>
+          <a:prstGeom prst="roundRect">
+            <a:avLst>
+              <a:gd name="adj" fmla="val 50000"/>
+            </a:avLst>
+          </a:prstGeom>
+          <a:solidFill>
+            <a:srgbClr val="E72F85"/>
+          </a:solidFill>
+          <a:ln>
+            <a:noFill/>
+          </a:ln>
+        </p:spPr>
+        <p:txBody>
+          <a:bodyPr spcFirstLastPara="1" wrap="square" lIns="91425" tIns="91425" rIns="91425" bIns="91425" anchor="ctr" anchorCtr="0">
+            <a:noAutofit/>
+          </a:bodyPr>
+          <a:lstStyle/>
+          <a:p>
+            <a:pPr marL="0" marR="0" lvl="0" indent="0" algn="ctr" rtl="0">
+              <a:lnSpc>
+                <a:spcPct val="100000"/>
+              </a:lnSpc>
+              <a:spcBef>
+                <a:spcPts val="0"/>
+              </a:spcBef>
+              <a:spcAft>
+                <a:spcPts val="0"/>
+              </a:spcAft>
+              <a:buNone/>
+            </a:pPr>
+            <a:r>
+              <a:rPr lang="pt-BR" sz="1200">
+                <a:solidFill>
+                  <a:srgbClr val="FFFFFF"/>
+                </a:solidFill>
+                <a:latin typeface="Open Sans"/>
+                <a:ea typeface="Open Sans"/>
+                <a:cs typeface="Open Sans"/>
+                <a:sym typeface="Open Sans"/>
+              </a:rPr>
+              <a:t>Element </a:t>
+            </a:r>
+            <a:endParaRPr sz="1200">
+              <a:solidFill>
+                <a:srgbClr val="FFFFFF"/>
+              </a:solidFill>
+              <a:latin typeface="Open Sans"/>
+              <a:ea typeface="Open Sans"/>
+              <a:cs typeface="Open Sans"/>
+              <a:sym typeface="Open Sans"/>
+            </a:endParaRPr>
+          </a:p>
+          <a:p>
+            <a:pPr marL="0" marR="0" lvl="0" indent="0" algn="ctr" rtl="0">
+              <a:lnSpc>
+                <a:spcPct val="100000"/>
+              </a:lnSpc>
+              <a:spcBef>
+                <a:spcPts val="0"/>
+              </a:spcBef>
+              <a:spcAft>
+                <a:spcPts val="0"/>
+              </a:spcAft>
+              <a:buNone/>
+            </a:pPr>
+            <a:r>
+              <a:rPr lang="pt-BR" sz="1200">
+                <a:solidFill>
+                  <a:srgbClr val="FFFFFF"/>
+                </a:solidFill>
+                <a:latin typeface="Open Sans"/>
+                <a:ea typeface="Open Sans"/>
+                <a:cs typeface="Open Sans"/>
+                <a:sym typeface="Open Sans"/>
+              </a:rPr>
+              <a:t>&lt;div&gt;</a:t>
+            </a:r>
+            <a:endParaRPr sz="1200">
+              <a:solidFill>
+                <a:srgbClr val="FFFFFF"/>
+              </a:solidFill>
+              <a:latin typeface="Open Sans"/>
+              <a:ea typeface="Open Sans"/>
+              <a:cs typeface="Open Sans"/>
+              <a:sym typeface="Open Sans"/>
+            </a:endParaRPr>
+          </a:p>
+        </p:txBody>
+      </p:sp>
+      <p:cxnSp>
+        <p:nvCxnSpPr>
+          <p:cNvPr id="432" name="Google Shape;432;p43"/>
+          <p:cNvCxnSpPr>
+            <a:stCxn id="416" idx="2"/>
+            <a:endCxn id="431" idx="0"/>
+          </p:cNvCxnSpPr>
+          <p:nvPr/>
+        </p:nvCxnSpPr>
+        <p:spPr>
+          <a:xfrm rot="-5400000" flipH="1">
+            <a:off x="6913924" y="2260390"/>
+            <a:ext cx="299100" cy="1595100"/>
+          </a:xfrm>
+          <a:prstGeom prst="bentConnector3">
+            <a:avLst>
+              <a:gd name="adj1" fmla="val 49991"/>
+            </a:avLst>
+          </a:prstGeom>
+          <a:noFill/>
+          <a:ln w="9525" cap="flat" cmpd="sng">
+            <a:solidFill>
+              <a:srgbClr val="C2C2C2"/>
+            </a:solidFill>
+            <a:prstDash val="solid"/>
+            <a:round/>
+            <a:headEnd type="none" w="sm" len="sm"/>
+            <a:tailEnd type="none" w="sm" len="sm"/>
+          </a:ln>
+        </p:spPr>
+      </p:cxnSp>
+      <p:sp>
+        <p:nvSpPr>
+          <p:cNvPr id="433" name="Google Shape;433;p43"/>
+          <p:cNvSpPr/>
+          <p:nvPr/>
+        </p:nvSpPr>
+        <p:spPr>
+          <a:xfrm>
+            <a:off x="7086800" y="3892089"/>
+            <a:ext cx="1538100" cy="450900"/>
+          </a:xfrm>
+          <a:prstGeom prst="roundRect">
+            <a:avLst>
+              <a:gd name="adj" fmla="val 50000"/>
+            </a:avLst>
+          </a:prstGeom>
+          <a:solidFill>
+            <a:srgbClr val="E72F85"/>
+          </a:solidFill>
+          <a:ln>
+            <a:noFill/>
+          </a:ln>
+        </p:spPr>
+        <p:txBody>
+          <a:bodyPr spcFirstLastPara="1" wrap="square" lIns="91425" tIns="91425" rIns="91425" bIns="91425" anchor="ctr" anchorCtr="0">
+            <a:noAutofit/>
+          </a:bodyPr>
+          <a:lstStyle/>
+          <a:p>
+            <a:pPr marL="0" marR="0" lvl="0" indent="0" algn="ctr" rtl="0">
+              <a:lnSpc>
+                <a:spcPct val="100000"/>
+              </a:lnSpc>
+              <a:spcBef>
+                <a:spcPts val="0"/>
+              </a:spcBef>
+              <a:spcAft>
+                <a:spcPts val="0"/>
+              </a:spcAft>
+              <a:buNone/>
+            </a:pPr>
+            <a:r>
+              <a:rPr lang="pt-BR" sz="1200">
+                <a:solidFill>
+                  <a:srgbClr val="FFFFFF"/>
+                </a:solidFill>
+                <a:latin typeface="Open Sans"/>
+                <a:ea typeface="Open Sans"/>
+                <a:cs typeface="Open Sans"/>
+                <a:sym typeface="Open Sans"/>
+              </a:rPr>
+              <a:t>Element </a:t>
+            </a:r>
+            <a:endParaRPr sz="1200">
+              <a:solidFill>
+                <a:srgbClr val="FFFFFF"/>
+              </a:solidFill>
+              <a:latin typeface="Open Sans"/>
+              <a:ea typeface="Open Sans"/>
+              <a:cs typeface="Open Sans"/>
+              <a:sym typeface="Open Sans"/>
+            </a:endParaRPr>
+          </a:p>
+          <a:p>
+            <a:pPr marL="0" marR="0" lvl="0" indent="0" algn="ctr" rtl="0">
+              <a:lnSpc>
+                <a:spcPct val="100000"/>
+              </a:lnSpc>
+              <a:spcBef>
+                <a:spcPts val="0"/>
+              </a:spcBef>
+              <a:spcAft>
+                <a:spcPts val="0"/>
+              </a:spcAft>
+              <a:buNone/>
+            </a:pPr>
+            <a:r>
+              <a:rPr lang="pt-BR" sz="1200">
+                <a:solidFill>
+                  <a:srgbClr val="FFFFFF"/>
+                </a:solidFill>
+                <a:latin typeface="Open Sans"/>
+                <a:ea typeface="Open Sans"/>
+                <a:cs typeface="Open Sans"/>
+                <a:sym typeface="Open Sans"/>
+              </a:rPr>
+              <a:t>&lt;p&gt;</a:t>
+            </a:r>
+            <a:endParaRPr sz="1200">
+              <a:solidFill>
+                <a:srgbClr val="FFFFFF"/>
+              </a:solidFill>
+              <a:latin typeface="Open Sans"/>
+              <a:ea typeface="Open Sans"/>
+              <a:cs typeface="Open Sans"/>
+              <a:sym typeface="Open Sans"/>
+            </a:endParaRPr>
+          </a:p>
+        </p:txBody>
+      </p:sp>
+      <p:cxnSp>
+        <p:nvCxnSpPr>
+          <p:cNvPr id="434" name="Google Shape;434;p43"/>
+          <p:cNvCxnSpPr>
+            <a:stCxn id="431" idx="2"/>
+            <a:endCxn id="433" idx="0"/>
+          </p:cNvCxnSpPr>
+          <p:nvPr/>
+        </p:nvCxnSpPr>
+        <p:spPr>
+          <a:xfrm rot="5400000">
+            <a:off x="7741550" y="3772486"/>
+            <a:ext cx="233700" cy="5400"/>
+          </a:xfrm>
+          <a:prstGeom prst="bentConnector3">
+            <a:avLst>
+              <a:gd name="adj1" fmla="val 50011"/>
+            </a:avLst>
+          </a:prstGeom>
+          <a:noFill/>
+          <a:ln w="9525" cap="flat" cmpd="sng">
+            <a:solidFill>
+              <a:srgbClr val="C2C2C2"/>
+            </a:solidFill>
+            <a:prstDash val="solid"/>
+            <a:round/>
+            <a:headEnd type="none" w="sm" len="sm"/>
+            <a:tailEnd type="none" w="sm" len="sm"/>
+          </a:ln>
+        </p:spPr>
+      </p:cxnSp>
+      <p:sp>
+        <p:nvSpPr>
+          <p:cNvPr id="435" name="Google Shape;435;p43"/>
+          <p:cNvSpPr/>
+          <p:nvPr/>
+        </p:nvSpPr>
+        <p:spPr>
+          <a:xfrm>
+            <a:off x="7086806" y="4576741"/>
+            <a:ext cx="1538100" cy="450900"/>
+          </a:xfrm>
+          <a:prstGeom prst="roundRect">
+            <a:avLst>
+              <a:gd name="adj" fmla="val 50000"/>
+            </a:avLst>
+          </a:prstGeom>
+          <a:solidFill>
+            <a:srgbClr val="E72F85"/>
+          </a:solidFill>
+          <a:ln>
+            <a:noFill/>
+          </a:ln>
+        </p:spPr>
+        <p:txBody>
+          <a:bodyPr spcFirstLastPara="1" wrap="square" lIns="91425" tIns="91425" rIns="91425" bIns="91425" anchor="ctr" anchorCtr="0">
+            <a:noAutofit/>
+          </a:bodyPr>
+          <a:lstStyle/>
+          <a:p>
+            <a:pPr marL="0" marR="0" lvl="0" indent="0" algn="ctr" rtl="0">
+              <a:lnSpc>
+                <a:spcPct val="100000"/>
+              </a:lnSpc>
+              <a:spcBef>
+                <a:spcPts val="0"/>
+              </a:spcBef>
+              <a:spcAft>
+                <a:spcPts val="0"/>
+              </a:spcAft>
+              <a:buNone/>
+            </a:pPr>
+            <a:r>
+              <a:rPr lang="pt-BR" sz="1200">
+                <a:solidFill>
+                  <a:srgbClr val="FFFFFF"/>
+                </a:solidFill>
+                <a:latin typeface="Open Sans"/>
+                <a:ea typeface="Open Sans"/>
+                <a:cs typeface="Open Sans"/>
+                <a:sym typeface="Open Sans"/>
+              </a:rPr>
+              <a:t>Text</a:t>
+            </a:r>
+            <a:endParaRPr sz="1200">
+              <a:solidFill>
+                <a:srgbClr val="FFFFFF"/>
+              </a:solidFill>
+              <a:latin typeface="Open Sans"/>
+              <a:ea typeface="Open Sans"/>
+              <a:cs typeface="Open Sans"/>
+              <a:sym typeface="Open Sans"/>
+            </a:endParaRPr>
+          </a:p>
+          <a:p>
+            <a:pPr marL="0" marR="0" lvl="0" indent="0" algn="ctr" rtl="0">
+              <a:lnSpc>
+                <a:spcPct val="100000"/>
+              </a:lnSpc>
+              <a:spcBef>
+                <a:spcPts val="0"/>
+              </a:spcBef>
+              <a:spcAft>
+                <a:spcPts val="0"/>
+              </a:spcAft>
+              <a:buNone/>
+            </a:pPr>
+            <a:r>
+              <a:rPr lang="pt-BR" sz="1200">
+                <a:solidFill>
+                  <a:srgbClr val="FFFFFF"/>
+                </a:solidFill>
+                <a:latin typeface="Open Sans"/>
+                <a:ea typeface="Open Sans"/>
+                <a:cs typeface="Open Sans"/>
+                <a:sym typeface="Open Sans"/>
+              </a:rPr>
+              <a:t>Front</a:t>
+            </a:r>
+            <a:endParaRPr sz="1200">
+              <a:solidFill>
+                <a:srgbClr val="FFFFFF"/>
+              </a:solidFill>
+              <a:latin typeface="Open Sans"/>
+              <a:ea typeface="Open Sans"/>
+              <a:cs typeface="Open Sans"/>
+              <a:sym typeface="Open Sans"/>
+            </a:endParaRPr>
+          </a:p>
+        </p:txBody>
+      </p:sp>
+      <p:cxnSp>
+        <p:nvCxnSpPr>
+          <p:cNvPr id="436" name="Google Shape;436;p43"/>
+          <p:cNvCxnSpPr>
+            <a:stCxn id="433" idx="2"/>
+            <a:endCxn id="435" idx="0"/>
+          </p:cNvCxnSpPr>
+          <p:nvPr/>
+        </p:nvCxnSpPr>
+        <p:spPr>
+          <a:xfrm rot="-5400000" flipH="1">
+            <a:off x="7739300" y="4459539"/>
+            <a:ext cx="233700" cy="600"/>
+          </a:xfrm>
+          <a:prstGeom prst="bentConnector3">
+            <a:avLst>
+              <a:gd name="adj1" fmla="val 50011"/>
+            </a:avLst>
+          </a:prstGeom>
+          <a:noFill/>
+          <a:ln w="9525" cap="flat" cmpd="sng">
+            <a:solidFill>
+              <a:srgbClr val="C2C2C2"/>
+            </a:solidFill>
+            <a:prstDash val="solid"/>
+            <a:round/>
+            <a:headEnd type="none" w="sm" len="sm"/>
+            <a:tailEnd type="none" w="sm" len="sm"/>
+          </a:ln>
+        </p:spPr>
+      </p:cxnSp>
+    </p:spTree>
+    <p:extLst>
+      <p:ext uri="{BB962C8B-B14F-4D97-AF65-F5344CB8AC3E}">
+        <p14:creationId xmlns:p14="http://schemas.microsoft.com/office/powerpoint/2010/main" val="2152803309"/>
+      </p:ext>
+    </p:extLst>
+  </p:cSld>
+  <p:clrMapOvr>
+    <a:masterClrMapping/>
+  </p:clrMapOvr>
+  <p:timing>
+    <p:tnLst>
+      <p:par>
+        <p:cTn id="1" dur="indefinite" restart="never" nodeType="tmRoot">
+          <p:childTnLst>
+            <p:seq concurrent="1" nextAc="seek">
+              <p:cTn id="2" dur="indefinite" nodeType="mainSeq">
+                <p:childTnLst>
+                  <p:par>
+                    <p:cTn id="3" fill="hold">
+                      <p:stCondLst>
+                        <p:cond delay="indefinite"/>
+                      </p:stCondLst>
+                      <p:childTnLst>
+                        <p:par>
+                          <p:cTn id="4" fill="hold">
+                            <p:stCondLst>
+                              <p:cond delay="0"/>
+                            </p:stCondLst>
+                            <p:childTnLst>
+                              <p:par>
+                                <p:cTn id="5" presetID="10" presetClass="entr" presetSubtype="0" fill="hold" nodeType="clickEffect">
+                                  <p:stCondLst>
+                                    <p:cond delay="0"/>
+                                  </p:stCondLst>
+                                  <p:childTnLst>
+                                    <p:set>
+                                      <p:cBhvr>
+                                        <p:cTn id="6" dur="1" fill="hold">
+                                          <p:stCondLst>
+                                            <p:cond delay="0"/>
+                                          </p:stCondLst>
+                                        </p:cTn>
+                                        <p:tgtEl>
+                                          <p:spTgt spid="410"/>
+                                        </p:tgtEl>
+                                        <p:attrNameLst>
+                                          <p:attrName>style.visibility</p:attrName>
+                                        </p:attrNameLst>
+                                      </p:cBhvr>
+                                      <p:to>
+                                        <p:strVal val="visible"/>
+                                      </p:to>
+                                    </p:set>
+                                    <p:animEffect transition="in" filter="fade">
+                                      <p:cBhvr>
+                                        <p:cTn id="7" dur="1000"/>
+                                        <p:tgtEl>
+                                          <p:spTgt spid="410"/>
+                                        </p:tgtEl>
+                                      </p:cBhvr>
+                                    </p:animEffect>
+                                  </p:childTnLst>
+                                </p:cTn>
+                              </p:par>
+                            </p:childTnLst>
+                          </p:cTn>
+                        </p:par>
+                      </p:childTnLst>
+                    </p:cTn>
+                  </p:par>
+                  <p:par>
+                    <p:cTn id="8" fill="hold">
+                      <p:stCondLst>
+                        <p:cond delay="indefinite"/>
+                      </p:stCondLst>
+                      <p:childTnLst>
+                        <p:par>
+                          <p:cTn id="9" fill="hold">
+                            <p:stCondLst>
+                              <p:cond delay="0"/>
+                            </p:stCondLst>
+                            <p:childTnLst>
+                              <p:par>
+                                <p:cTn id="10" presetID="10" presetClass="entr" presetSubtype="0" fill="hold" nodeType="clickEffect">
+                                  <p:stCondLst>
+                                    <p:cond delay="0"/>
+                                  </p:stCondLst>
+                                  <p:childTnLst>
+                                    <p:set>
+                                      <p:cBhvr>
+                                        <p:cTn id="11" dur="1" fill="hold">
+                                          <p:stCondLst>
+                                            <p:cond delay="0"/>
+                                          </p:stCondLst>
+                                        </p:cTn>
+                                        <p:tgtEl>
+                                          <p:spTgt spid="422"/>
+                                        </p:tgtEl>
+                                        <p:attrNameLst>
+                                          <p:attrName>style.visibility</p:attrName>
+                                        </p:attrNameLst>
+                                      </p:cBhvr>
+                                      <p:to>
+                                        <p:strVal val="visible"/>
+                                      </p:to>
+                                    </p:set>
+                                    <p:animEffect transition="in" filter="fade">
+                                      <p:cBhvr>
+                                        <p:cTn id="12" dur="1000"/>
+                                        <p:tgtEl>
+                                          <p:spTgt spid="422"/>
+                                        </p:tgtEl>
+                                      </p:cBhvr>
+                                    </p:animEffect>
+                                  </p:childTnLst>
+                                </p:cTn>
+                              </p:par>
+                              <p:par>
+                                <p:cTn id="13" presetID="10" presetClass="entr" presetSubtype="0" fill="hold" nodeType="withEffect">
+                                  <p:stCondLst>
+                                    <p:cond delay="0"/>
+                                  </p:stCondLst>
+                                  <p:childTnLst>
+                                    <p:set>
+                                      <p:cBhvr>
+                                        <p:cTn id="14" dur="1" fill="hold">
+                                          <p:stCondLst>
+                                            <p:cond delay="0"/>
+                                          </p:stCondLst>
+                                        </p:cTn>
+                                        <p:tgtEl>
+                                          <p:spTgt spid="423"/>
+                                        </p:tgtEl>
+                                        <p:attrNameLst>
+                                          <p:attrName>style.visibility</p:attrName>
+                                        </p:attrNameLst>
+                                      </p:cBhvr>
+                                      <p:to>
+                                        <p:strVal val="visible"/>
+                                      </p:to>
+                                    </p:set>
+                                    <p:animEffect transition="in" filter="fade">
+                                      <p:cBhvr>
+                                        <p:cTn id="15" dur="1000"/>
+                                        <p:tgtEl>
+                                          <p:spTgt spid="423"/>
+                                        </p:tgtEl>
+                                      </p:cBhvr>
+                                    </p:animEffect>
+                                  </p:childTnLst>
+                                </p:cTn>
+                              </p:par>
+                            </p:childTnLst>
+                          </p:cTn>
+                        </p:par>
+                      </p:childTnLst>
+                    </p:cTn>
+                  </p:par>
+                  <p:par>
+                    <p:cTn id="16" fill="hold">
+                      <p:stCondLst>
+                        <p:cond delay="indefinite"/>
+                      </p:stCondLst>
+                      <p:childTnLst>
+                        <p:par>
+                          <p:cTn id="17" fill="hold">
+                            <p:stCondLst>
+                              <p:cond delay="0"/>
+                            </p:stCondLst>
+                            <p:childTnLst>
+                              <p:par>
+                                <p:cTn id="18" presetID="10" presetClass="entr" presetSubtype="0" fill="hold" nodeType="clickEffect">
+                                  <p:stCondLst>
+                                    <p:cond delay="0"/>
+                                  </p:stCondLst>
+                                  <p:childTnLst>
+                                    <p:set>
+                                      <p:cBhvr>
+                                        <p:cTn id="19" dur="1" fill="hold">
+                                          <p:stCondLst>
+                                            <p:cond delay="0"/>
+                                          </p:stCondLst>
+                                        </p:cTn>
+                                        <p:tgtEl>
+                                          <p:spTgt spid="417"/>
+                                        </p:tgtEl>
+                                        <p:attrNameLst>
+                                          <p:attrName>style.visibility</p:attrName>
+                                        </p:attrNameLst>
+                                      </p:cBhvr>
+                                      <p:to>
+                                        <p:strVal val="visible"/>
+                                      </p:to>
+                                    </p:set>
+                                    <p:animEffect transition="in" filter="fade">
+                                      <p:cBhvr>
+                                        <p:cTn id="20" dur="1000"/>
+                                        <p:tgtEl>
+                                          <p:spTgt spid="417"/>
+                                        </p:tgtEl>
+                                      </p:cBhvr>
+                                    </p:animEffect>
+                                  </p:childTnLst>
+                                </p:cTn>
+                              </p:par>
+                              <p:par>
+                                <p:cTn id="21" presetID="10" presetClass="entr" presetSubtype="0" fill="hold" nodeType="withEffect">
+                                  <p:stCondLst>
+                                    <p:cond delay="0"/>
+                                  </p:stCondLst>
+                                  <p:childTnLst>
+                                    <p:set>
+                                      <p:cBhvr>
+                                        <p:cTn id="22" dur="1" fill="hold">
+                                          <p:stCondLst>
+                                            <p:cond delay="0"/>
+                                          </p:stCondLst>
+                                        </p:cTn>
+                                        <p:tgtEl>
+                                          <p:spTgt spid="411"/>
+                                        </p:tgtEl>
+                                        <p:attrNameLst>
+                                          <p:attrName>style.visibility</p:attrName>
+                                        </p:attrNameLst>
+                                      </p:cBhvr>
+                                      <p:to>
+                                        <p:strVal val="visible"/>
+                                      </p:to>
+                                    </p:set>
+                                    <p:animEffect transition="in" filter="fade">
+                                      <p:cBhvr>
+                                        <p:cTn id="23" dur="1000"/>
+                                        <p:tgtEl>
+                                          <p:spTgt spid="411"/>
+                                        </p:tgtEl>
+                                      </p:cBhvr>
+                                    </p:animEffect>
+                                  </p:childTnLst>
+                                </p:cTn>
+                              </p:par>
+                            </p:childTnLst>
+                          </p:cTn>
+                        </p:par>
+                      </p:childTnLst>
+                    </p:cTn>
+                  </p:par>
+                  <p:par>
+                    <p:cTn id="24" fill="hold">
+                      <p:stCondLst>
+                        <p:cond delay="indefinite"/>
+                      </p:stCondLst>
+                      <p:childTnLst>
+                        <p:par>
+                          <p:cTn id="25" fill="hold">
+                            <p:stCondLst>
+                              <p:cond delay="0"/>
+                            </p:stCondLst>
+                            <p:childTnLst>
+                              <p:par>
+                                <p:cTn id="26" presetID="10" presetClass="entr" presetSubtype="0" fill="hold" nodeType="clickEffect">
+                                  <p:stCondLst>
+                                    <p:cond delay="0"/>
+                                  </p:stCondLst>
+                                  <p:childTnLst>
+                                    <p:set>
+                                      <p:cBhvr>
+                                        <p:cTn id="27" dur="1" fill="hold">
+                                          <p:stCondLst>
+                                            <p:cond delay="0"/>
+                                          </p:stCondLst>
+                                        </p:cTn>
+                                        <p:tgtEl>
+                                          <p:spTgt spid="418"/>
+                                        </p:tgtEl>
+                                        <p:attrNameLst>
+                                          <p:attrName>style.visibility</p:attrName>
+                                        </p:attrNameLst>
+                                      </p:cBhvr>
+                                      <p:to>
+                                        <p:strVal val="visible"/>
+                                      </p:to>
+                                    </p:set>
+                                    <p:animEffect transition="in" filter="fade">
+                                      <p:cBhvr>
+                                        <p:cTn id="28" dur="1000"/>
+                                        <p:tgtEl>
+                                          <p:spTgt spid="418"/>
+                                        </p:tgtEl>
+                                      </p:cBhvr>
+                                    </p:animEffect>
+                                  </p:childTnLst>
+                                </p:cTn>
+                              </p:par>
+                              <p:par>
+                                <p:cTn id="29" presetID="10" presetClass="entr" presetSubtype="0" fill="hold" nodeType="withEffect">
+                                  <p:stCondLst>
+                                    <p:cond delay="0"/>
+                                  </p:stCondLst>
+                                  <p:childTnLst>
+                                    <p:set>
+                                      <p:cBhvr>
+                                        <p:cTn id="30" dur="1" fill="hold">
+                                          <p:stCondLst>
+                                            <p:cond delay="0"/>
+                                          </p:stCondLst>
+                                        </p:cTn>
+                                        <p:tgtEl>
+                                          <p:spTgt spid="412"/>
+                                        </p:tgtEl>
+                                        <p:attrNameLst>
+                                          <p:attrName>style.visibility</p:attrName>
+                                        </p:attrNameLst>
+                                      </p:cBhvr>
+                                      <p:to>
+                                        <p:strVal val="visible"/>
+                                      </p:to>
+                                    </p:set>
+                                    <p:animEffect transition="in" filter="fade">
+                                      <p:cBhvr>
+                                        <p:cTn id="31" dur="1000"/>
+                                        <p:tgtEl>
+                                          <p:spTgt spid="412"/>
+                                        </p:tgtEl>
+                                      </p:cBhvr>
+                                    </p:animEffect>
+                                  </p:childTnLst>
+                                </p:cTn>
+                              </p:par>
+                            </p:childTnLst>
+                          </p:cTn>
+                        </p:par>
+                      </p:childTnLst>
+                    </p:cTn>
+                  </p:par>
+                  <p:par>
+                    <p:cTn id="32" fill="hold">
+                      <p:stCondLst>
+                        <p:cond delay="indefinite"/>
+                      </p:stCondLst>
+                      <p:childTnLst>
+                        <p:par>
+                          <p:cTn id="33" fill="hold">
+                            <p:stCondLst>
+                              <p:cond delay="0"/>
+                            </p:stCondLst>
+                            <p:childTnLst>
+                              <p:par>
+                                <p:cTn id="34" presetID="10" presetClass="entr" presetSubtype="0" fill="hold" nodeType="clickEffect">
+                                  <p:stCondLst>
+                                    <p:cond delay="0"/>
+                                  </p:stCondLst>
+                                  <p:childTnLst>
+                                    <p:set>
+                                      <p:cBhvr>
+                                        <p:cTn id="35" dur="1" fill="hold">
+                                          <p:stCondLst>
+                                            <p:cond delay="0"/>
+                                          </p:stCondLst>
+                                        </p:cTn>
+                                        <p:tgtEl>
+                                          <p:spTgt spid="419"/>
+                                        </p:tgtEl>
+                                        <p:attrNameLst>
+                                          <p:attrName>style.visibility</p:attrName>
+                                        </p:attrNameLst>
+                                      </p:cBhvr>
+                                      <p:to>
+                                        <p:strVal val="visible"/>
+                                      </p:to>
+                                    </p:set>
+                                    <p:animEffect transition="in" filter="fade">
+                                      <p:cBhvr>
+                                        <p:cTn id="36" dur="1000"/>
+                                        <p:tgtEl>
+                                          <p:spTgt spid="419"/>
+                                        </p:tgtEl>
+                                      </p:cBhvr>
+                                    </p:animEffect>
+                                  </p:childTnLst>
+                                </p:cTn>
+                              </p:par>
+                              <p:par>
+                                <p:cTn id="37" presetID="10" presetClass="entr" presetSubtype="0" fill="hold" nodeType="withEffect">
+                                  <p:stCondLst>
+                                    <p:cond delay="0"/>
+                                  </p:stCondLst>
+                                  <p:childTnLst>
+                                    <p:set>
+                                      <p:cBhvr>
+                                        <p:cTn id="38" dur="1" fill="hold">
+                                          <p:stCondLst>
+                                            <p:cond delay="0"/>
+                                          </p:stCondLst>
+                                        </p:cTn>
+                                        <p:tgtEl>
+                                          <p:spTgt spid="414"/>
+                                        </p:tgtEl>
+                                        <p:attrNameLst>
+                                          <p:attrName>style.visibility</p:attrName>
+                                        </p:attrNameLst>
+                                      </p:cBhvr>
+                                      <p:to>
+                                        <p:strVal val="visible"/>
+                                      </p:to>
+                                    </p:set>
+                                    <p:animEffect transition="in" filter="fade">
+                                      <p:cBhvr>
+                                        <p:cTn id="39" dur="1000"/>
+                                        <p:tgtEl>
+                                          <p:spTgt spid="414"/>
+                                        </p:tgtEl>
+                                      </p:cBhvr>
+                                    </p:animEffect>
+                                  </p:childTnLst>
+                                </p:cTn>
+                              </p:par>
+                            </p:childTnLst>
+                          </p:cTn>
+                        </p:par>
+                      </p:childTnLst>
+                    </p:cTn>
+                  </p:par>
+                  <p:par>
+                    <p:cTn id="40" fill="hold">
+                      <p:stCondLst>
+                        <p:cond delay="indefinite"/>
+                      </p:stCondLst>
+                      <p:childTnLst>
+                        <p:par>
+                          <p:cTn id="41" fill="hold">
+                            <p:stCondLst>
+                              <p:cond delay="0"/>
+                            </p:stCondLst>
+                            <p:childTnLst>
+                              <p:par>
+                                <p:cTn id="42" presetID="10" presetClass="entr" presetSubtype="0" fill="hold" nodeType="clickEffect">
+                                  <p:stCondLst>
+                                    <p:cond delay="0"/>
+                                  </p:stCondLst>
+                                  <p:childTnLst>
+                                    <p:set>
+                                      <p:cBhvr>
+                                        <p:cTn id="43" dur="1" fill="hold">
+                                          <p:stCondLst>
+                                            <p:cond delay="0"/>
+                                          </p:stCondLst>
+                                        </p:cTn>
+                                        <p:tgtEl>
+                                          <p:spTgt spid="421"/>
+                                        </p:tgtEl>
+                                        <p:attrNameLst>
+                                          <p:attrName>style.visibility</p:attrName>
+                                        </p:attrNameLst>
+                                      </p:cBhvr>
+                                      <p:to>
+                                        <p:strVal val="visible"/>
+                                      </p:to>
+                                    </p:set>
+                                    <p:animEffect transition="in" filter="fade">
+                                      <p:cBhvr>
+                                        <p:cTn id="44" dur="1000"/>
+                                        <p:tgtEl>
+                                          <p:spTgt spid="421"/>
+                                        </p:tgtEl>
+                                      </p:cBhvr>
+                                    </p:animEffect>
+                                  </p:childTnLst>
+                                </p:cTn>
+                              </p:par>
+                              <p:par>
+                                <p:cTn id="45" presetID="10" presetClass="entr" presetSubtype="0" fill="hold" nodeType="withEffect">
+                                  <p:stCondLst>
+                                    <p:cond delay="0"/>
+                                  </p:stCondLst>
+                                  <p:childTnLst>
+                                    <p:set>
+                                      <p:cBhvr>
+                                        <p:cTn id="46" dur="1" fill="hold">
+                                          <p:stCondLst>
+                                            <p:cond delay="0"/>
+                                          </p:stCondLst>
+                                        </p:cTn>
+                                        <p:tgtEl>
+                                          <p:spTgt spid="415"/>
+                                        </p:tgtEl>
+                                        <p:attrNameLst>
+                                          <p:attrName>style.visibility</p:attrName>
+                                        </p:attrNameLst>
+                                      </p:cBhvr>
+                                      <p:to>
+                                        <p:strVal val="visible"/>
+                                      </p:to>
+                                    </p:set>
+                                    <p:animEffect transition="in" filter="fade">
+                                      <p:cBhvr>
+                                        <p:cTn id="47" dur="1000"/>
+                                        <p:tgtEl>
+                                          <p:spTgt spid="415"/>
+                                        </p:tgtEl>
+                                      </p:cBhvr>
+                                    </p:animEffect>
+                                  </p:childTnLst>
+                                </p:cTn>
+                              </p:par>
+                            </p:childTnLst>
+                          </p:cTn>
+                        </p:par>
+                      </p:childTnLst>
+                    </p:cTn>
+                  </p:par>
+                  <p:par>
+                    <p:cTn id="48" fill="hold">
+                      <p:stCondLst>
+                        <p:cond delay="indefinite"/>
+                      </p:stCondLst>
+                      <p:childTnLst>
+                        <p:par>
+                          <p:cTn id="49" fill="hold">
+                            <p:stCondLst>
+                              <p:cond delay="0"/>
+                            </p:stCondLst>
+                            <p:childTnLst>
+                              <p:par>
+                                <p:cTn id="50" presetID="10" presetClass="entr" presetSubtype="0" fill="hold" nodeType="clickEffect">
+                                  <p:stCondLst>
+                                    <p:cond delay="0"/>
+                                  </p:stCondLst>
+                                  <p:childTnLst>
+                                    <p:set>
+                                      <p:cBhvr>
+                                        <p:cTn id="51" dur="1" fill="hold">
+                                          <p:stCondLst>
+                                            <p:cond delay="0"/>
+                                          </p:stCondLst>
+                                        </p:cTn>
+                                        <p:tgtEl>
+                                          <p:spTgt spid="413"/>
+                                        </p:tgtEl>
+                                        <p:attrNameLst>
+                                          <p:attrName>style.visibility</p:attrName>
+                                        </p:attrNameLst>
+                                      </p:cBhvr>
+                                      <p:to>
+                                        <p:strVal val="visible"/>
+                                      </p:to>
+                                    </p:set>
+                                    <p:animEffect transition="in" filter="fade">
+                                      <p:cBhvr>
+                                        <p:cTn id="52" dur="1000"/>
+                                        <p:tgtEl>
+                                          <p:spTgt spid="413"/>
+                                        </p:tgtEl>
+                                      </p:cBhvr>
+                                    </p:animEffect>
+                                  </p:childTnLst>
+                                </p:cTn>
+                              </p:par>
+                              <p:par>
+                                <p:cTn id="53" presetID="10" presetClass="entr" presetSubtype="0" fill="hold" nodeType="withEffect">
+                                  <p:stCondLst>
+                                    <p:cond delay="0"/>
+                                  </p:stCondLst>
+                                  <p:childTnLst>
+                                    <p:set>
+                                      <p:cBhvr>
+                                        <p:cTn id="54" dur="1" fill="hold">
+                                          <p:stCondLst>
+                                            <p:cond delay="0"/>
+                                          </p:stCondLst>
+                                        </p:cTn>
+                                        <p:tgtEl>
+                                          <p:spTgt spid="424"/>
+                                        </p:tgtEl>
+                                        <p:attrNameLst>
+                                          <p:attrName>style.visibility</p:attrName>
+                                        </p:attrNameLst>
+                                      </p:cBhvr>
+                                      <p:to>
+                                        <p:strVal val="visible"/>
+                                      </p:to>
+                                    </p:set>
+                                    <p:animEffect transition="in" filter="fade">
+                                      <p:cBhvr>
+                                        <p:cTn id="55" dur="1000"/>
+                                        <p:tgtEl>
+                                          <p:spTgt spid="424"/>
+                                        </p:tgtEl>
+                                      </p:cBhvr>
+                                    </p:animEffect>
+                                  </p:childTnLst>
+                                </p:cTn>
+                              </p:par>
+                              <p:par>
+                                <p:cTn id="56" presetID="10" presetClass="entr" presetSubtype="0" fill="hold" nodeType="withEffect">
+                                  <p:stCondLst>
+                                    <p:cond delay="0"/>
+                                  </p:stCondLst>
+                                  <p:childTnLst>
+                                    <p:set>
+                                      <p:cBhvr>
+                                        <p:cTn id="57" dur="1" fill="hold">
+                                          <p:stCondLst>
+                                            <p:cond delay="0"/>
+                                          </p:stCondLst>
+                                        </p:cTn>
+                                        <p:tgtEl>
+                                          <p:spTgt spid="426"/>
+                                        </p:tgtEl>
+                                        <p:attrNameLst>
+                                          <p:attrName>style.visibility</p:attrName>
+                                        </p:attrNameLst>
+                                      </p:cBhvr>
+                                      <p:to>
+                                        <p:strVal val="visible"/>
+                                      </p:to>
+                                    </p:set>
+                                    <p:animEffect transition="in" filter="fade">
+                                      <p:cBhvr>
+                                        <p:cTn id="58" dur="1000"/>
+                                        <p:tgtEl>
+                                          <p:spTgt spid="426"/>
+                                        </p:tgtEl>
+                                      </p:cBhvr>
+                                    </p:animEffect>
+                                  </p:childTnLst>
+                                </p:cTn>
+                              </p:par>
+                              <p:par>
+                                <p:cTn id="59" presetID="10" presetClass="entr" presetSubtype="0" fill="hold" nodeType="withEffect">
+                                  <p:stCondLst>
+                                    <p:cond delay="0"/>
+                                  </p:stCondLst>
+                                  <p:childTnLst>
+                                    <p:set>
+                                      <p:cBhvr>
+                                        <p:cTn id="60" dur="1" fill="hold">
+                                          <p:stCondLst>
+                                            <p:cond delay="0"/>
+                                          </p:stCondLst>
+                                        </p:cTn>
+                                        <p:tgtEl>
+                                          <p:spTgt spid="425"/>
+                                        </p:tgtEl>
+                                        <p:attrNameLst>
+                                          <p:attrName>style.visibility</p:attrName>
+                                        </p:attrNameLst>
+                                      </p:cBhvr>
+                                      <p:to>
+                                        <p:strVal val="visible"/>
+                                      </p:to>
+                                    </p:set>
+                                    <p:animEffect transition="in" filter="fade">
+                                      <p:cBhvr>
+                                        <p:cTn id="61" dur="1000"/>
+                                        <p:tgtEl>
+                                          <p:spTgt spid="425"/>
+                                        </p:tgtEl>
+                                      </p:cBhvr>
+                                    </p:animEffect>
+                                  </p:childTnLst>
+                                </p:cTn>
+                              </p:par>
+                            </p:childTnLst>
+                          </p:cTn>
+                        </p:par>
+                      </p:childTnLst>
+                    </p:cTn>
+                  </p:par>
+                  <p:par>
+                    <p:cTn id="62" fill="hold">
+                      <p:stCondLst>
+                        <p:cond delay="indefinite"/>
+                      </p:stCondLst>
+                      <p:childTnLst>
+                        <p:par>
+                          <p:cTn id="63" fill="hold">
+                            <p:stCondLst>
+                              <p:cond delay="0"/>
+                            </p:stCondLst>
+                            <p:childTnLst>
+                              <p:par>
+                                <p:cTn id="64" presetID="10" presetClass="entr" presetSubtype="0" fill="hold" nodeType="clickEffect">
+                                  <p:stCondLst>
+                                    <p:cond delay="0"/>
+                                  </p:stCondLst>
+                                  <p:childTnLst>
+                                    <p:set>
+                                      <p:cBhvr>
+                                        <p:cTn id="65" dur="1" fill="hold">
+                                          <p:stCondLst>
+                                            <p:cond delay="0"/>
+                                          </p:stCondLst>
+                                        </p:cTn>
+                                        <p:tgtEl>
+                                          <p:spTgt spid="420"/>
+                                        </p:tgtEl>
+                                        <p:attrNameLst>
+                                          <p:attrName>style.visibility</p:attrName>
+                                        </p:attrNameLst>
+                                      </p:cBhvr>
+                                      <p:to>
+                                        <p:strVal val="visible"/>
+                                      </p:to>
+                                    </p:set>
+                                    <p:animEffect transition="in" filter="fade">
+                                      <p:cBhvr>
+                                        <p:cTn id="66" dur="1000"/>
+                                        <p:tgtEl>
+                                          <p:spTgt spid="420"/>
+                                        </p:tgtEl>
+                                      </p:cBhvr>
+                                    </p:animEffect>
+                                  </p:childTnLst>
+                                </p:cTn>
+                              </p:par>
+                              <p:par>
+                                <p:cTn id="67" presetID="10" presetClass="entr" presetSubtype="0" fill="hold" nodeType="withEffect">
+                                  <p:stCondLst>
+                                    <p:cond delay="0"/>
+                                  </p:stCondLst>
+                                  <p:childTnLst>
+                                    <p:set>
+                                      <p:cBhvr>
+                                        <p:cTn id="68" dur="1" fill="hold">
+                                          <p:stCondLst>
+                                            <p:cond delay="0"/>
+                                          </p:stCondLst>
+                                        </p:cTn>
+                                        <p:tgtEl>
+                                          <p:spTgt spid="416"/>
+                                        </p:tgtEl>
+                                        <p:attrNameLst>
+                                          <p:attrName>style.visibility</p:attrName>
+                                        </p:attrNameLst>
+                                      </p:cBhvr>
+                                      <p:to>
+                                        <p:strVal val="visible"/>
+                                      </p:to>
+                                    </p:set>
+                                    <p:animEffect transition="in" filter="fade">
+                                      <p:cBhvr>
+                                        <p:cTn id="69" dur="1000"/>
+                                        <p:tgtEl>
+                                          <p:spTgt spid="416"/>
+                                        </p:tgtEl>
+                                      </p:cBhvr>
+                                    </p:animEffect>
+                                  </p:childTnLst>
+                                </p:cTn>
+                              </p:par>
+                            </p:childTnLst>
+                          </p:cTn>
+                        </p:par>
+                      </p:childTnLst>
+                    </p:cTn>
+                  </p:par>
+                  <p:par>
+                    <p:cTn id="70" fill="hold">
+                      <p:stCondLst>
+                        <p:cond delay="indefinite"/>
+                      </p:stCondLst>
+                      <p:childTnLst>
+                        <p:par>
+                          <p:cTn id="71" fill="hold">
+                            <p:stCondLst>
+                              <p:cond delay="0"/>
+                            </p:stCondLst>
+                            <p:childTnLst>
+                              <p:par>
+                                <p:cTn id="72" presetID="10" presetClass="entr" presetSubtype="0" fill="hold" nodeType="clickEffect">
+                                  <p:stCondLst>
+                                    <p:cond delay="0"/>
+                                  </p:stCondLst>
+                                  <p:childTnLst>
+                                    <p:set>
+                                      <p:cBhvr>
+                                        <p:cTn id="73" dur="1" fill="hold">
+                                          <p:stCondLst>
+                                            <p:cond delay="0"/>
+                                          </p:stCondLst>
+                                        </p:cTn>
+                                        <p:tgtEl>
+                                          <p:spTgt spid="427"/>
+                                        </p:tgtEl>
+                                        <p:attrNameLst>
+                                          <p:attrName>style.visibility</p:attrName>
+                                        </p:attrNameLst>
+                                      </p:cBhvr>
+                                      <p:to>
+                                        <p:strVal val="visible"/>
+                                      </p:to>
+                                    </p:set>
+                                    <p:animEffect transition="in" filter="fade">
+                                      <p:cBhvr>
+                                        <p:cTn id="74" dur="1000"/>
+                                        <p:tgtEl>
+                                          <p:spTgt spid="427"/>
+                                        </p:tgtEl>
+                                      </p:cBhvr>
+                                    </p:animEffect>
+                                  </p:childTnLst>
+                                </p:cTn>
+                              </p:par>
+                              <p:par>
+                                <p:cTn id="75" presetID="10" presetClass="entr" presetSubtype="0" fill="hold" nodeType="withEffect">
+                                  <p:stCondLst>
+                                    <p:cond delay="0"/>
+                                  </p:stCondLst>
+                                  <p:childTnLst>
+                                    <p:set>
+                                      <p:cBhvr>
+                                        <p:cTn id="76" dur="1" fill="hold">
+                                          <p:stCondLst>
+                                            <p:cond delay="0"/>
+                                          </p:stCondLst>
+                                        </p:cTn>
+                                        <p:tgtEl>
+                                          <p:spTgt spid="428"/>
+                                        </p:tgtEl>
+                                        <p:attrNameLst>
+                                          <p:attrName>style.visibility</p:attrName>
+                                        </p:attrNameLst>
+                                      </p:cBhvr>
+                                      <p:to>
+                                        <p:strVal val="visible"/>
+                                      </p:to>
+                                    </p:set>
+                                    <p:animEffect transition="in" filter="fade">
+                                      <p:cBhvr>
+                                        <p:cTn id="77" dur="1000"/>
+                                        <p:tgtEl>
+                                          <p:spTgt spid="428"/>
+                                        </p:tgtEl>
+                                      </p:cBhvr>
+                                    </p:animEffect>
+                                  </p:childTnLst>
+                                </p:cTn>
+                              </p:par>
+                              <p:par>
+                                <p:cTn id="78" presetID="10" presetClass="entr" presetSubtype="0" fill="hold" nodeType="withEffect">
+                                  <p:stCondLst>
+                                    <p:cond delay="0"/>
+                                  </p:stCondLst>
+                                  <p:childTnLst>
+                                    <p:set>
+                                      <p:cBhvr>
+                                        <p:cTn id="79" dur="1" fill="hold">
+                                          <p:stCondLst>
+                                            <p:cond delay="0"/>
+                                          </p:stCondLst>
+                                        </p:cTn>
+                                        <p:tgtEl>
+                                          <p:spTgt spid="430"/>
+                                        </p:tgtEl>
+                                        <p:attrNameLst>
+                                          <p:attrName>style.visibility</p:attrName>
+                                        </p:attrNameLst>
+                                      </p:cBhvr>
+                                      <p:to>
+                                        <p:strVal val="visible"/>
+                                      </p:to>
+                                    </p:set>
+                                    <p:animEffect transition="in" filter="fade">
+                                      <p:cBhvr>
+                                        <p:cTn id="80" dur="1000"/>
+                                        <p:tgtEl>
+                                          <p:spTgt spid="430"/>
+                                        </p:tgtEl>
+                                      </p:cBhvr>
+                                    </p:animEffect>
+                                  </p:childTnLst>
+                                </p:cTn>
+                              </p:par>
+                              <p:par>
+                                <p:cTn id="81" presetID="10" presetClass="entr" presetSubtype="0" fill="hold" nodeType="withEffect">
+                                  <p:stCondLst>
+                                    <p:cond delay="0"/>
+                                  </p:stCondLst>
+                                  <p:childTnLst>
+                                    <p:set>
+                                      <p:cBhvr>
+                                        <p:cTn id="82" dur="1" fill="hold">
+                                          <p:stCondLst>
+                                            <p:cond delay="0"/>
+                                          </p:stCondLst>
+                                        </p:cTn>
+                                        <p:tgtEl>
+                                          <p:spTgt spid="429"/>
+                                        </p:tgtEl>
+                                        <p:attrNameLst>
+                                          <p:attrName>style.visibility</p:attrName>
+                                        </p:attrNameLst>
+                                      </p:cBhvr>
+                                      <p:to>
+                                        <p:strVal val="visible"/>
+                                      </p:to>
+                                    </p:set>
+                                    <p:animEffect transition="in" filter="fade">
+                                      <p:cBhvr>
+                                        <p:cTn id="83" dur="1000"/>
+                                        <p:tgtEl>
+                                          <p:spTgt spid="429"/>
+                                        </p:tgtEl>
+                                      </p:cBhvr>
+                                    </p:animEffect>
+                                  </p:childTnLst>
+                                </p:cTn>
+                              </p:par>
+                            </p:childTnLst>
+                          </p:cTn>
+                        </p:par>
+                      </p:childTnLst>
+                    </p:cTn>
+                  </p:par>
+                  <p:par>
+                    <p:cTn id="84" fill="hold">
+                      <p:stCondLst>
+                        <p:cond delay="indefinite"/>
+                      </p:stCondLst>
+                      <p:childTnLst>
+                        <p:par>
+                          <p:cTn id="85" fill="hold">
+                            <p:stCondLst>
+                              <p:cond delay="0"/>
+                            </p:stCondLst>
+                            <p:childTnLst>
+                              <p:par>
+                                <p:cTn id="86" presetID="10" presetClass="entr" presetSubtype="0" fill="hold" nodeType="clickEffect">
+                                  <p:stCondLst>
+                                    <p:cond delay="0"/>
+                                  </p:stCondLst>
+                                  <p:childTnLst>
+                                    <p:set>
+                                      <p:cBhvr>
+                                        <p:cTn id="87" dur="1" fill="hold">
+                                          <p:stCondLst>
+                                            <p:cond delay="0"/>
+                                          </p:stCondLst>
+                                        </p:cTn>
+                                        <p:tgtEl>
+                                          <p:spTgt spid="431"/>
+                                        </p:tgtEl>
+                                        <p:attrNameLst>
+                                          <p:attrName>style.visibility</p:attrName>
+                                        </p:attrNameLst>
+                                      </p:cBhvr>
+                                      <p:to>
+                                        <p:strVal val="visible"/>
+                                      </p:to>
+                                    </p:set>
+                                    <p:animEffect transition="in" filter="fade">
+                                      <p:cBhvr>
+                                        <p:cTn id="88" dur="1000"/>
+                                        <p:tgtEl>
+                                          <p:spTgt spid="431"/>
+                                        </p:tgtEl>
+                                      </p:cBhvr>
+                                    </p:animEffect>
+                                  </p:childTnLst>
+                                </p:cTn>
+                              </p:par>
+                              <p:par>
+                                <p:cTn id="89" presetID="10" presetClass="entr" presetSubtype="0" fill="hold" nodeType="withEffect">
+                                  <p:stCondLst>
+                                    <p:cond delay="0"/>
+                                  </p:stCondLst>
+                                  <p:childTnLst>
+                                    <p:set>
+                                      <p:cBhvr>
+                                        <p:cTn id="90" dur="1" fill="hold">
+                                          <p:stCondLst>
+                                            <p:cond delay="0"/>
+                                          </p:stCondLst>
+                                        </p:cTn>
+                                        <p:tgtEl>
+                                          <p:spTgt spid="432"/>
+                                        </p:tgtEl>
+                                        <p:attrNameLst>
+                                          <p:attrName>style.visibility</p:attrName>
+                                        </p:attrNameLst>
+                                      </p:cBhvr>
+                                      <p:to>
+                                        <p:strVal val="visible"/>
+                                      </p:to>
+                                    </p:set>
+                                    <p:animEffect transition="in" filter="fade">
+                                      <p:cBhvr>
+                                        <p:cTn id="91" dur="1000"/>
+                                        <p:tgtEl>
+                                          <p:spTgt spid="432"/>
+                                        </p:tgtEl>
+                                      </p:cBhvr>
+                                    </p:animEffect>
+                                  </p:childTnLst>
+                                </p:cTn>
+                              </p:par>
+                              <p:par>
+                                <p:cTn id="92" presetID="10" presetClass="entr" presetSubtype="0" fill="hold" nodeType="withEffect">
+                                  <p:stCondLst>
+                                    <p:cond delay="0"/>
+                                  </p:stCondLst>
+                                  <p:childTnLst>
+                                    <p:set>
+                                      <p:cBhvr>
+                                        <p:cTn id="93" dur="1" fill="hold">
+                                          <p:stCondLst>
+                                            <p:cond delay="0"/>
+                                          </p:stCondLst>
+                                        </p:cTn>
+                                        <p:tgtEl>
+                                          <p:spTgt spid="433"/>
+                                        </p:tgtEl>
+                                        <p:attrNameLst>
+                                          <p:attrName>style.visibility</p:attrName>
+                                        </p:attrNameLst>
+                                      </p:cBhvr>
+                                      <p:to>
+                                        <p:strVal val="visible"/>
+                                      </p:to>
+                                    </p:set>
+                                    <p:animEffect transition="in" filter="fade">
+                                      <p:cBhvr>
+                                        <p:cTn id="94" dur="1000"/>
+                                        <p:tgtEl>
+                                          <p:spTgt spid="433"/>
+                                        </p:tgtEl>
+                                      </p:cBhvr>
+                                    </p:animEffect>
+                                  </p:childTnLst>
+                                </p:cTn>
+                              </p:par>
+                              <p:par>
+                                <p:cTn id="95" presetID="10" presetClass="entr" presetSubtype="0" fill="hold" nodeType="withEffect">
+                                  <p:stCondLst>
+                                    <p:cond delay="0"/>
+                                  </p:stCondLst>
+                                  <p:childTnLst>
+                                    <p:set>
+                                      <p:cBhvr>
+                                        <p:cTn id="96" dur="1" fill="hold">
+                                          <p:stCondLst>
+                                            <p:cond delay="0"/>
+                                          </p:stCondLst>
+                                        </p:cTn>
+                                        <p:tgtEl>
+                                          <p:spTgt spid="434"/>
+                                        </p:tgtEl>
+                                        <p:attrNameLst>
+                                          <p:attrName>style.visibility</p:attrName>
+                                        </p:attrNameLst>
+                                      </p:cBhvr>
+                                      <p:to>
+                                        <p:strVal val="visible"/>
+                                      </p:to>
+                                    </p:set>
+                                    <p:animEffect transition="in" filter="fade">
+                                      <p:cBhvr>
+                                        <p:cTn id="97" dur="1000"/>
+                                        <p:tgtEl>
+                                          <p:spTgt spid="434"/>
+                                        </p:tgtEl>
+                                      </p:cBhvr>
+                                    </p:animEffect>
+                                  </p:childTnLst>
+                                </p:cTn>
+                              </p:par>
+                              <p:par>
+                                <p:cTn id="98" presetID="10" presetClass="entr" presetSubtype="0" fill="hold" nodeType="withEffect">
+                                  <p:stCondLst>
+                                    <p:cond delay="0"/>
+                                  </p:stCondLst>
+                                  <p:childTnLst>
+                                    <p:set>
+                                      <p:cBhvr>
+                                        <p:cTn id="99" dur="1" fill="hold">
+                                          <p:stCondLst>
+                                            <p:cond delay="0"/>
+                                          </p:stCondLst>
+                                        </p:cTn>
+                                        <p:tgtEl>
+                                          <p:spTgt spid="436"/>
+                                        </p:tgtEl>
+                                        <p:attrNameLst>
+                                          <p:attrName>style.visibility</p:attrName>
+                                        </p:attrNameLst>
+                                      </p:cBhvr>
+                                      <p:to>
+                                        <p:strVal val="visible"/>
+                                      </p:to>
+                                    </p:set>
+                                    <p:animEffect transition="in" filter="fade">
+                                      <p:cBhvr>
+                                        <p:cTn id="100" dur="1000"/>
+                                        <p:tgtEl>
+                                          <p:spTgt spid="436"/>
+                                        </p:tgtEl>
+                                      </p:cBhvr>
+                                    </p:animEffect>
+                                  </p:childTnLst>
+                                </p:cTn>
+                              </p:par>
+                              <p:par>
+                                <p:cTn id="101" presetID="10" presetClass="entr" presetSubtype="0" fill="hold" nodeType="withEffect">
+                                  <p:stCondLst>
+                                    <p:cond delay="0"/>
+                                  </p:stCondLst>
+                                  <p:childTnLst>
+                                    <p:set>
+                                      <p:cBhvr>
+                                        <p:cTn id="102" dur="1" fill="hold">
+                                          <p:stCondLst>
+                                            <p:cond delay="0"/>
+                                          </p:stCondLst>
+                                        </p:cTn>
+                                        <p:tgtEl>
+                                          <p:spTgt spid="435"/>
+                                        </p:tgtEl>
+                                        <p:attrNameLst>
+                                          <p:attrName>style.visibility</p:attrName>
+                                        </p:attrNameLst>
+                                      </p:cBhvr>
+                                      <p:to>
+                                        <p:strVal val="visible"/>
+                                      </p:to>
+                                    </p:set>
+                                    <p:animEffect transition="in" filter="fade">
+                                      <p:cBhvr>
+                                        <p:cTn id="103" dur="1000"/>
+                                        <p:tgtEl>
+                                          <p:spTgt spid="435"/>
+                                        </p:tgtEl>
+                                      </p:cBhvr>
+                                    </p:animEffect>
+                                  </p:childTnLst>
+                                </p:cTn>
+                              </p:par>
+                            </p:childTnLst>
+                          </p:cTn>
+                        </p:par>
+                      </p:childTnLst>
+                    </p:cTn>
+                  </p:par>
+                </p:childTnLst>
+              </p:cTn>
+              <p:prevCondLst>
+                <p:cond evt="onPrev" delay="0">
+                  <p:tgtEl>
+                    <p:sldTgt/>
+                  </p:tgtEl>
+                </p:cond>
+              </p:prevCondLst>
+              <p:nextCondLst>
+                <p:cond evt="onNext" delay="0">
+                  <p:tgtEl>
+                    <p:sldTgt/>
+                  </p:tgtEl>
+                </p:cond>
+              </p:nextCondLst>
+            </p:seq>
+          </p:childTnLst>
+        </p:cTn>
+      </p:par>
+    </p:tnLst>
+  </p:timing>
+</p:sld>
+</file>
+
+<file path=ppt/slides/slide32.xml><?xml version="1.0" encoding="utf-8"?>
+<p:sld xmlns:a="http://schemas.openxmlformats.org/drawingml/2006/main" xmlns:r="http://schemas.openxmlformats.org/officeDocument/2006/relationships" xmlns:p="http://schemas.openxmlformats.org/presentationml/2006/main">
+  <p:cSld>
+    <p:spTree>
+      <p:nvGrpSpPr>
+        <p:cNvPr id="1" name="Shape 440"/>
+        <p:cNvGrpSpPr/>
+        <p:nvPr/>
+      </p:nvGrpSpPr>
+      <p:grpSpPr>
+        <a:xfrm>
+          <a:off x="0" y="0"/>
+          <a:ext cx="0" cy="0"/>
+          <a:chOff x="0" y="0"/>
+          <a:chExt cx="0" cy="0"/>
+        </a:xfrm>
+      </p:grpSpPr>
+      <p:sp>
+        <p:nvSpPr>
+          <p:cNvPr id="441" name="Google Shape;441;p44"/>
+          <p:cNvSpPr txBox="1"/>
+          <p:nvPr/>
+        </p:nvSpPr>
+        <p:spPr>
+          <a:xfrm>
+            <a:off x="1850250" y="571327"/>
+            <a:ext cx="5443500" cy="563100"/>
+          </a:xfrm>
+          <a:prstGeom prst="rect">
+            <a:avLst/>
+          </a:prstGeom>
+          <a:noFill/>
+          <a:ln>
+            <a:noFill/>
+          </a:ln>
+        </p:spPr>
+        <p:txBody>
+          <a:bodyPr spcFirstLastPara="1" wrap="square" lIns="91425" tIns="91425" rIns="91425" bIns="91425" anchor="t" anchorCtr="0">
+            <a:noAutofit/>
+          </a:bodyPr>
+          <a:lstStyle/>
+          <a:p>
+            <a:pPr marL="0" lvl="0" indent="0" algn="ctr" rtl="0">
+              <a:lnSpc>
+                <a:spcPct val="100000"/>
+              </a:lnSpc>
+              <a:spcBef>
+                <a:spcPts val="0"/>
+              </a:spcBef>
+              <a:spcAft>
+                <a:spcPts val="0"/>
+              </a:spcAft>
+              <a:buNone/>
+            </a:pPr>
+            <a:r>
+              <a:rPr lang="pt-BR" sz="2500" b="1">
+                <a:solidFill>
+                  <a:srgbClr val="434343"/>
+                </a:solidFill>
+                <a:latin typeface="Open Sans"/>
+                <a:ea typeface="Open Sans"/>
+                <a:cs typeface="Open Sans"/>
+                <a:sym typeface="Open Sans"/>
+              </a:rPr>
+              <a:t>Kahoot! Javascript e ECMA6</a:t>
+            </a:r>
+            <a:endParaRPr sz="2500">
+              <a:solidFill>
+                <a:srgbClr val="434343"/>
+              </a:solidFill>
+              <a:latin typeface="Open Sans"/>
+              <a:ea typeface="Open Sans"/>
+              <a:cs typeface="Open Sans"/>
+              <a:sym typeface="Open Sans"/>
+            </a:endParaRPr>
+          </a:p>
+        </p:txBody>
+      </p:sp>
+      <p:pic>
+        <p:nvPicPr>
+          <p:cNvPr id="442" name="Google Shape;442;p44"/>
+          <p:cNvPicPr preferRelativeResize="0"/>
+          <p:nvPr/>
+        </p:nvPicPr>
+        <p:blipFill>
+          <a:blip r:embed="rId3">
+            <a:alphaModFix amt="40000"/>
+          </a:blip>
+          <a:stretch>
+            <a:fillRect/>
+          </a:stretch>
+        </p:blipFill>
+        <p:spPr>
+          <a:xfrm rot="-9965328">
+            <a:off x="5818738" y="-2026608"/>
+            <a:ext cx="4526224" cy="4526243"/>
+          </a:xfrm>
+          <a:prstGeom prst="rect">
+            <a:avLst/>
+          </a:prstGeom>
+          <a:noFill/>
+          <a:ln>
+            <a:noFill/>
+          </a:ln>
+        </p:spPr>
+      </p:pic>
+      <p:pic>
+        <p:nvPicPr>
+          <p:cNvPr id="443" name="Google Shape;443;p44"/>
+          <p:cNvPicPr preferRelativeResize="0"/>
+          <p:nvPr/>
+        </p:nvPicPr>
+        <p:blipFill>
+          <a:blip r:embed="rId4">
+            <a:alphaModFix/>
+          </a:blip>
+          <a:stretch>
+            <a:fillRect/>
+          </a:stretch>
+        </p:blipFill>
+        <p:spPr>
+          <a:xfrm rot="-3561828">
+            <a:off x="-2820050" y="2971575"/>
+            <a:ext cx="5143501" cy="5143501"/>
+          </a:xfrm>
+          <a:prstGeom prst="rect">
+            <a:avLst/>
+          </a:prstGeom>
+          <a:noFill/>
+          <a:ln>
+            <a:noFill/>
+          </a:ln>
+        </p:spPr>
+      </p:pic>
+      <p:pic>
+        <p:nvPicPr>
+          <p:cNvPr id="444" name="Google Shape;444;p44"/>
+          <p:cNvPicPr preferRelativeResize="0"/>
+          <p:nvPr/>
+        </p:nvPicPr>
+        <p:blipFill>
+          <a:blip r:embed="rId5">
+            <a:alphaModFix/>
+          </a:blip>
+          <a:stretch>
+            <a:fillRect/>
+          </a:stretch>
+        </p:blipFill>
+        <p:spPr>
+          <a:xfrm>
+            <a:off x="3048000" y="1352550"/>
+            <a:ext cx="3048000" cy="3048000"/>
+          </a:xfrm>
+          <a:prstGeom prst="rect">
+            <a:avLst/>
+          </a:prstGeom>
+          <a:noFill/>
+          <a:ln>
+            <a:noFill/>
+          </a:ln>
+        </p:spPr>
+      </p:pic>
+    </p:spTree>
+    <p:extLst>
+      <p:ext uri="{BB962C8B-B14F-4D97-AF65-F5344CB8AC3E}">
+        <p14:creationId xmlns:p14="http://schemas.microsoft.com/office/powerpoint/2010/main" val="101938775"/>
+      </p:ext>
+    </p:extLst>
+  </p:cSld>
+  <p:clrMapOvr>
+    <a:masterClrMapping/>
+  </p:clrMapOvr>
+</p:sld>
+</file>
+
+<file path=ppt/slides/slide33.xml><?xml version="1.0" encoding="utf-8"?>
+<p:sld xmlns:a="http://schemas.openxmlformats.org/drawingml/2006/main" xmlns:r="http://schemas.openxmlformats.org/officeDocument/2006/relationships" xmlns:p="http://schemas.openxmlformats.org/presentationml/2006/main">
+  <p:cSld>
+    <p:spTree>
+      <p:nvGrpSpPr>
+        <p:cNvPr id="1" name="Shape 448"/>
+        <p:cNvGrpSpPr/>
+        <p:nvPr/>
+      </p:nvGrpSpPr>
+      <p:grpSpPr>
+        <a:xfrm>
+          <a:off x="0" y="0"/>
+          <a:ext cx="0" cy="0"/>
+          <a:chOff x="0" y="0"/>
+          <a:chExt cx="0" cy="0"/>
+        </a:xfrm>
+      </p:grpSpPr>
+      <p:sp>
+        <p:nvSpPr>
+          <p:cNvPr id="449" name="Google Shape;449;p45"/>
+          <p:cNvSpPr txBox="1"/>
+          <p:nvPr/>
+        </p:nvSpPr>
+        <p:spPr>
+          <a:xfrm>
+            <a:off x="534900" y="2349300"/>
+            <a:ext cx="8074200" cy="444900"/>
+          </a:xfrm>
+          <a:prstGeom prst="rect">
+            <a:avLst/>
+          </a:prstGeom>
+          <a:noFill/>
+          <a:ln>
+            <a:noFill/>
+          </a:ln>
+        </p:spPr>
+        <p:txBody>
+          <a:bodyPr spcFirstLastPara="1" wrap="square" lIns="91425" tIns="91425" rIns="91425" bIns="91425" anchor="t" anchorCtr="0">
+            <a:noAutofit/>
+          </a:bodyPr>
+          <a:lstStyle/>
+          <a:p>
+            <a:pPr marL="0" lvl="0" indent="0" algn="ctr" rtl="0">
+              <a:spcBef>
+                <a:spcPts val="0"/>
+              </a:spcBef>
+              <a:spcAft>
+                <a:spcPts val="0"/>
+              </a:spcAft>
+              <a:buClr>
+                <a:schemeClr val="dk1"/>
+              </a:buClr>
+              <a:buSzPts val="1100"/>
+              <a:buFont typeface="Arial"/>
+              <a:buNone/>
+            </a:pPr>
+            <a:r>
+              <a:rPr lang="pt-BR" sz="2400" u="sng">
+                <a:solidFill>
+                  <a:schemeClr val="hlink"/>
+                </a:solidFill>
+                <a:hlinkClick r:id="rId3"/>
+              </a:rPr>
+              <a:t>https://github.com/kimmikirino/js-dom-challenge</a:t>
+            </a:r>
+            <a:endParaRPr sz="2400">
+              <a:solidFill>
+                <a:srgbClr val="666666"/>
+              </a:solidFill>
+              <a:latin typeface="Open Sans SemiBold"/>
+              <a:ea typeface="Open Sans SemiBold"/>
+              <a:cs typeface="Open Sans SemiBold"/>
+              <a:sym typeface="Open Sans SemiBold"/>
+            </a:endParaRPr>
+          </a:p>
+        </p:txBody>
+      </p:sp>
+      <p:pic>
+        <p:nvPicPr>
+          <p:cNvPr id="450" name="Google Shape;450;p45"/>
+          <p:cNvPicPr preferRelativeResize="0"/>
+          <p:nvPr/>
+        </p:nvPicPr>
+        <p:blipFill>
+          <a:blip r:embed="rId4">
+            <a:alphaModFix amt="40000"/>
+          </a:blip>
+          <a:stretch>
+            <a:fillRect/>
+          </a:stretch>
+        </p:blipFill>
+        <p:spPr>
+          <a:xfrm rot="-9965328">
+            <a:off x="-3577288" y="-2662072"/>
+            <a:ext cx="4739552" cy="4739569"/>
+          </a:xfrm>
+          <a:prstGeom prst="rect">
+            <a:avLst/>
+          </a:prstGeom>
+          <a:noFill/>
+          <a:ln>
+            <a:noFill/>
+          </a:ln>
+        </p:spPr>
+      </p:pic>
+      <p:sp>
+        <p:nvSpPr>
+          <p:cNvPr id="451" name="Google Shape;451;p45"/>
+          <p:cNvSpPr/>
+          <p:nvPr/>
+        </p:nvSpPr>
+        <p:spPr>
+          <a:xfrm>
+            <a:off x="722100" y="535876"/>
+            <a:ext cx="475800" cy="37800"/>
+          </a:xfrm>
+          <a:prstGeom prst="rect">
+            <a:avLst/>
+          </a:prstGeom>
+          <a:solidFill>
+            <a:srgbClr val="D54995"/>
+          </a:solidFill>
+          <a:ln>
+            <a:noFill/>
+          </a:ln>
+        </p:spPr>
+        <p:txBody>
+          <a:bodyPr spcFirstLastPara="1" wrap="square" lIns="91425" tIns="91425" rIns="91425" bIns="91425" anchor="ctr" anchorCtr="0">
+            <a:noAutofit/>
+          </a:bodyPr>
+          <a:lstStyle/>
+          <a:p>
+            <a:pPr marL="0" lvl="0" indent="0" algn="l" rtl="0">
+              <a:spcBef>
+                <a:spcPts val="0"/>
+              </a:spcBef>
+              <a:spcAft>
+                <a:spcPts val="0"/>
+              </a:spcAft>
+              <a:buNone/>
+            </a:pPr>
+            <a:endParaRPr/>
+          </a:p>
+        </p:txBody>
+      </p:sp>
+      <p:sp>
+        <p:nvSpPr>
+          <p:cNvPr id="452" name="Google Shape;452;p45"/>
+          <p:cNvSpPr/>
+          <p:nvPr/>
+        </p:nvSpPr>
+        <p:spPr>
+          <a:xfrm>
+            <a:off x="1186896" y="535876"/>
+            <a:ext cx="475800" cy="37800"/>
+          </a:xfrm>
+          <a:prstGeom prst="rect">
+            <a:avLst/>
+          </a:prstGeom>
+          <a:solidFill>
+            <a:srgbClr val="B33C97"/>
+          </a:solidFill>
+          <a:ln>
+            <a:noFill/>
+          </a:ln>
+        </p:spPr>
+        <p:txBody>
+          <a:bodyPr spcFirstLastPara="1" wrap="square" lIns="91425" tIns="91425" rIns="91425" bIns="91425" anchor="ctr" anchorCtr="0">
+            <a:noAutofit/>
+          </a:bodyPr>
+          <a:lstStyle/>
+          <a:p>
+            <a:pPr marL="0" lvl="0" indent="0" algn="l" rtl="0">
+              <a:spcBef>
+                <a:spcPts val="0"/>
+              </a:spcBef>
+              <a:spcAft>
+                <a:spcPts val="0"/>
+              </a:spcAft>
+              <a:buNone/>
+            </a:pPr>
+            <a:endParaRPr/>
+          </a:p>
+        </p:txBody>
+      </p:sp>
+      <p:pic>
+        <p:nvPicPr>
+          <p:cNvPr id="453" name="Google Shape;453;p45"/>
+          <p:cNvPicPr preferRelativeResize="0"/>
+          <p:nvPr/>
+        </p:nvPicPr>
+        <p:blipFill>
+          <a:blip r:embed="rId5">
+            <a:alphaModFix/>
+          </a:blip>
+          <a:stretch>
+            <a:fillRect/>
+          </a:stretch>
+        </p:blipFill>
+        <p:spPr>
+          <a:xfrm rot="-3561828">
+            <a:off x="6186000" y="2412650"/>
+            <a:ext cx="5143501" cy="5143501"/>
+          </a:xfrm>
+          <a:prstGeom prst="rect">
+            <a:avLst/>
+          </a:prstGeom>
+          <a:noFill/>
+          <a:ln>
+            <a:noFill/>
+          </a:ln>
+        </p:spPr>
+      </p:pic>
+      <p:sp>
+        <p:nvSpPr>
+          <p:cNvPr id="454" name="Google Shape;454;p45"/>
+          <p:cNvSpPr txBox="1"/>
+          <p:nvPr/>
+        </p:nvSpPr>
+        <p:spPr>
+          <a:xfrm>
+            <a:off x="620000" y="633500"/>
+            <a:ext cx="5443500" cy="501000"/>
+          </a:xfrm>
+          <a:prstGeom prst="rect">
+            <a:avLst/>
+          </a:prstGeom>
+          <a:noFill/>
+          <a:ln>
+            <a:noFill/>
+          </a:ln>
+        </p:spPr>
+        <p:txBody>
+          <a:bodyPr spcFirstLastPara="1" wrap="square" lIns="91425" tIns="91425" rIns="91425" bIns="91425" anchor="t" anchorCtr="0">
+            <a:noAutofit/>
+          </a:bodyPr>
+          <a:lstStyle/>
+          <a:p>
+            <a:pPr marL="0" lvl="0" indent="0" algn="l" rtl="0">
+              <a:lnSpc>
+                <a:spcPct val="100000"/>
+              </a:lnSpc>
+              <a:spcBef>
+                <a:spcPts val="0"/>
+              </a:spcBef>
+              <a:spcAft>
+                <a:spcPts val="0"/>
+              </a:spcAft>
+              <a:buNone/>
+            </a:pPr>
+            <a:r>
+              <a:rPr lang="pt-BR" sz="2500" b="1">
+                <a:solidFill>
+                  <a:srgbClr val="434343"/>
+                </a:solidFill>
+                <a:latin typeface="Open Sans"/>
+                <a:ea typeface="Open Sans"/>
+                <a:cs typeface="Open Sans"/>
+                <a:sym typeface="Open Sans"/>
+              </a:rPr>
+              <a:t>Lição de casa</a:t>
+            </a:r>
+            <a:endParaRPr sz="2500">
+              <a:solidFill>
+                <a:srgbClr val="434343"/>
+              </a:solidFill>
+              <a:latin typeface="Open Sans"/>
+              <a:ea typeface="Open Sans"/>
+              <a:cs typeface="Open Sans"/>
+              <a:sym typeface="Open Sans"/>
+            </a:endParaRPr>
+          </a:p>
+        </p:txBody>
+      </p:sp>
+    </p:spTree>
+    <p:extLst>
+      <p:ext uri="{BB962C8B-B14F-4D97-AF65-F5344CB8AC3E}">
+        <p14:creationId xmlns:p14="http://schemas.microsoft.com/office/powerpoint/2010/main" val="3046883290"/>
+      </p:ext>
+    </p:extLst>
+  </p:cSld>
+  <p:clrMapOvr>
+    <a:masterClrMapping/>
+  </p:clrMapOvr>
+</p:sld>
+</file>
+
+<file path=ppt/slides/slide34.xml><?xml version="1.0" encoding="utf-8"?>
+<p:sld xmlns:a="http://schemas.openxmlformats.org/drawingml/2006/main" xmlns:r="http://schemas.openxmlformats.org/officeDocument/2006/relationships" xmlns:p="http://schemas.openxmlformats.org/presentationml/2006/main">
+  <p:cSld>
+    <p:spTree>
+      <p:nvGrpSpPr>
+        <p:cNvPr id="1" name="Shape 485"/>
+        <p:cNvGrpSpPr/>
+        <p:nvPr/>
+      </p:nvGrpSpPr>
+      <p:grpSpPr>
+        <a:xfrm>
+          <a:off x="0" y="0"/>
+          <a:ext cx="0" cy="0"/>
+          <a:chOff x="0" y="0"/>
+          <a:chExt cx="0" cy="0"/>
+        </a:xfrm>
+      </p:grpSpPr>
+      <p:sp>
+        <p:nvSpPr>
+          <p:cNvPr id="486" name="Google Shape;486;p50"/>
+          <p:cNvSpPr txBox="1"/>
+          <p:nvPr/>
+        </p:nvSpPr>
+        <p:spPr>
+          <a:xfrm>
+            <a:off x="1850250" y="354150"/>
+            <a:ext cx="5443500" cy="625200"/>
+          </a:xfrm>
+          <a:prstGeom prst="rect">
+            <a:avLst/>
+          </a:prstGeom>
+          <a:noFill/>
+          <a:ln>
+            <a:noFill/>
+          </a:ln>
+        </p:spPr>
+        <p:txBody>
+          <a:bodyPr spcFirstLastPara="1" wrap="square" lIns="91425" tIns="91425" rIns="91425" bIns="91425" anchor="t" anchorCtr="0">
+            <a:noAutofit/>
+          </a:bodyPr>
+          <a:lstStyle/>
+          <a:p>
+            <a:pPr marL="0" lvl="0" indent="0" algn="ctr" rtl="0">
+              <a:lnSpc>
+                <a:spcPct val="100000"/>
+              </a:lnSpc>
+              <a:spcBef>
+                <a:spcPts val="0"/>
+              </a:spcBef>
+              <a:spcAft>
+                <a:spcPts val="0"/>
+              </a:spcAft>
+              <a:buNone/>
+            </a:pPr>
+            <a:r>
+              <a:rPr lang="pt-BR" sz="3000" b="1">
+                <a:solidFill>
+                  <a:srgbClr val="434343"/>
+                </a:solidFill>
+                <a:latin typeface="Open Sans"/>
+                <a:ea typeface="Open Sans"/>
+                <a:cs typeface="Open Sans"/>
+                <a:sym typeface="Open Sans"/>
+              </a:rPr>
+              <a:t>Avisos e Dicas</a:t>
+            </a:r>
+            <a:endParaRPr sz="3000">
+              <a:solidFill>
+                <a:srgbClr val="434343"/>
+              </a:solidFill>
+              <a:latin typeface="Open Sans"/>
+              <a:ea typeface="Open Sans"/>
+              <a:cs typeface="Open Sans"/>
+              <a:sym typeface="Open Sans"/>
+            </a:endParaRPr>
+          </a:p>
+        </p:txBody>
+      </p:sp>
+      <p:pic>
+        <p:nvPicPr>
+          <p:cNvPr id="487" name="Google Shape;487;p50"/>
+          <p:cNvPicPr preferRelativeResize="0"/>
+          <p:nvPr/>
+        </p:nvPicPr>
+        <p:blipFill>
+          <a:blip r:embed="rId3">
+            <a:alphaModFix/>
+          </a:blip>
+          <a:stretch>
+            <a:fillRect/>
+          </a:stretch>
+        </p:blipFill>
+        <p:spPr>
+          <a:xfrm rot="-312075">
+            <a:off x="6397325" y="2782050"/>
+            <a:ext cx="5143501" cy="5143501"/>
+          </a:xfrm>
+          <a:prstGeom prst="rect">
+            <a:avLst/>
+          </a:prstGeom>
+          <a:noFill/>
+          <a:ln>
+            <a:noFill/>
+          </a:ln>
+        </p:spPr>
+      </p:pic>
+      <p:sp>
+        <p:nvSpPr>
+          <p:cNvPr id="488" name="Google Shape;488;p50"/>
+          <p:cNvSpPr txBox="1"/>
+          <p:nvPr/>
+        </p:nvSpPr>
+        <p:spPr>
+          <a:xfrm>
+            <a:off x="620000" y="1351225"/>
+            <a:ext cx="8074200" cy="3275700"/>
+          </a:xfrm>
+          <a:prstGeom prst="rect">
+            <a:avLst/>
+          </a:prstGeom>
+          <a:noFill/>
+          <a:ln>
+            <a:noFill/>
+          </a:ln>
+        </p:spPr>
+        <p:txBody>
+          <a:bodyPr spcFirstLastPara="1" wrap="square" lIns="91425" tIns="91425" rIns="91425" bIns="91425" anchor="t" anchorCtr="0">
+            <a:noAutofit/>
+          </a:bodyPr>
+          <a:lstStyle/>
+          <a:p>
+            <a:pPr marL="0" marR="0" lvl="0" indent="0" algn="l" rtl="0">
+              <a:lnSpc>
+                <a:spcPct val="150000"/>
+              </a:lnSpc>
+              <a:spcBef>
+                <a:spcPts val="0"/>
+              </a:spcBef>
+              <a:spcAft>
+                <a:spcPts val="0"/>
+              </a:spcAft>
+              <a:buNone/>
+            </a:pPr>
+            <a:r>
+              <a:rPr lang="pt-BR" sz="1800" dirty="0">
+                <a:solidFill>
+                  <a:srgbClr val="666666"/>
+                </a:solidFill>
+                <a:highlight>
+                  <a:srgbClr val="FFFFFF"/>
+                </a:highlight>
+                <a:latin typeface="Open Sans"/>
+                <a:ea typeface="Open Sans"/>
+                <a:cs typeface="Open Sans"/>
+                <a:sym typeface="Open Sans"/>
+              </a:rPr>
+              <a:t>. Vamos disponibilizar todo material do curso, estará no </a:t>
+            </a:r>
+            <a:r>
+              <a:rPr lang="pt-BR" sz="1800" dirty="0" err="1">
+                <a:solidFill>
+                  <a:srgbClr val="666666"/>
+                </a:solidFill>
+                <a:highlight>
+                  <a:srgbClr val="FFFFFF"/>
+                </a:highlight>
+                <a:latin typeface="Open Sans"/>
+                <a:ea typeface="Open Sans"/>
+                <a:cs typeface="Open Sans"/>
+                <a:sym typeface="Open Sans"/>
+              </a:rPr>
+              <a:t>github</a:t>
+            </a:r>
+            <a:endParaRPr sz="1800" dirty="0">
+              <a:solidFill>
+                <a:srgbClr val="222222"/>
+              </a:solidFill>
+              <a:highlight>
+                <a:srgbClr val="FFFFFF"/>
+              </a:highlight>
+              <a:latin typeface="Open Sans"/>
+              <a:ea typeface="Open Sans"/>
+              <a:cs typeface="Open Sans"/>
+              <a:sym typeface="Open Sans"/>
+            </a:endParaRPr>
+          </a:p>
+          <a:p>
+            <a:pPr marL="0" lvl="0" indent="0" algn="l" rtl="0">
+              <a:lnSpc>
+                <a:spcPct val="150000"/>
+              </a:lnSpc>
+              <a:spcBef>
+                <a:spcPts val="0"/>
+              </a:spcBef>
+              <a:spcAft>
+                <a:spcPts val="0"/>
+              </a:spcAft>
+              <a:buNone/>
+            </a:pPr>
+            <a:r>
+              <a:rPr lang="pt-BR" sz="1800" dirty="0">
+                <a:solidFill>
+                  <a:srgbClr val="666666"/>
+                </a:solidFill>
+                <a:highlight>
+                  <a:schemeClr val="lt1"/>
+                </a:highlight>
+                <a:latin typeface="Open Sans"/>
+                <a:ea typeface="Open Sans"/>
+                <a:cs typeface="Open Sans"/>
+                <a:sym typeface="Open Sans"/>
+              </a:rPr>
+              <a:t>. Refaçam os exercícios, qualquer dúvida podem nos acionar a qualquer momento.</a:t>
+            </a:r>
+            <a:endParaRPr sz="1800" dirty="0">
+              <a:solidFill>
+                <a:srgbClr val="666666"/>
+              </a:solidFill>
+              <a:highlight>
+                <a:schemeClr val="lt1"/>
+              </a:highlight>
+              <a:latin typeface="Open Sans"/>
+              <a:ea typeface="Open Sans"/>
+              <a:cs typeface="Open Sans"/>
+              <a:sym typeface="Open Sans"/>
+            </a:endParaRPr>
+          </a:p>
+          <a:p>
+            <a:pPr marL="0" lvl="0" indent="0" algn="l" rtl="0">
+              <a:lnSpc>
+                <a:spcPct val="150000"/>
+              </a:lnSpc>
+              <a:spcBef>
+                <a:spcPts val="0"/>
+              </a:spcBef>
+              <a:spcAft>
+                <a:spcPts val="0"/>
+              </a:spcAft>
+              <a:buNone/>
+            </a:pPr>
+            <a:endParaRPr sz="1800" dirty="0">
+              <a:solidFill>
+                <a:srgbClr val="666666"/>
+              </a:solidFill>
+              <a:highlight>
+                <a:schemeClr val="lt1"/>
+              </a:highlight>
+              <a:latin typeface="Open Sans"/>
+              <a:ea typeface="Open Sans"/>
+              <a:cs typeface="Open Sans"/>
+              <a:sym typeface="Open Sans"/>
+            </a:endParaRPr>
+          </a:p>
+        </p:txBody>
+      </p:sp>
+    </p:spTree>
+  </p:cSld>
+  <p:clrMapOvr>
+    <a:masterClrMapping/>
+  </p:clrMapOvr>
+</p:sld>
+</file>
+
+<file path=ppt/slides/slide35.xml><?xml version="1.0" encoding="utf-8"?>
+<p:sld xmlns:a="http://schemas.openxmlformats.org/drawingml/2006/main" xmlns:r="http://schemas.openxmlformats.org/officeDocument/2006/relationships" xmlns:p="http://schemas.openxmlformats.org/presentationml/2006/main">
+  <p:cSld>
+    <p:spTree>
+      <p:nvGrpSpPr>
+        <p:cNvPr id="1" name="Shape 492"/>
+        <p:cNvGrpSpPr/>
+        <p:nvPr/>
+      </p:nvGrpSpPr>
+      <p:grpSpPr>
+        <a:xfrm>
+          <a:off x="0" y="0"/>
+          <a:ext cx="0" cy="0"/>
+          <a:chOff x="0" y="0"/>
+          <a:chExt cx="0" cy="0"/>
+        </a:xfrm>
+      </p:grpSpPr>
+      <p:sp>
+        <p:nvSpPr>
+          <p:cNvPr id="493" name="Google Shape;493;p51"/>
+          <p:cNvSpPr txBox="1"/>
+          <p:nvPr/>
+        </p:nvSpPr>
+        <p:spPr>
+          <a:xfrm>
+            <a:off x="1850250" y="354150"/>
+            <a:ext cx="5443500" cy="625200"/>
+          </a:xfrm>
+          <a:prstGeom prst="rect">
+            <a:avLst/>
+          </a:prstGeom>
+          <a:noFill/>
+          <a:ln>
+            <a:noFill/>
+          </a:ln>
+        </p:spPr>
+        <p:txBody>
+          <a:bodyPr spcFirstLastPara="1" wrap="square" lIns="91425" tIns="91425" rIns="91425" bIns="91425" anchor="t" anchorCtr="0">
+            <a:noAutofit/>
+          </a:bodyPr>
+          <a:lstStyle/>
+          <a:p>
+            <a:pPr marL="0" lvl="0" indent="0" algn="ctr" rtl="0">
+              <a:lnSpc>
+                <a:spcPct val="100000"/>
+              </a:lnSpc>
+              <a:spcBef>
+                <a:spcPts val="0"/>
+              </a:spcBef>
+              <a:spcAft>
+                <a:spcPts val="0"/>
+              </a:spcAft>
+              <a:buNone/>
+            </a:pPr>
+            <a:r>
+              <a:rPr lang="pt-BR" sz="3000" b="1">
+                <a:solidFill>
+                  <a:srgbClr val="434343"/>
+                </a:solidFill>
+                <a:latin typeface="Open Sans"/>
+                <a:ea typeface="Open Sans"/>
+                <a:cs typeface="Open Sans"/>
+                <a:sym typeface="Open Sans"/>
+              </a:rPr>
+              <a:t>Sobre as avaliações</a:t>
+            </a:r>
+            <a:endParaRPr sz="3000">
+              <a:solidFill>
+                <a:srgbClr val="434343"/>
+              </a:solidFill>
+              <a:latin typeface="Open Sans"/>
+              <a:ea typeface="Open Sans"/>
+              <a:cs typeface="Open Sans"/>
+              <a:sym typeface="Open Sans"/>
+            </a:endParaRPr>
+          </a:p>
+        </p:txBody>
+      </p:sp>
+      <p:pic>
+        <p:nvPicPr>
+          <p:cNvPr id="494" name="Google Shape;494;p51"/>
+          <p:cNvPicPr preferRelativeResize="0"/>
+          <p:nvPr/>
+        </p:nvPicPr>
+        <p:blipFill>
+          <a:blip r:embed="rId3">
+            <a:alphaModFix/>
+          </a:blip>
+          <a:stretch>
+            <a:fillRect/>
+          </a:stretch>
+        </p:blipFill>
+        <p:spPr>
+          <a:xfrm rot="-312075">
+            <a:off x="7411825" y="-1569575"/>
+            <a:ext cx="5143501" cy="5143501"/>
+          </a:xfrm>
+          <a:prstGeom prst="rect">
+            <a:avLst/>
+          </a:prstGeom>
+          <a:noFill/>
+          <a:ln>
+            <a:noFill/>
+          </a:ln>
+        </p:spPr>
+      </p:pic>
+      <p:sp>
+        <p:nvSpPr>
+          <p:cNvPr id="495" name="Google Shape;495;p51"/>
+          <p:cNvSpPr txBox="1"/>
+          <p:nvPr/>
+        </p:nvSpPr>
+        <p:spPr>
+          <a:xfrm>
+            <a:off x="620000" y="1351225"/>
+            <a:ext cx="8074200" cy="3275700"/>
+          </a:xfrm>
+          <a:prstGeom prst="rect">
+            <a:avLst/>
+          </a:prstGeom>
+          <a:noFill/>
+          <a:ln>
+            <a:noFill/>
+          </a:ln>
+        </p:spPr>
+        <p:txBody>
+          <a:bodyPr spcFirstLastPara="1" wrap="square" lIns="91425" tIns="91425" rIns="91425" bIns="91425" anchor="t" anchorCtr="0">
+            <a:noAutofit/>
+          </a:bodyPr>
+          <a:lstStyle/>
+          <a:p>
+            <a:pPr marL="0" lvl="0" indent="0" algn="l" rtl="0">
+              <a:lnSpc>
+                <a:spcPct val="150000"/>
+              </a:lnSpc>
+              <a:spcBef>
+                <a:spcPts val="0"/>
+              </a:spcBef>
+              <a:spcAft>
+                <a:spcPts val="0"/>
+              </a:spcAft>
+              <a:buNone/>
+            </a:pPr>
+            <a:r>
+              <a:rPr lang="pt-BR" sz="1800">
+                <a:solidFill>
+                  <a:srgbClr val="666666"/>
+                </a:solidFill>
+                <a:highlight>
+                  <a:schemeClr val="lt1"/>
+                </a:highlight>
+                <a:latin typeface="Open Sans"/>
+                <a:ea typeface="Open Sans"/>
+                <a:cs typeface="Open Sans"/>
+                <a:sym typeface="Open Sans"/>
+              </a:rPr>
+              <a:t>. Prova prática será liberada na quarta feira dia 04/09/2019 de manhã, mandaremos pelo grupo</a:t>
+            </a:r>
+            <a:endParaRPr sz="1800">
+              <a:solidFill>
+                <a:srgbClr val="666666"/>
+              </a:solidFill>
+              <a:highlight>
+                <a:schemeClr val="lt1"/>
+              </a:highlight>
+              <a:latin typeface="Open Sans"/>
+              <a:ea typeface="Open Sans"/>
+              <a:cs typeface="Open Sans"/>
+              <a:sym typeface="Open Sans"/>
+            </a:endParaRPr>
+          </a:p>
+          <a:p>
+            <a:pPr marL="0" lvl="0" indent="0" algn="l" rtl="0">
+              <a:lnSpc>
+                <a:spcPct val="150000"/>
+              </a:lnSpc>
+              <a:spcBef>
+                <a:spcPts val="0"/>
+              </a:spcBef>
+              <a:spcAft>
+                <a:spcPts val="0"/>
+              </a:spcAft>
+              <a:buNone/>
+            </a:pPr>
+            <a:r>
+              <a:rPr lang="pt-BR" sz="1800">
+                <a:solidFill>
+                  <a:srgbClr val="666666"/>
+                </a:solidFill>
+                <a:highlight>
+                  <a:schemeClr val="lt1"/>
+                </a:highlight>
+                <a:latin typeface="Open Sans"/>
+                <a:ea typeface="Open Sans"/>
+                <a:cs typeface="Open Sans"/>
+                <a:sym typeface="Open Sans"/>
+              </a:rPr>
+              <a:t>   . </a:t>
+            </a:r>
+            <a:r>
+              <a:rPr lang="pt-BR" sz="1800" b="1">
+                <a:solidFill>
+                  <a:srgbClr val="666666"/>
+                </a:solidFill>
+                <a:highlight>
+                  <a:schemeClr val="lt1"/>
+                </a:highlight>
+                <a:latin typeface="Open Sans"/>
+                <a:ea typeface="Open Sans"/>
+                <a:cs typeface="Open Sans"/>
+                <a:sym typeface="Open Sans"/>
+              </a:rPr>
+              <a:t>Não colem do amiguinho, iremos olhar o código no detalhe</a:t>
+            </a:r>
+            <a:endParaRPr sz="1800" b="1">
+              <a:solidFill>
+                <a:srgbClr val="666666"/>
+              </a:solidFill>
+              <a:highlight>
+                <a:schemeClr val="lt1"/>
+              </a:highlight>
+              <a:latin typeface="Open Sans"/>
+              <a:ea typeface="Open Sans"/>
+              <a:cs typeface="Open Sans"/>
+              <a:sym typeface="Open Sans"/>
+            </a:endParaRPr>
+          </a:p>
+          <a:p>
+            <a:pPr marL="0" lvl="0" indent="0" algn="l" rtl="0">
+              <a:lnSpc>
+                <a:spcPct val="150000"/>
+              </a:lnSpc>
+              <a:spcBef>
+                <a:spcPts val="0"/>
+              </a:spcBef>
+              <a:spcAft>
+                <a:spcPts val="0"/>
+              </a:spcAft>
+              <a:buNone/>
+            </a:pPr>
+            <a:r>
+              <a:rPr lang="pt-BR" sz="1800">
+                <a:solidFill>
+                  <a:srgbClr val="666666"/>
+                </a:solidFill>
+                <a:highlight>
+                  <a:schemeClr val="lt1"/>
+                </a:highlight>
+                <a:latin typeface="Open Sans"/>
+                <a:ea typeface="Open Sans"/>
+                <a:cs typeface="Open Sans"/>
+                <a:sym typeface="Open Sans"/>
+              </a:rPr>
+              <a:t>. Sexta- feira (06/09) de manhã, apresentação da prova prática, terão no máximo 15 minutos cada</a:t>
+            </a:r>
+            <a:endParaRPr sz="1800">
+              <a:solidFill>
+                <a:srgbClr val="666666"/>
+              </a:solidFill>
+              <a:highlight>
+                <a:schemeClr val="lt1"/>
+              </a:highlight>
+              <a:latin typeface="Open Sans"/>
+              <a:ea typeface="Open Sans"/>
+              <a:cs typeface="Open Sans"/>
+              <a:sym typeface="Open Sans"/>
+            </a:endParaRPr>
+          </a:p>
+          <a:p>
+            <a:pPr marL="0" lvl="0" indent="0" algn="l" rtl="0">
+              <a:lnSpc>
+                <a:spcPct val="150000"/>
+              </a:lnSpc>
+              <a:spcBef>
+                <a:spcPts val="0"/>
+              </a:spcBef>
+              <a:spcAft>
+                <a:spcPts val="0"/>
+              </a:spcAft>
+              <a:buNone/>
+            </a:pPr>
+            <a:r>
+              <a:rPr lang="pt-BR" sz="1800">
+                <a:solidFill>
+                  <a:srgbClr val="666666"/>
+                </a:solidFill>
+                <a:highlight>
+                  <a:schemeClr val="lt1"/>
+                </a:highlight>
+                <a:latin typeface="Open Sans"/>
+                <a:ea typeface="Open Sans"/>
+                <a:cs typeface="Open Sans"/>
+                <a:sym typeface="Open Sans"/>
+              </a:rPr>
+              <a:t>. Sexta- feira a tarde, prova teórica</a:t>
+            </a:r>
+            <a:endParaRPr sz="1800">
+              <a:solidFill>
+                <a:srgbClr val="222222"/>
+              </a:solidFill>
+              <a:highlight>
+                <a:schemeClr val="lt1"/>
+              </a:highlight>
+              <a:latin typeface="Open Sans"/>
+              <a:ea typeface="Open Sans"/>
+              <a:cs typeface="Open Sans"/>
+              <a:sym typeface="Open Sans"/>
+            </a:endParaRPr>
+          </a:p>
+          <a:p>
+            <a:pPr marL="0" lvl="0" indent="0" algn="l" rtl="0">
+              <a:lnSpc>
+                <a:spcPct val="150000"/>
+              </a:lnSpc>
+              <a:spcBef>
+                <a:spcPts val="0"/>
+              </a:spcBef>
+              <a:spcAft>
+                <a:spcPts val="0"/>
+              </a:spcAft>
+              <a:buNone/>
+            </a:pPr>
+            <a:endParaRPr sz="1800">
+              <a:solidFill>
+                <a:srgbClr val="666666"/>
+              </a:solidFill>
+              <a:highlight>
+                <a:schemeClr val="lt1"/>
+              </a:highlight>
+              <a:latin typeface="Open Sans"/>
+              <a:ea typeface="Open Sans"/>
+              <a:cs typeface="Open Sans"/>
+              <a:sym typeface="Open Sans"/>
+            </a:endParaRPr>
+          </a:p>
+        </p:txBody>
+      </p:sp>
+    </p:spTree>
+  </p:cSld>
+  <p:clrMapOvr>
+    <a:masterClrMapping/>
+  </p:clrMapOvr>
+</p:sld>
+</file>
+
+<file path=ppt/slides/slide36.xml><?xml version="1.0" encoding="utf-8"?>
+<p:sld xmlns:a="http://schemas.openxmlformats.org/drawingml/2006/main" xmlns:r="http://schemas.openxmlformats.org/officeDocument/2006/relationships" xmlns:p="http://schemas.openxmlformats.org/presentationml/2006/main">
+  <p:cSld>
+    <p:spTree>
+      <p:nvGrpSpPr>
+        <p:cNvPr id="1" name="Shape 499"/>
+        <p:cNvGrpSpPr/>
+        <p:nvPr/>
+      </p:nvGrpSpPr>
+      <p:grpSpPr>
+        <a:xfrm>
+          <a:off x="0" y="0"/>
+          <a:ext cx="0" cy="0"/>
+          <a:chOff x="0" y="0"/>
+          <a:chExt cx="0" cy="0"/>
+        </a:xfrm>
+      </p:grpSpPr>
+      <p:pic>
+        <p:nvPicPr>
+          <p:cNvPr id="500" name="Google Shape;500;p52"/>
+          <p:cNvPicPr preferRelativeResize="0"/>
+          <p:nvPr/>
+        </p:nvPicPr>
+        <p:blipFill rotWithShape="1">
+          <a:blip r:embed="rId3">
+            <a:alphaModFix/>
+          </a:blip>
+          <a:srcRect/>
+          <a:stretch/>
+        </p:blipFill>
+        <p:spPr>
+          <a:xfrm>
+            <a:off x="3669850" y="1048250"/>
+            <a:ext cx="1804299" cy="1804275"/>
+          </a:xfrm>
+          <a:prstGeom prst="rect">
+            <a:avLst/>
+          </a:prstGeom>
+          <a:noFill/>
+          <a:ln>
+            <a:noFill/>
+          </a:ln>
+        </p:spPr>
+      </p:pic>
+      <p:sp>
+        <p:nvSpPr>
+          <p:cNvPr id="501" name="Google Shape;501;p52"/>
+          <p:cNvSpPr txBox="1"/>
+          <p:nvPr/>
+        </p:nvSpPr>
+        <p:spPr>
+          <a:xfrm>
+            <a:off x="2661600" y="3351250"/>
+            <a:ext cx="3820800" cy="744000"/>
+          </a:xfrm>
+          <a:prstGeom prst="rect">
+            <a:avLst/>
+          </a:prstGeom>
+          <a:noFill/>
+          <a:ln>
+            <a:noFill/>
+          </a:ln>
+        </p:spPr>
+        <p:txBody>
+          <a:bodyPr spcFirstLastPara="1" wrap="square" lIns="91425" tIns="91425" rIns="91425" bIns="91425" anchor="t" anchorCtr="0">
+            <a:noAutofit/>
+          </a:bodyPr>
+          <a:lstStyle/>
+          <a:p>
+            <a:pPr marL="0" lvl="0" indent="0" algn="ctr" rtl="0">
+              <a:spcBef>
+                <a:spcPts val="0"/>
+              </a:spcBef>
+              <a:spcAft>
+                <a:spcPts val="0"/>
+              </a:spcAft>
+              <a:buNone/>
+            </a:pPr>
+            <a:r>
+              <a:rPr lang="pt-BR" sz="3600" b="1">
+                <a:solidFill>
+                  <a:srgbClr val="555555"/>
+                </a:solidFill>
+                <a:latin typeface="Open Sans"/>
+                <a:ea typeface="Open Sans"/>
+                <a:cs typeface="Open Sans"/>
+                <a:sym typeface="Open Sans"/>
+              </a:rPr>
+              <a:t>Obrigado e </a:t>
+            </a:r>
+            <a:endParaRPr sz="3600" b="1">
+              <a:solidFill>
+                <a:srgbClr val="555555"/>
+              </a:solidFill>
+              <a:latin typeface="Open Sans"/>
+              <a:ea typeface="Open Sans"/>
+              <a:cs typeface="Open Sans"/>
+              <a:sym typeface="Open Sans"/>
+            </a:endParaRPr>
+          </a:p>
+          <a:p>
+            <a:pPr marL="0" lvl="0" indent="0" algn="ctr" rtl="0">
+              <a:spcBef>
+                <a:spcPts val="0"/>
+              </a:spcBef>
+              <a:spcAft>
+                <a:spcPts val="0"/>
+              </a:spcAft>
+              <a:buNone/>
+            </a:pPr>
+            <a:r>
+              <a:rPr lang="pt-BR" sz="3600" b="1">
+                <a:solidFill>
+                  <a:srgbClr val="555555"/>
+                </a:solidFill>
+                <a:latin typeface="Open Sans"/>
+                <a:ea typeface="Open Sans"/>
+                <a:cs typeface="Open Sans"/>
+                <a:sym typeface="Open Sans"/>
+              </a:rPr>
+              <a:t>Boa sorte!</a:t>
+            </a:r>
+            <a:endParaRPr sz="3600" b="1">
+              <a:solidFill>
+                <a:srgbClr val="555555"/>
+              </a:solidFill>
+              <a:latin typeface="Open Sans"/>
+              <a:ea typeface="Open Sans"/>
+              <a:cs typeface="Open Sans"/>
+              <a:sym typeface="Open Sans"/>
+            </a:endParaRPr>
+          </a:p>
+        </p:txBody>
+      </p:sp>
+      <p:pic>
+        <p:nvPicPr>
+          <p:cNvPr id="502" name="Google Shape;502;p52"/>
+          <p:cNvPicPr preferRelativeResize="0"/>
+          <p:nvPr/>
+        </p:nvPicPr>
+        <p:blipFill>
+          <a:blip r:embed="rId4">
+            <a:alphaModFix amt="40000"/>
+          </a:blip>
+          <a:stretch>
+            <a:fillRect/>
+          </a:stretch>
+        </p:blipFill>
+        <p:spPr>
+          <a:xfrm rot="9277915">
+            <a:off x="6087967" y="-2510502"/>
+            <a:ext cx="5166018" cy="5166029"/>
+          </a:xfrm>
+          <a:prstGeom prst="rect">
+            <a:avLst/>
+          </a:prstGeom>
+          <a:noFill/>
+          <a:ln>
+            <a:noFill/>
+          </a:ln>
+        </p:spPr>
+      </p:pic>
+      <p:pic>
+        <p:nvPicPr>
+          <p:cNvPr id="503" name="Google Shape;503;p52"/>
+          <p:cNvPicPr preferRelativeResize="0"/>
+          <p:nvPr/>
+        </p:nvPicPr>
+        <p:blipFill>
+          <a:blip r:embed="rId5">
+            <a:alphaModFix/>
+          </a:blip>
+          <a:stretch>
+            <a:fillRect/>
+          </a:stretch>
+        </p:blipFill>
+        <p:spPr>
+          <a:xfrm rot="-998994">
+            <a:off x="-2345325" y="2566075"/>
+            <a:ext cx="5143500" cy="5143500"/>
           </a:xfrm>
           <a:prstGeom prst="rect">
             <a:avLst/>
